--- a/Диплом/PRI-120-VKR-Presentation-Parakhin.pptx
+++ b/Диплом/PRI-120-VKR-Presentation-Parakhin.pptx
@@ -8,25 +8,24 @@
     <p:sldId id="256" r:id="rId2"/>
     <p:sldId id="257" r:id="rId3"/>
     <p:sldId id="301" r:id="rId4"/>
-    <p:sldId id="305" r:id="rId5"/>
-    <p:sldId id="302" r:id="rId6"/>
-    <p:sldId id="303" r:id="rId7"/>
-    <p:sldId id="285" r:id="rId8"/>
-    <p:sldId id="278" r:id="rId9"/>
-    <p:sldId id="276" r:id="rId10"/>
-    <p:sldId id="307" r:id="rId11"/>
-    <p:sldId id="277" r:id="rId12"/>
-    <p:sldId id="288" r:id="rId13"/>
-    <p:sldId id="270" r:id="rId14"/>
+    <p:sldId id="302" r:id="rId5"/>
+    <p:sldId id="303" r:id="rId6"/>
+    <p:sldId id="285" r:id="rId7"/>
+    <p:sldId id="278" r:id="rId8"/>
+    <p:sldId id="276" r:id="rId9"/>
+    <p:sldId id="307" r:id="rId10"/>
+    <p:sldId id="277" r:id="rId11"/>
+    <p:sldId id="288" r:id="rId12"/>
+    <p:sldId id="270" r:id="rId13"/>
+    <p:sldId id="308" r:id="rId14"/>
     <p:sldId id="271" r:id="rId15"/>
-    <p:sldId id="292" r:id="rId16"/>
-    <p:sldId id="291" r:id="rId17"/>
+    <p:sldId id="291" r:id="rId16"/>
+    <p:sldId id="309" r:id="rId17"/>
     <p:sldId id="295" r:id="rId18"/>
-    <p:sldId id="296" r:id="rId19"/>
-    <p:sldId id="306" r:id="rId20"/>
-    <p:sldId id="304" r:id="rId21"/>
-    <p:sldId id="265" r:id="rId22"/>
-    <p:sldId id="266" r:id="rId23"/>
+    <p:sldId id="306" r:id="rId19"/>
+    <p:sldId id="304" r:id="rId20"/>
+    <p:sldId id="265" r:id="rId21"/>
+    <p:sldId id="266" r:id="rId22"/>
   </p:sldIdLst>
   <p:sldSz cx="12192000" cy="6858000"/>
   <p:notesSz cx="6858000" cy="9144000"/>
@@ -855,7 +854,7 @@
           <a:p>
             <a:fld id="{66F25B80-0EC7-419D-82EA-845F041FDB47}" type="datetimeFigureOut">
               <a:rPr lang="ru-RU" smtClean="0"/>
-              <a:t>27.04.2024</a:t>
+              <a:t>22.05.2024</a:t>
             </a:fld>
             <a:endParaRPr lang="ru-RU"/>
           </a:p>
@@ -1106,7 +1105,7 @@
           <a:p>
             <a:fld id="{66F25B80-0EC7-419D-82EA-845F041FDB47}" type="datetimeFigureOut">
               <a:rPr lang="ru-RU" smtClean="0"/>
-              <a:t>27.04.2024</a:t>
+              <a:t>22.05.2024</a:t>
             </a:fld>
             <a:endParaRPr lang="ru-RU"/>
           </a:p>
@@ -1420,7 +1419,7 @@
           <a:p>
             <a:fld id="{66F25B80-0EC7-419D-82EA-845F041FDB47}" type="datetimeFigureOut">
               <a:rPr lang="ru-RU" smtClean="0"/>
-              <a:t>27.04.2024</a:t>
+              <a:t>22.05.2024</a:t>
             </a:fld>
             <a:endParaRPr lang="ru-RU"/>
           </a:p>
@@ -1761,7 +1760,7 @@
           <a:p>
             <a:fld id="{66F25B80-0EC7-419D-82EA-845F041FDB47}" type="datetimeFigureOut">
               <a:rPr lang="ru-RU" smtClean="0"/>
-              <a:t>27.04.2024</a:t>
+              <a:t>22.05.2024</a:t>
             </a:fld>
             <a:endParaRPr lang="ru-RU"/>
           </a:p>
@@ -2075,7 +2074,7 @@
           <a:p>
             <a:fld id="{66F25B80-0EC7-419D-82EA-845F041FDB47}" type="datetimeFigureOut">
               <a:rPr lang="ru-RU" smtClean="0"/>
-              <a:t>27.04.2024</a:t>
+              <a:t>22.05.2024</a:t>
             </a:fld>
             <a:endParaRPr lang="ru-RU"/>
           </a:p>
@@ -2468,7 +2467,7 @@
           <a:p>
             <a:fld id="{66F25B80-0EC7-419D-82EA-845F041FDB47}" type="datetimeFigureOut">
               <a:rPr lang="ru-RU" smtClean="0"/>
-              <a:t>27.04.2024</a:t>
+              <a:t>22.05.2024</a:t>
             </a:fld>
             <a:endParaRPr lang="ru-RU"/>
           </a:p>
@@ -2638,7 +2637,7 @@
           <a:p>
             <a:fld id="{66F25B80-0EC7-419D-82EA-845F041FDB47}" type="datetimeFigureOut">
               <a:rPr lang="ru-RU" smtClean="0"/>
-              <a:t>27.04.2024</a:t>
+              <a:t>22.05.2024</a:t>
             </a:fld>
             <a:endParaRPr lang="ru-RU"/>
           </a:p>
@@ -2818,7 +2817,7 @@
           <a:p>
             <a:fld id="{66F25B80-0EC7-419D-82EA-845F041FDB47}" type="datetimeFigureOut">
               <a:rPr lang="ru-RU" smtClean="0"/>
-              <a:t>27.04.2024</a:t>
+              <a:t>22.05.2024</a:t>
             </a:fld>
             <a:endParaRPr lang="ru-RU"/>
           </a:p>
@@ -2994,7 +2993,7 @@
           <a:p>
             <a:fld id="{66F25B80-0EC7-419D-82EA-845F041FDB47}" type="datetimeFigureOut">
               <a:rPr lang="ru-RU" smtClean="0"/>
-              <a:t>27.04.2024</a:t>
+              <a:t>22.05.2024</a:t>
             </a:fld>
             <a:endParaRPr lang="ru-RU"/>
           </a:p>
@@ -3241,7 +3240,7 @@
           <a:p>
             <a:fld id="{66F25B80-0EC7-419D-82EA-845F041FDB47}" type="datetimeFigureOut">
               <a:rPr lang="ru-RU" smtClean="0"/>
-              <a:t>27.04.2024</a:t>
+              <a:t>22.05.2024</a:t>
             </a:fld>
             <a:endParaRPr lang="ru-RU"/>
           </a:p>
@@ -3473,7 +3472,7 @@
           <a:p>
             <a:fld id="{66F25B80-0EC7-419D-82EA-845F041FDB47}" type="datetimeFigureOut">
               <a:rPr lang="ru-RU" smtClean="0"/>
-              <a:t>27.04.2024</a:t>
+              <a:t>22.05.2024</a:t>
             </a:fld>
             <a:endParaRPr lang="ru-RU"/>
           </a:p>
@@ -3847,7 +3846,7 @@
           <a:p>
             <a:fld id="{66F25B80-0EC7-419D-82EA-845F041FDB47}" type="datetimeFigureOut">
               <a:rPr lang="ru-RU" smtClean="0"/>
-              <a:t>27.04.2024</a:t>
+              <a:t>22.05.2024</a:t>
             </a:fld>
             <a:endParaRPr lang="ru-RU"/>
           </a:p>
@@ -3970,7 +3969,7 @@
           <a:p>
             <a:fld id="{66F25B80-0EC7-419D-82EA-845F041FDB47}" type="datetimeFigureOut">
               <a:rPr lang="ru-RU" smtClean="0"/>
-              <a:t>27.04.2024</a:t>
+              <a:t>22.05.2024</a:t>
             </a:fld>
             <a:endParaRPr lang="ru-RU"/>
           </a:p>
@@ -4065,7 +4064,7 @@
           <a:p>
             <a:fld id="{66F25B80-0EC7-419D-82EA-845F041FDB47}" type="datetimeFigureOut">
               <a:rPr lang="ru-RU" smtClean="0"/>
-              <a:t>27.04.2024</a:t>
+              <a:t>22.05.2024</a:t>
             </a:fld>
             <a:endParaRPr lang="ru-RU"/>
           </a:p>
@@ -4320,7 +4319,7 @@
           <a:p>
             <a:fld id="{66F25B80-0EC7-419D-82EA-845F041FDB47}" type="datetimeFigureOut">
               <a:rPr lang="ru-RU" smtClean="0"/>
-              <a:t>27.04.2024</a:t>
+              <a:t>22.05.2024</a:t>
             </a:fld>
             <a:endParaRPr lang="ru-RU"/>
           </a:p>
@@ -4583,7 +4582,7 @@
           <a:p>
             <a:fld id="{66F25B80-0EC7-419D-82EA-845F041FDB47}" type="datetimeFigureOut">
               <a:rPr lang="ru-RU" smtClean="0"/>
-              <a:t>27.04.2024</a:t>
+              <a:t>22.05.2024</a:t>
             </a:fld>
             <a:endParaRPr lang="ru-RU"/>
           </a:p>
@@ -5326,7 +5325,7 @@
           <a:p>
             <a:fld id="{66F25B80-0EC7-419D-82EA-845F041FDB47}" type="datetimeFigureOut">
               <a:rPr lang="ru-RU" smtClean="0"/>
-              <a:t>27.04.2024</a:t>
+              <a:t>22.05.2024</a:t>
             </a:fld>
             <a:endParaRPr lang="ru-RU"/>
           </a:p>
@@ -5862,7 +5861,7 @@
         </p:nvSpPr>
         <p:spPr>
           <a:xfrm>
-            <a:off x="1898469" y="3543916"/>
+            <a:off x="1460629" y="2940548"/>
             <a:ext cx="8026927" cy="1096899"/>
           </a:xfrm>
         </p:spPr>
@@ -5872,14 +5871,15 @@
           </a:bodyPr>
           <a:lstStyle/>
           <a:p>
-            <a:pPr algn="just"/>
+            <a:pPr algn="ctr"/>
             <a:r>
               <a:rPr lang="ru-RU" sz="2200" dirty="0" smtClean="0"/>
-              <a:t>Выпускная квалификационная работа по теме</a:t>
-            </a:r>
-          </a:p>
-          <a:p>
-            <a:pPr algn="just"/>
+              <a:t>Тема выпускной квалификационной работы</a:t>
+            </a:r>
+            <a:endParaRPr lang="ru-RU" sz="2200" dirty="0" smtClean="0"/>
+          </a:p>
+          <a:p>
+            <a:pPr algn="ctr"/>
             <a:r>
               <a:rPr lang="ru-RU" sz="2200" dirty="0" smtClean="0"/>
               <a:t>Программная система «Мобильный органайзер»</a:t>
@@ -5906,8 +5906,8 @@
         </p:nvSpPr>
         <p:spPr>
           <a:xfrm>
-            <a:off x="1382251" y="1512715"/>
-            <a:ext cx="7767637" cy="1646237"/>
+            <a:off x="1460629" y="162651"/>
+            <a:ext cx="7767637" cy="2308324"/>
           </a:xfrm>
           <a:prstGeom prst="rect">
             <a:avLst/>
@@ -5922,125 +5922,119 @@
           <a:p>
             <a:pPr algn="ctr"/>
             <a:r>
-              <a:rPr lang="ru-RU" sz="2000" dirty="0">
+              <a:rPr lang="ru-RU" sz="1800" dirty="0">
                 <a:latin typeface="Times New Roman" panose="02020603050405020304" pitchFamily="18" charset="0"/>
                 <a:cs typeface="Times New Roman" panose="02020603050405020304" pitchFamily="18" charset="0"/>
               </a:rPr>
               <a:t>Министерство науки и высшего образования Российской Федерации</a:t>
             </a:r>
             <a:br>
-              <a:rPr lang="ru-RU" sz="2000" dirty="0">
+              <a:rPr lang="ru-RU" sz="1800" dirty="0">
                 <a:latin typeface="Times New Roman" panose="02020603050405020304" pitchFamily="18" charset="0"/>
                 <a:cs typeface="Times New Roman" panose="02020603050405020304" pitchFamily="18" charset="0"/>
               </a:rPr>
             </a:br>
             <a:r>
-              <a:rPr lang="ru-RU" sz="2000" dirty="0">
+              <a:rPr lang="ru-RU" sz="1800" dirty="0">
                 <a:latin typeface="Times New Roman" panose="02020603050405020304" pitchFamily="18" charset="0"/>
                 <a:cs typeface="Times New Roman" panose="02020603050405020304" pitchFamily="18" charset="0"/>
               </a:rPr>
               <a:t>Федеральное государственное бюджетное образовательное учреждение науки и высшего образования</a:t>
             </a:r>
             <a:br>
-              <a:rPr lang="ru-RU" sz="2000" dirty="0">
+              <a:rPr lang="ru-RU" sz="1800" dirty="0">
                 <a:latin typeface="Times New Roman" panose="02020603050405020304" pitchFamily="18" charset="0"/>
                 <a:cs typeface="Times New Roman" panose="02020603050405020304" pitchFamily="18" charset="0"/>
               </a:rPr>
             </a:br>
             <a:r>
-              <a:rPr lang="ru-RU" sz="2000" dirty="0">
+              <a:rPr lang="ru-RU" sz="1800" dirty="0">
                 <a:latin typeface="Times New Roman" panose="02020603050405020304" pitchFamily="18" charset="0"/>
                 <a:cs typeface="Times New Roman" panose="02020603050405020304" pitchFamily="18" charset="0"/>
               </a:rPr>
               <a:t>«Владимирский государственный университет</a:t>
             </a:r>
             <a:br>
-              <a:rPr lang="ru-RU" sz="2000" dirty="0">
+              <a:rPr lang="ru-RU" sz="1800" dirty="0">
                 <a:latin typeface="Times New Roman" panose="02020603050405020304" pitchFamily="18" charset="0"/>
                 <a:cs typeface="Times New Roman" panose="02020603050405020304" pitchFamily="18" charset="0"/>
               </a:rPr>
             </a:br>
             <a:r>
-              <a:rPr lang="ru-RU" sz="2000" dirty="0">
+              <a:rPr lang="ru-RU" sz="1800" dirty="0">
                 <a:latin typeface="Times New Roman" panose="02020603050405020304" pitchFamily="18" charset="0"/>
                 <a:cs typeface="Times New Roman" panose="02020603050405020304" pitchFamily="18" charset="0"/>
               </a:rPr>
-              <a:t>имени Александра Григорьевича и Николая Григорьевича Столетовых»</a:t>
+              <a:t>имени Александра Григорьевича и Николая Григорьевича Столетовых</a:t>
+            </a:r>
+            <a:r>
+              <a:rPr lang="ru-RU" sz="1800" dirty="0" smtClean="0">
+                <a:latin typeface="Times New Roman" panose="02020603050405020304" pitchFamily="18" charset="0"/>
+                <a:cs typeface="Times New Roman" panose="02020603050405020304" pitchFamily="18" charset="0"/>
+              </a:rPr>
+              <a:t>»</a:t>
+            </a:r>
+            <a:r>
+              <a:rPr lang="ru-RU" sz="1800" dirty="0">
+                <a:latin typeface="Times New Roman" panose="02020603050405020304" pitchFamily="18" charset="0"/>
+                <a:cs typeface="Times New Roman" panose="02020603050405020304" pitchFamily="18" charset="0"/>
+              </a:rPr>
+              <a:t/>
             </a:r>
             <a:br>
-              <a:rPr lang="ru-RU" sz="2000" dirty="0">
+              <a:rPr lang="ru-RU" sz="1800" dirty="0">
                 <a:latin typeface="Times New Roman" panose="02020603050405020304" pitchFamily="18" charset="0"/>
                 <a:cs typeface="Times New Roman" panose="02020603050405020304" pitchFamily="18" charset="0"/>
               </a:rPr>
             </a:br>
             <a:r>
-              <a:rPr lang="ru-RU" sz="2000" dirty="0">
+              <a:rPr lang="ru-RU" sz="1800" dirty="0">
                 <a:latin typeface="Times New Roman" panose="02020603050405020304" pitchFamily="18" charset="0"/>
                 <a:cs typeface="Times New Roman" panose="02020603050405020304" pitchFamily="18" charset="0"/>
               </a:rPr>
-              <a:t>(</a:t>
-            </a:r>
-            <a:r>
-              <a:rPr lang="ru-RU" sz="2000" dirty="0" err="1">
-                <a:latin typeface="Times New Roman" panose="02020603050405020304" pitchFamily="18" charset="0"/>
-                <a:cs typeface="Times New Roman" panose="02020603050405020304" pitchFamily="18" charset="0"/>
-              </a:rPr>
-              <a:t>ВлГУ</a:t>
-            </a:r>
-            <a:r>
-              <a:rPr lang="ru-RU" sz="2000" dirty="0">
-                <a:latin typeface="Times New Roman" panose="02020603050405020304" pitchFamily="18" charset="0"/>
-                <a:cs typeface="Times New Roman" panose="02020603050405020304" pitchFamily="18" charset="0"/>
-              </a:rPr>
-              <a:t>)</a:t>
+              <a:t> </a:t>
             </a:r>
             <a:br>
-              <a:rPr lang="ru-RU" sz="2000" dirty="0">
+              <a:rPr lang="ru-RU" sz="1800" dirty="0">
                 <a:latin typeface="Times New Roman" panose="02020603050405020304" pitchFamily="18" charset="0"/>
                 <a:cs typeface="Times New Roman" panose="02020603050405020304" pitchFamily="18" charset="0"/>
               </a:rPr>
             </a:br>
             <a:r>
-              <a:rPr lang="ru-RU" sz="2000" dirty="0">
+              <a:rPr lang="ru-RU" sz="1800" dirty="0">
                 <a:latin typeface="Times New Roman" panose="02020603050405020304" pitchFamily="18" charset="0"/>
                 <a:cs typeface="Times New Roman" panose="02020603050405020304" pitchFamily="18" charset="0"/>
               </a:rPr>
-              <a:t> </a:t>
+              <a:t>Институт информационных технологий и </a:t>
+            </a:r>
+            <a:r>
+              <a:rPr lang="ru-RU" sz="1800" dirty="0" smtClean="0">
+                <a:latin typeface="Times New Roman" panose="02020603050405020304" pitchFamily="18" charset="0"/>
+                <a:cs typeface="Times New Roman" panose="02020603050405020304" pitchFamily="18" charset="0"/>
+              </a:rPr>
+              <a:t>электроники</a:t>
+            </a:r>
+            <a:r>
+              <a:rPr lang="en-US" sz="1800" dirty="0">
+                <a:latin typeface="Times New Roman" panose="02020603050405020304" pitchFamily="18" charset="0"/>
+                <a:cs typeface="Times New Roman" panose="02020603050405020304" pitchFamily="18" charset="0"/>
+              </a:rPr>
+              <a:t/>
             </a:r>
             <a:br>
-              <a:rPr lang="ru-RU" sz="2000" dirty="0">
+              <a:rPr lang="en-US" sz="1800" dirty="0">
                 <a:latin typeface="Times New Roman" panose="02020603050405020304" pitchFamily="18" charset="0"/>
                 <a:cs typeface="Times New Roman" panose="02020603050405020304" pitchFamily="18" charset="0"/>
               </a:rPr>
             </a:br>
             <a:r>
-              <a:rPr lang="ru-RU" sz="2000" dirty="0">
-                <a:latin typeface="Times New Roman" panose="02020603050405020304" pitchFamily="18" charset="0"/>
-                <a:cs typeface="Times New Roman" panose="02020603050405020304" pitchFamily="18" charset="0"/>
-              </a:rPr>
-              <a:t>Институт информационных технологий и радиоэлектроники</a:t>
-            </a:r>
-            <a:r>
-              <a:rPr lang="en-US" sz="2000" dirty="0">
-                <a:latin typeface="Times New Roman" panose="02020603050405020304" pitchFamily="18" charset="0"/>
-                <a:cs typeface="Times New Roman" panose="02020603050405020304" pitchFamily="18" charset="0"/>
-              </a:rPr>
-              <a:t/>
-            </a:r>
-            <a:br>
-              <a:rPr lang="en-US" sz="2000" dirty="0">
-                <a:latin typeface="Times New Roman" panose="02020603050405020304" pitchFamily="18" charset="0"/>
-                <a:cs typeface="Times New Roman" panose="02020603050405020304" pitchFamily="18" charset="0"/>
-              </a:rPr>
-            </a:br>
-            <a:r>
-              <a:rPr lang="ru-RU" sz="2000" dirty="0">
+              <a:rPr lang="ru-RU" sz="1800" dirty="0">
                 <a:latin typeface="Times New Roman" panose="02020603050405020304" pitchFamily="18" charset="0"/>
                 <a:cs typeface="Times New Roman" panose="02020603050405020304" pitchFamily="18" charset="0"/>
               </a:rPr>
               <a:t>Кафедра информационных систем и программной инженерии</a:t>
             </a:r>
-            <a:endParaRPr lang="ru-RU" sz="2000" dirty="0"/>
+            <a:endParaRPr lang="ru-RU" sz="1800" dirty="0"/>
           </a:p>
         </p:txBody>
       </p:sp>
@@ -6060,7 +6054,7 @@
         </p:nvSpPr>
         <p:spPr>
           <a:xfrm>
-            <a:off x="-532015" y="4707317"/>
+            <a:off x="-114304" y="4398497"/>
             <a:ext cx="9601860" cy="1967803"/>
           </a:xfrm>
           <a:prstGeom prst="rect">
@@ -6314,7 +6308,21 @@
                 <a:latin typeface="Times New Roman" panose="02020603050405020304" pitchFamily="18" charset="0"/>
                 <a:cs typeface="Times New Roman" panose="02020603050405020304" pitchFamily="18" charset="0"/>
               </a:rPr>
-              <a:t>Руководитель: </a:t>
+              <a:t>Научный р</a:t>
+            </a:r>
+            <a:r>
+              <a:rPr lang="ru-RU" sz="2400" dirty="0" smtClean="0">
+                <a:latin typeface="Times New Roman" panose="02020603050405020304" pitchFamily="18" charset="0"/>
+                <a:cs typeface="Times New Roman" panose="02020603050405020304" pitchFamily="18" charset="0"/>
+              </a:rPr>
+              <a:t>уководитель</a:t>
+            </a:r>
+            <a:r>
+              <a:rPr lang="ru-RU" sz="2400" dirty="0" smtClean="0">
+                <a:latin typeface="Times New Roman" panose="02020603050405020304" pitchFamily="18" charset="0"/>
+                <a:cs typeface="Times New Roman" panose="02020603050405020304" pitchFamily="18" charset="0"/>
+              </a:rPr>
+              <a:t>: </a:t>
             </a:r>
           </a:p>
           <a:p>
@@ -6332,14 +6340,7 @@
                 <a:latin typeface="Times New Roman" panose="02020603050405020304" pitchFamily="18" charset="0"/>
                 <a:cs typeface="Times New Roman" panose="02020603050405020304" pitchFamily="18" charset="0"/>
               </a:rPr>
-              <a:t> доцент кафедры </a:t>
-            </a:r>
-            <a:r>
-              <a:rPr lang="ru-RU" sz="2400" dirty="0" err="1" smtClean="0">
-                <a:latin typeface="Times New Roman" panose="02020603050405020304" pitchFamily="18" charset="0"/>
-                <a:cs typeface="Times New Roman" panose="02020603050405020304" pitchFamily="18" charset="0"/>
-              </a:rPr>
-              <a:t>ИСПИ</a:t>
+              <a:t> доцент кафедры ИСПИ</a:t>
             </a:r>
             <a:endParaRPr lang="ru-RU" dirty="0"/>
           </a:p>
@@ -6394,7 +6395,7 @@
         </p:nvSpPr>
         <p:spPr>
           <a:xfrm>
-            <a:off x="536658" y="187569"/>
+            <a:off x="346409" y="14765"/>
             <a:ext cx="8596668" cy="1320800"/>
           </a:xfrm>
         </p:spPr>
@@ -6406,7 +6407,7 @@
           <a:p>
             <a:r>
               <a:rPr lang="ru-RU" sz="2600" dirty="0" smtClean="0"/>
-              <a:t>Физическая схема базы данных</a:t>
+              <a:t>Диаграмма развертывания</a:t>
             </a:r>
             <a:endParaRPr lang="ru-RU" sz="2600" dirty="0"/>
           </a:p>
@@ -6433,12 +6434,12 @@
       </p:sp>
       <p:pic>
         <p:nvPicPr>
-          <p:cNvPr id="6" name="Рисунок 5" descr="C:\Users\kparakhin\AppData\Local\Packages\Microsoft.Windows.Photos_8wekyb3d8bbwe\TempState\ShareServiceTempFolder\db_scheme_dark.jpeg"/>
+          <p:cNvPr id="5" name="Рисунок 4" descr="C:\Users\kparakhin\Desktop\labs\Диплом\Document systems with redis.jpeg"/>
           <p:cNvPicPr/>
           <p:nvPr/>
         </p:nvPicPr>
         <p:blipFill>
-          <a:blip r:embed="rId2">
+          <a:blip r:embed="rId2" cstate="print">
             <a:extLst>
               <a:ext uri="{28A0092B-C50C-407E-A947-70E740481C1C}">
                 <a14:useLocalDpi xmlns:a14="http://schemas.microsoft.com/office/drawing/2010/main" val="0"/>
@@ -6452,8 +6453,8 @@
         </p:blipFill>
         <p:spPr bwMode="auto">
           <a:xfrm>
-            <a:off x="1118492" y="989059"/>
-            <a:ext cx="8626399" cy="5385616"/>
+            <a:off x="3135630" y="675165"/>
+            <a:ext cx="4213860" cy="5836920"/>
           </a:xfrm>
           <a:prstGeom prst="rect">
             <a:avLst/>
@@ -6462,115 +6463,6 @@
           <a:ln>
             <a:noFill/>
           </a:ln>
-        </p:spPr>
-      </p:pic>
-    </p:spTree>
-    <p:extLst>
-      <p:ext uri="{BB962C8B-B14F-4D97-AF65-F5344CB8AC3E}">
-        <p14:creationId xmlns:p14="http://schemas.microsoft.com/office/powerpoint/2010/main" val="3667065728"/>
-      </p:ext>
-    </p:extLst>
-  </p:cSld>
-  <p:clrMapOvr>
-    <a:masterClrMapping/>
-  </p:clrMapOvr>
-  <p:timing>
-    <p:tnLst>
-      <p:par>
-        <p:cTn id="1" dur="indefinite" restart="never" nodeType="tmRoot"/>
-      </p:par>
-    </p:tnLst>
-  </p:timing>
-</p:sld>
-</file>
-
-<file path=ppt/slides/slide11.xml><?xml version="1.0" encoding="utf-8"?>
-<p:sld xmlns:a="http://schemas.openxmlformats.org/drawingml/2006/main" xmlns:r="http://schemas.openxmlformats.org/officeDocument/2006/relationships" xmlns:p="http://schemas.openxmlformats.org/presentationml/2006/main">
-  <p:cSld>
-    <p:spTree>
-      <p:nvGrpSpPr>
-        <p:cNvPr id="1" name=""/>
-        <p:cNvGrpSpPr/>
-        <p:nvPr/>
-      </p:nvGrpSpPr>
-      <p:grpSpPr>
-        <a:xfrm>
-          <a:off x="0" y="0"/>
-          <a:ext cx="0" cy="0"/>
-          <a:chOff x="0" y="0"/>
-          <a:chExt cx="0" cy="0"/>
-        </a:xfrm>
-      </p:grpSpPr>
-      <p:sp>
-        <p:nvSpPr>
-          <p:cNvPr id="2" name="Заголовок 1"/>
-          <p:cNvSpPr>
-            <a:spLocks noGrp="1"/>
-          </p:cNvSpPr>
-          <p:nvPr>
-            <p:ph type="title"/>
-          </p:nvPr>
-        </p:nvSpPr>
-        <p:spPr/>
-        <p:txBody>
-          <a:bodyPr>
-            <a:normAutofit/>
-          </a:bodyPr>
-          <a:lstStyle/>
-          <a:p>
-            <a:r>
-              <a:rPr lang="ru-RU" sz="2600" dirty="0" smtClean="0"/>
-              <a:t>Диаграмма развертывания</a:t>
-            </a:r>
-            <a:endParaRPr lang="ru-RU" sz="2600" dirty="0"/>
-          </a:p>
-        </p:txBody>
-      </p:sp>
-      <p:sp>
-        <p:nvSpPr>
-          <p:cNvPr id="3" name="Объект 2"/>
-          <p:cNvSpPr>
-            <a:spLocks noGrp="1"/>
-          </p:cNvSpPr>
-          <p:nvPr>
-            <p:ph idx="1"/>
-          </p:nvPr>
-        </p:nvSpPr>
-        <p:spPr/>
-        <p:txBody>
-          <a:bodyPr/>
-          <a:lstStyle/>
-          <a:p>
-            <a:endParaRPr lang="ru-RU" dirty="0"/>
-          </a:p>
-        </p:txBody>
-      </p:sp>
-      <p:pic>
-        <p:nvPicPr>
-          <p:cNvPr id="6" name="Объект 3"/>
-          <p:cNvPicPr/>
-          <p:nvPr/>
-        </p:nvPicPr>
-        <p:blipFill>
-          <a:blip r:embed="rId2" cstate="print">
-            <a:extLst>
-              <a:ext uri="{28A0092B-C50C-407E-A947-70E740481C1C}">
-                <a14:useLocalDpi xmlns:a14="http://schemas.microsoft.com/office/drawing/2010/main" val="0"/>
-              </a:ext>
-            </a:extLst>
-          </a:blip>
-          <a:stretch>
-            <a:fillRect/>
-          </a:stretch>
-        </p:blipFill>
-        <p:spPr>
-          <a:xfrm>
-            <a:off x="2699657" y="1507000"/>
-            <a:ext cx="4389120" cy="5187950"/>
-          </a:xfrm>
-          <a:prstGeom prst="rect">
-            <a:avLst/>
-          </a:prstGeom>
         </p:spPr>
       </p:pic>
     </p:spTree>
@@ -6593,7 +6485,7 @@
 </p:sld>
 </file>
 
-<file path=ppt/slides/slide12.xml><?xml version="1.0" encoding="utf-8"?>
+<file path=ppt/slides/slide11.xml><?xml version="1.0" encoding="utf-8"?>
 <p:sld xmlns:a="http://schemas.openxmlformats.org/drawingml/2006/main" xmlns:r="http://schemas.openxmlformats.org/officeDocument/2006/relationships" xmlns:p="http://schemas.openxmlformats.org/presentationml/2006/main">
   <p:cSld>
     <p:spTree>
@@ -7374,6 +7266,204 @@
 </p:sld>
 </file>
 
+<file path=ppt/slides/slide12.xml><?xml version="1.0" encoding="utf-8"?>
+<p:sld xmlns:a="http://schemas.openxmlformats.org/drawingml/2006/main" xmlns:r="http://schemas.openxmlformats.org/officeDocument/2006/relationships" xmlns:p="http://schemas.openxmlformats.org/presentationml/2006/main">
+  <p:cSld>
+    <p:spTree>
+      <p:nvGrpSpPr>
+        <p:cNvPr id="1" name=""/>
+        <p:cNvGrpSpPr/>
+        <p:nvPr/>
+      </p:nvGrpSpPr>
+      <p:grpSpPr>
+        <a:xfrm>
+          <a:off x="0" y="0"/>
+          <a:ext cx="0" cy="0"/>
+          <a:chOff x="0" y="0"/>
+          <a:chExt cx="0" cy="0"/>
+        </a:xfrm>
+      </p:grpSpPr>
+      <p:sp>
+        <p:nvSpPr>
+          <p:cNvPr id="2" name="Заголовок 1"/>
+          <p:cNvSpPr>
+            <a:spLocks noGrp="1"/>
+          </p:cNvSpPr>
+          <p:nvPr>
+            <p:ph type="title"/>
+          </p:nvPr>
+        </p:nvSpPr>
+        <p:spPr>
+          <a:xfrm>
+            <a:off x="747673" y="0"/>
+            <a:ext cx="8596668" cy="1320800"/>
+          </a:xfrm>
+        </p:spPr>
+        <p:txBody>
+          <a:bodyPr>
+            <a:normAutofit/>
+          </a:bodyPr>
+          <a:lstStyle/>
+          <a:p>
+            <a:r>
+              <a:rPr lang="ru-RU" sz="2400" dirty="0" smtClean="0"/>
+              <a:t>Стартовые страницы неавторизованного пользователя</a:t>
+            </a:r>
+            <a:endParaRPr lang="ru-RU" sz="2400" dirty="0"/>
+          </a:p>
+        </p:txBody>
+      </p:sp>
+      <p:sp>
+        <p:nvSpPr>
+          <p:cNvPr id="3" name="Объект 2"/>
+          <p:cNvSpPr>
+            <a:spLocks noGrp="1"/>
+          </p:cNvSpPr>
+          <p:nvPr>
+            <p:ph idx="1"/>
+          </p:nvPr>
+        </p:nvSpPr>
+        <p:spPr/>
+        <p:txBody>
+          <a:bodyPr/>
+          <a:lstStyle/>
+          <a:p>
+            <a:endParaRPr lang="ru-RU"/>
+          </a:p>
+        </p:txBody>
+      </p:sp>
+      <p:pic>
+        <p:nvPicPr>
+          <p:cNvPr id="7" name="Рисунок 6"/>
+          <p:cNvPicPr/>
+          <p:nvPr/>
+        </p:nvPicPr>
+        <p:blipFill>
+          <a:blip r:embed="rId2">
+            <a:extLst>
+              <a:ext uri="{28A0092B-C50C-407E-A947-70E740481C1C}">
+                <a14:useLocalDpi xmlns:a14="http://schemas.microsoft.com/office/drawing/2010/main" val="0"/>
+              </a:ext>
+            </a:extLst>
+          </a:blip>
+          <a:stretch>
+            <a:fillRect/>
+          </a:stretch>
+        </p:blipFill>
+        <p:spPr>
+          <a:xfrm>
+            <a:off x="23516" y="1269342"/>
+            <a:ext cx="2981370" cy="4685075"/>
+          </a:xfrm>
+          <a:prstGeom prst="rect">
+            <a:avLst/>
+          </a:prstGeom>
+        </p:spPr>
+      </p:pic>
+      <p:pic>
+        <p:nvPicPr>
+          <p:cNvPr id="9" name="Рисунок 8"/>
+          <p:cNvPicPr/>
+          <p:nvPr/>
+        </p:nvPicPr>
+        <p:blipFill>
+          <a:blip r:embed="rId3">
+            <a:extLst>
+              <a:ext uri="{28A0092B-C50C-407E-A947-70E740481C1C}">
+                <a14:useLocalDpi xmlns:a14="http://schemas.microsoft.com/office/drawing/2010/main" val="0"/>
+              </a:ext>
+            </a:extLst>
+          </a:blip>
+          <a:stretch>
+            <a:fillRect/>
+          </a:stretch>
+        </p:blipFill>
+        <p:spPr>
+          <a:xfrm>
+            <a:off x="3172447" y="1320800"/>
+            <a:ext cx="2821940" cy="4404995"/>
+          </a:xfrm>
+          <a:prstGeom prst="rect">
+            <a:avLst/>
+          </a:prstGeom>
+        </p:spPr>
+      </p:pic>
+      <p:pic>
+        <p:nvPicPr>
+          <p:cNvPr id="10" name="Рисунок 9"/>
+          <p:cNvPicPr/>
+          <p:nvPr/>
+        </p:nvPicPr>
+        <p:blipFill>
+          <a:blip r:embed="rId4">
+            <a:extLst>
+              <a:ext uri="{28A0092B-C50C-407E-A947-70E740481C1C}">
+                <a14:useLocalDpi xmlns:a14="http://schemas.microsoft.com/office/drawing/2010/main" val="0"/>
+              </a:ext>
+            </a:extLst>
+          </a:blip>
+          <a:stretch>
+            <a:fillRect/>
+          </a:stretch>
+        </p:blipFill>
+        <p:spPr>
+          <a:xfrm>
+            <a:off x="6161948" y="1436914"/>
+            <a:ext cx="2720795" cy="4288881"/>
+          </a:xfrm>
+          <a:prstGeom prst="rect">
+            <a:avLst/>
+          </a:prstGeom>
+        </p:spPr>
+      </p:pic>
+      <p:pic>
+        <p:nvPicPr>
+          <p:cNvPr id="11" name="Рисунок 10"/>
+          <p:cNvPicPr/>
+          <p:nvPr/>
+        </p:nvPicPr>
+        <p:blipFill>
+          <a:blip r:embed="rId5">
+            <a:extLst>
+              <a:ext uri="{28A0092B-C50C-407E-A947-70E740481C1C}">
+                <a14:useLocalDpi xmlns:a14="http://schemas.microsoft.com/office/drawing/2010/main" val="0"/>
+              </a:ext>
+            </a:extLst>
+          </a:blip>
+          <a:stretch>
+            <a:fillRect/>
+          </a:stretch>
+        </p:blipFill>
+        <p:spPr>
+          <a:xfrm>
+            <a:off x="9050304" y="1341390"/>
+            <a:ext cx="2953464" cy="4540977"/>
+          </a:xfrm>
+          <a:prstGeom prst="rect">
+            <a:avLst/>
+          </a:prstGeom>
+        </p:spPr>
+      </p:pic>
+    </p:spTree>
+    <p:extLst>
+      <p:ext uri="{BB962C8B-B14F-4D97-AF65-F5344CB8AC3E}">
+        <p14:creationId xmlns:p14="http://schemas.microsoft.com/office/powerpoint/2010/main" val="4288544772"/>
+      </p:ext>
+    </p:extLst>
+  </p:cSld>
+  <p:clrMapOvr>
+    <a:masterClrMapping/>
+  </p:clrMapOvr>
+  <p:timing>
+    <p:tnLst>
+      <p:par>
+        <p:cTn id="1" dur="indefinite" restart="never" nodeType="tmRoot"/>
+      </p:par>
+    </p:tnLst>
+  </p:timing>
+</p:sld>
+</file>
+
 <file path=ppt/slides/slide13.xml><?xml version="1.0" encoding="utf-8"?>
 <p:sld xmlns:a="http://schemas.openxmlformats.org/drawingml/2006/main" xmlns:r="http://schemas.openxmlformats.org/officeDocument/2006/relationships" xmlns:p="http://schemas.openxmlformats.org/presentationml/2006/main">
   <p:cSld>
@@ -7442,20 +7532,26 @@
       </p:sp>
       <p:pic>
         <p:nvPicPr>
-          <p:cNvPr id="6" name="Рисунок 5"/>
+          <p:cNvPr id="7" name="Рисунок 6"/>
           <p:cNvPicPr/>
           <p:nvPr/>
         </p:nvPicPr>
         <p:blipFill>
-          <a:blip r:embed="rId2"/>
+          <a:blip r:embed="rId2">
+            <a:extLst>
+              <a:ext uri="{28A0092B-C50C-407E-A947-70E740481C1C}">
+                <a14:useLocalDpi xmlns:a14="http://schemas.microsoft.com/office/drawing/2010/main" val="0"/>
+              </a:ext>
+            </a:extLst>
+          </a:blip>
           <a:stretch>
             <a:fillRect/>
           </a:stretch>
         </p:blipFill>
         <p:spPr>
           <a:xfrm>
-            <a:off x="1453285" y="1057591"/>
-            <a:ext cx="2818130" cy="4559935"/>
+            <a:off x="1835497" y="1224643"/>
+            <a:ext cx="3047880" cy="4921222"/>
           </a:xfrm>
           <a:prstGeom prst="rect">
             <a:avLst/>
@@ -7464,20 +7560,26 @@
       </p:pic>
       <p:pic>
         <p:nvPicPr>
-          <p:cNvPr id="8" name="Рисунок 7"/>
+          <p:cNvPr id="9" name="Рисунок 8"/>
           <p:cNvPicPr/>
           <p:nvPr/>
         </p:nvPicPr>
         <p:blipFill>
-          <a:blip r:embed="rId3"/>
+          <a:blip r:embed="rId3">
+            <a:extLst>
+              <a:ext uri="{28A0092B-C50C-407E-A947-70E740481C1C}">
+                <a14:useLocalDpi xmlns:a14="http://schemas.microsoft.com/office/drawing/2010/main" val="0"/>
+              </a:ext>
+            </a:extLst>
+          </a:blip>
           <a:stretch>
             <a:fillRect/>
           </a:stretch>
         </p:blipFill>
         <p:spPr>
           <a:xfrm>
-            <a:off x="5769032" y="1138841"/>
-            <a:ext cx="3118108" cy="4711441"/>
+            <a:off x="5529942" y="1120140"/>
+            <a:ext cx="3167834" cy="4939937"/>
           </a:xfrm>
           <a:prstGeom prst="rect">
             <a:avLst/>
@@ -7487,7 +7589,7 @@
     </p:spTree>
     <p:extLst>
       <p:ext uri="{BB962C8B-B14F-4D97-AF65-F5344CB8AC3E}">
-        <p14:creationId xmlns:p14="http://schemas.microsoft.com/office/powerpoint/2010/main" val="4288544772"/>
+        <p14:creationId xmlns:p14="http://schemas.microsoft.com/office/powerpoint/2010/main" val="958102514"/>
       </p:ext>
     </p:extLst>
   </p:cSld>
@@ -7572,20 +7674,26 @@
       </p:sp>
       <p:pic>
         <p:nvPicPr>
-          <p:cNvPr id="10" name="Рисунок 9"/>
+          <p:cNvPr id="7" name="Рисунок 6"/>
           <p:cNvPicPr/>
           <p:nvPr/>
         </p:nvPicPr>
         <p:blipFill>
-          <a:blip r:embed="rId2"/>
+          <a:blip r:embed="rId2">
+            <a:extLst>
+              <a:ext uri="{28A0092B-C50C-407E-A947-70E740481C1C}">
+                <a14:useLocalDpi xmlns:a14="http://schemas.microsoft.com/office/drawing/2010/main" val="0"/>
+              </a:ext>
+            </a:extLst>
+          </a:blip>
           <a:stretch>
             <a:fillRect/>
           </a:stretch>
         </p:blipFill>
         <p:spPr>
           <a:xfrm>
-            <a:off x="984184" y="1004111"/>
-            <a:ext cx="3526270" cy="5406390"/>
+            <a:off x="792480" y="1383579"/>
+            <a:ext cx="3484517" cy="5095597"/>
           </a:xfrm>
           <a:prstGeom prst="rect">
             <a:avLst/>
@@ -7594,42 +7702,26 @@
       </p:pic>
       <p:pic>
         <p:nvPicPr>
-          <p:cNvPr id="11" name="Рисунок 10"/>
+          <p:cNvPr id="8" name="Рисунок 7"/>
           <p:cNvPicPr/>
           <p:nvPr/>
         </p:nvPicPr>
         <p:blipFill>
-          <a:blip r:embed="rId3"/>
+          <a:blip r:embed="rId3">
+            <a:extLst>
+              <a:ext uri="{28A0092B-C50C-407E-A947-70E740481C1C}">
+                <a14:useLocalDpi xmlns:a14="http://schemas.microsoft.com/office/drawing/2010/main" val="0"/>
+              </a:ext>
+            </a:extLst>
+          </a:blip>
           <a:stretch>
             <a:fillRect/>
           </a:stretch>
         </p:blipFill>
         <p:spPr>
           <a:xfrm>
-            <a:off x="5282519" y="680896"/>
-            <a:ext cx="2522960" cy="3367402"/>
-          </a:xfrm>
-          <a:prstGeom prst="rect">
-            <a:avLst/>
-          </a:prstGeom>
-        </p:spPr>
-      </p:pic>
-      <p:pic>
-        <p:nvPicPr>
-          <p:cNvPr id="12" name="Рисунок 11"/>
-          <p:cNvPicPr/>
-          <p:nvPr/>
-        </p:nvPicPr>
-        <p:blipFill>
-          <a:blip r:embed="rId4"/>
-          <a:stretch>
-            <a:fillRect/>
-          </a:stretch>
-        </p:blipFill>
-        <p:spPr>
-          <a:xfrm>
-            <a:off x="7977332" y="2296336"/>
-            <a:ext cx="2593340" cy="4114165"/>
+            <a:off x="5312229" y="1273536"/>
+            <a:ext cx="3359059" cy="4212863"/>
           </a:xfrm>
           <a:prstGeom prst="rect">
             <a:avLst/>
@@ -7697,7 +7789,7 @@
           <a:p>
             <a:r>
               <a:rPr lang="ru-RU" sz="2400" dirty="0" smtClean="0"/>
-              <a:t>Функционал по работе с событиями в календаре</a:t>
+              <a:t>Функционал по работе с группами</a:t>
             </a:r>
             <a:endParaRPr lang="ru-RU" sz="2400" dirty="0"/>
           </a:p>
@@ -7729,15 +7821,21 @@
           <p:nvPr/>
         </p:nvPicPr>
         <p:blipFill>
-          <a:blip r:embed="rId2"/>
+          <a:blip r:embed="rId2">
+            <a:extLst>
+              <a:ext uri="{28A0092B-C50C-407E-A947-70E740481C1C}">
+                <a14:useLocalDpi xmlns:a14="http://schemas.microsoft.com/office/drawing/2010/main" val="0"/>
+              </a:ext>
+            </a:extLst>
+          </a:blip>
           <a:stretch>
             <a:fillRect/>
           </a:stretch>
         </p:blipFill>
         <p:spPr>
           <a:xfrm>
-            <a:off x="677334" y="979142"/>
-            <a:ext cx="3506470" cy="5062220"/>
+            <a:off x="1101472" y="1020082"/>
+            <a:ext cx="3408982" cy="5206546"/>
           </a:xfrm>
           <a:prstGeom prst="rect">
             <a:avLst/>
@@ -7751,37 +7849,21 @@
           <p:nvPr/>
         </p:nvPicPr>
         <p:blipFill>
-          <a:blip r:embed="rId3"/>
+          <a:blip r:embed="rId3">
+            <a:extLst>
+              <a:ext uri="{28A0092B-C50C-407E-A947-70E740481C1C}">
+                <a14:useLocalDpi xmlns:a14="http://schemas.microsoft.com/office/drawing/2010/main" val="0"/>
+              </a:ext>
+            </a:extLst>
+          </a:blip>
           <a:stretch>
             <a:fillRect/>
           </a:stretch>
         </p:blipFill>
         <p:spPr>
           <a:xfrm>
-            <a:off x="5719156" y="723180"/>
-            <a:ext cx="3089632" cy="2592503"/>
-          </a:xfrm>
-          <a:prstGeom prst="rect">
-            <a:avLst/>
-          </a:prstGeom>
-        </p:spPr>
-      </p:pic>
-      <p:pic>
-        <p:nvPicPr>
-          <p:cNvPr id="9" name="Рисунок 8"/>
-          <p:cNvPicPr/>
-          <p:nvPr/>
-        </p:nvPicPr>
-        <p:blipFill>
-          <a:blip r:embed="rId4"/>
-          <a:stretch>
-            <a:fillRect/>
-          </a:stretch>
-        </p:blipFill>
-        <p:spPr>
-          <a:xfrm>
-            <a:off x="5369602" y="3602241"/>
-            <a:ext cx="3674745" cy="3093085"/>
+            <a:off x="5399806" y="863327"/>
+            <a:ext cx="3210634" cy="5432969"/>
           </a:xfrm>
           <a:prstGeom prst="rect">
             <a:avLst/>
@@ -7791,7 +7873,7 @@
     </p:spTree>
     <p:extLst>
       <p:ext uri="{BB962C8B-B14F-4D97-AF65-F5344CB8AC3E}">
-        <p14:creationId xmlns:p14="http://schemas.microsoft.com/office/powerpoint/2010/main" val="3265855031"/>
+        <p14:creationId xmlns:p14="http://schemas.microsoft.com/office/powerpoint/2010/main" val="1206427446"/>
       </p:ext>
     </p:extLst>
   </p:cSld>
@@ -7849,7 +7931,11 @@
           <a:p>
             <a:r>
               <a:rPr lang="ru-RU" sz="2400" dirty="0" smtClean="0"/>
-              <a:t>Функционал по работе с группами</a:t>
+              <a:t>Функционал по работе с </a:t>
+            </a:r>
+            <a:r>
+              <a:rPr lang="ru-RU" sz="2400" dirty="0" smtClean="0"/>
+              <a:t>отчетами</a:t>
             </a:r>
             <a:endParaRPr lang="ru-RU" sz="2400" dirty="0"/>
           </a:p>
@@ -7876,20 +7962,26 @@
       </p:sp>
       <p:pic>
         <p:nvPicPr>
-          <p:cNvPr id="10" name="Рисунок 9"/>
+          <p:cNvPr id="6" name="Рисунок 5"/>
           <p:cNvPicPr/>
           <p:nvPr/>
         </p:nvPicPr>
         <p:blipFill>
-          <a:blip r:embed="rId2"/>
+          <a:blip r:embed="rId2">
+            <a:extLst>
+              <a:ext uri="{28A0092B-C50C-407E-A947-70E740481C1C}">
+                <a14:useLocalDpi xmlns:a14="http://schemas.microsoft.com/office/drawing/2010/main" val="0"/>
+              </a:ext>
+            </a:extLst>
+          </a:blip>
           <a:stretch>
             <a:fillRect/>
           </a:stretch>
         </p:blipFill>
         <p:spPr>
           <a:xfrm>
-            <a:off x="4779819" y="839585"/>
-            <a:ext cx="3108960" cy="4721630"/>
+            <a:off x="889265" y="1053738"/>
+            <a:ext cx="3240722" cy="5126172"/>
           </a:xfrm>
           <a:prstGeom prst="rect">
             <a:avLst/>
@@ -7898,42 +7990,26 @@
       </p:pic>
       <p:pic>
         <p:nvPicPr>
-          <p:cNvPr id="11" name="Рисунок 10"/>
+          <p:cNvPr id="9" name="Рисунок 8"/>
           <p:cNvPicPr/>
           <p:nvPr/>
         </p:nvPicPr>
         <p:blipFill>
-          <a:blip r:embed="rId3"/>
+          <a:blip r:embed="rId3">
+            <a:extLst>
+              <a:ext uri="{28A0092B-C50C-407E-A947-70E740481C1C}">
+                <a14:useLocalDpi xmlns:a14="http://schemas.microsoft.com/office/drawing/2010/main" val="0"/>
+              </a:ext>
+            </a:extLst>
+          </a:blip>
           <a:stretch>
             <a:fillRect/>
           </a:stretch>
         </p:blipFill>
         <p:spPr>
           <a:xfrm>
-            <a:off x="8445731" y="1113905"/>
-            <a:ext cx="2701636" cy="4239491"/>
-          </a:xfrm>
-          <a:prstGeom prst="rect">
-            <a:avLst/>
-          </a:prstGeom>
-        </p:spPr>
-      </p:pic>
-      <p:pic>
-        <p:nvPicPr>
-          <p:cNvPr id="12" name="Рисунок 11"/>
-          <p:cNvPicPr/>
-          <p:nvPr/>
-        </p:nvPicPr>
-        <p:blipFill>
-          <a:blip r:embed="rId4"/>
-          <a:stretch>
-            <a:fillRect/>
-          </a:stretch>
-        </p:blipFill>
-        <p:spPr>
-          <a:xfrm>
-            <a:off x="531641" y="1113904"/>
-            <a:ext cx="3328170" cy="4488873"/>
+            <a:off x="4807131" y="1053737"/>
+            <a:ext cx="3580629" cy="5381897"/>
           </a:xfrm>
           <a:prstGeom prst="rect">
             <a:avLst/>
@@ -7943,7 +8019,7 @@
     </p:spTree>
     <p:extLst>
       <p:ext uri="{BB962C8B-B14F-4D97-AF65-F5344CB8AC3E}">
-        <p14:creationId xmlns:p14="http://schemas.microsoft.com/office/powerpoint/2010/main" val="1206427446"/>
+        <p14:creationId xmlns:p14="http://schemas.microsoft.com/office/powerpoint/2010/main" val="4259371304"/>
       </p:ext>
     </p:extLst>
   </p:cSld>
@@ -8127,7 +8203,7 @@
         </p:nvSpPr>
         <p:spPr>
           <a:xfrm>
-            <a:off x="677334" y="146244"/>
+            <a:off x="677334" y="193964"/>
             <a:ext cx="8596668" cy="1320800"/>
           </a:xfrm>
         </p:spPr>
@@ -8138,10 +8214,10 @@
           <a:lstStyle/>
           <a:p>
             <a:r>
-              <a:rPr lang="ru-RU" sz="2400" dirty="0" smtClean="0"/>
-              <a:t>Выкладывание мобильного приложения в магазине приложений</a:t>
-            </a:r>
-            <a:endParaRPr lang="ru-RU" sz="2400" dirty="0"/>
+              <a:rPr lang="ru-RU" sz="3200" dirty="0" smtClean="0"/>
+              <a:t>Календарный план проекта</a:t>
+            </a:r>
+            <a:endParaRPr lang="ru-RU" sz="3200" dirty="0"/>
           </a:p>
         </p:txBody>
       </p:sp>
@@ -8155,21 +8231,89 @@
             <p:ph idx="1"/>
           </p:nvPr>
         </p:nvSpPr>
-        <p:spPr/>
+        <p:spPr>
+          <a:xfrm>
+            <a:off x="189654" y="1514764"/>
+            <a:ext cx="4425889" cy="5187862"/>
+          </a:xfrm>
+        </p:spPr>
         <p:txBody>
-          <a:bodyPr/>
+          <a:bodyPr>
+            <a:normAutofit lnSpcReduction="10000"/>
+          </a:bodyPr>
           <a:lstStyle/>
           <a:p>
-            <a:endParaRPr lang="ru-RU" dirty="0"/>
+            <a:r>
+              <a:rPr lang="ru-RU" dirty="0" smtClean="0"/>
+              <a:t>Сроки реализации проекта: с 20.02.2024 г. по 31.05.2024 г.</a:t>
+            </a:r>
+          </a:p>
+          <a:p>
+            <a:r>
+              <a:rPr lang="ru-RU" dirty="0" smtClean="0"/>
+              <a:t>Менеджмент включает в себя следующие последовательные этапы:</a:t>
+            </a:r>
+          </a:p>
+          <a:p>
+            <a:pPr lvl="1"/>
+            <a:r>
+              <a:rPr lang="ru-RU" sz="1800" dirty="0" smtClean="0"/>
+              <a:t>Анализ требований</a:t>
+            </a:r>
+          </a:p>
+          <a:p>
+            <a:pPr lvl="1"/>
+            <a:r>
+              <a:rPr lang="ru-RU" sz="1800" dirty="0" smtClean="0"/>
+              <a:t>Проектирование</a:t>
+            </a:r>
+          </a:p>
+          <a:p>
+            <a:pPr lvl="1"/>
+            <a:r>
+              <a:rPr lang="ru-RU" sz="1800" dirty="0" smtClean="0"/>
+              <a:t>Разработка ТЗ</a:t>
+            </a:r>
+          </a:p>
+          <a:p>
+            <a:pPr lvl="1"/>
+            <a:r>
+              <a:rPr lang="ru-RU" sz="1800" dirty="0" smtClean="0"/>
+              <a:t>Реализация прототипа приложения</a:t>
+            </a:r>
+          </a:p>
+          <a:p>
+            <a:pPr lvl="1"/>
+            <a:r>
+              <a:rPr lang="ru-RU" sz="1800" dirty="0" smtClean="0"/>
+              <a:t>Реализация программной системы</a:t>
+            </a:r>
+          </a:p>
+          <a:p>
+            <a:pPr lvl="1"/>
+            <a:r>
+              <a:rPr lang="ru-RU" sz="1800" dirty="0" smtClean="0"/>
+              <a:t>Тестирование</a:t>
+            </a:r>
+          </a:p>
+          <a:p>
+            <a:pPr lvl="1"/>
+            <a:r>
+              <a:rPr lang="ru-RU" sz="1800" dirty="0" smtClean="0"/>
+              <a:t>Развертывание и </a:t>
+            </a:r>
+            <a:r>
+              <a:rPr lang="ru-RU" sz="1800" dirty="0" smtClean="0"/>
+              <a:t>подключение сотрудников</a:t>
+            </a:r>
+            <a:endParaRPr lang="ru-RU" sz="1800" dirty="0" smtClean="0"/>
           </a:p>
         </p:txBody>
       </p:sp>
       <p:pic>
         <p:nvPicPr>
           <p:cNvPr id="5" name="Рисунок 4"/>
-          <p:cNvPicPr>
-            <a:picLocks noChangeAspect="1"/>
-          </p:cNvPicPr>
+          <p:cNvPicPr/>
           <p:nvPr/>
         </p:nvPicPr>
         <p:blipFill>
@@ -8180,8 +8324,8 @@
         </p:blipFill>
         <p:spPr>
           <a:xfrm>
-            <a:off x="2787138" y="806644"/>
-            <a:ext cx="4993855" cy="5875124"/>
+            <a:off x="4084320" y="2294164"/>
+            <a:ext cx="8107680" cy="2983231"/>
           </a:xfrm>
           <a:prstGeom prst="rect">
             <a:avLst/>
@@ -8191,20 +8335,13 @@
     </p:spTree>
     <p:extLst>
       <p:ext uri="{BB962C8B-B14F-4D97-AF65-F5344CB8AC3E}">
-        <p14:creationId xmlns:p14="http://schemas.microsoft.com/office/powerpoint/2010/main" val="263256049"/>
+        <p14:creationId xmlns:p14="http://schemas.microsoft.com/office/powerpoint/2010/main" val="2456434298"/>
       </p:ext>
     </p:extLst>
   </p:cSld>
   <p:clrMapOvr>
     <a:masterClrMapping/>
   </p:clrMapOvr>
-  <p:timing>
-    <p:tnLst>
-      <p:par>
-        <p:cTn id="1" dur="indefinite" restart="never" nodeType="tmRoot"/>
-      </p:par>
-    </p:tnLst>
-  </p:timing>
 </p:sld>
 </file>
 
@@ -8237,19 +8374,21 @@
         </p:nvSpPr>
         <p:spPr>
           <a:xfrm>
-            <a:off x="677334" y="193964"/>
+            <a:off x="569269" y="218902"/>
             <a:ext cx="8596668" cy="1320800"/>
           </a:xfrm>
         </p:spPr>
         <p:txBody>
-          <a:bodyPr/>
+          <a:bodyPr>
+            <a:normAutofit/>
+          </a:bodyPr>
           <a:lstStyle/>
           <a:p>
             <a:r>
-              <a:rPr lang="ru-RU" dirty="0" smtClean="0"/>
-              <a:t>Информационный менеджмент проекта</a:t>
-            </a:r>
-            <a:endParaRPr lang="ru-RU" dirty="0"/>
+              <a:rPr lang="ru-RU" sz="3200" dirty="0" smtClean="0"/>
+              <a:t>Смета по реализации проекта</a:t>
+            </a:r>
+            <a:endParaRPr lang="ru-RU" sz="3200" dirty="0"/>
           </a:p>
         </p:txBody>
       </p:sp>
@@ -8265,8 +8404,8 @@
         </p:nvSpPr>
         <p:spPr>
           <a:xfrm>
-            <a:off x="189654" y="1514764"/>
-            <a:ext cx="4425889" cy="5187862"/>
+            <a:off x="511079" y="1179687"/>
+            <a:ext cx="5964536" cy="5237738"/>
           </a:xfrm>
         </p:spPr>
         <p:txBody>
@@ -8275,121 +8414,1820 @@
           </a:bodyPr>
           <a:lstStyle/>
           <a:p>
-            <a:r>
-              <a:rPr lang="ru-RU" dirty="0" smtClean="0"/>
-              <a:t>Сроки реализации проекта: с </a:t>
-            </a:r>
-            <a:r>
-              <a:rPr lang="ru-RU" dirty="0" smtClean="0"/>
-              <a:t>20.02.2024 </a:t>
-            </a:r>
-            <a:r>
-              <a:rPr lang="ru-RU" dirty="0" smtClean="0"/>
-              <a:t>г. по </a:t>
-            </a:r>
-            <a:r>
-              <a:rPr lang="ru-RU" dirty="0" smtClean="0"/>
-              <a:t>31.05.2024 </a:t>
-            </a:r>
-            <a:r>
-              <a:rPr lang="ru-RU" dirty="0" smtClean="0"/>
-              <a:t>г.</a:t>
-            </a:r>
-          </a:p>
-          <a:p>
-            <a:r>
-              <a:rPr lang="ru-RU" dirty="0" smtClean="0"/>
-              <a:t>Менеджмент включает в себя следующие последовательные этапы:</a:t>
-            </a:r>
-          </a:p>
-          <a:p>
-            <a:pPr lvl="1"/>
-            <a:r>
-              <a:rPr lang="ru-RU" sz="1800" dirty="0" smtClean="0"/>
-              <a:t>Анализ </a:t>
-            </a:r>
-            <a:r>
-              <a:rPr lang="ru-RU" sz="1800" dirty="0" smtClean="0"/>
-              <a:t>требований</a:t>
-            </a:r>
-          </a:p>
-          <a:p>
-            <a:pPr lvl="1"/>
-            <a:r>
-              <a:rPr lang="ru-RU" sz="1800" dirty="0" smtClean="0"/>
-              <a:t>Проектирование</a:t>
-            </a:r>
-          </a:p>
-          <a:p>
-            <a:pPr lvl="1"/>
-            <a:r>
-              <a:rPr lang="ru-RU" sz="1800" dirty="0" smtClean="0"/>
-              <a:t>Разработка ТЗ</a:t>
-            </a:r>
-            <a:endParaRPr lang="ru-RU" sz="1800" dirty="0" smtClean="0"/>
-          </a:p>
-          <a:p>
-            <a:pPr lvl="1"/>
-            <a:r>
-              <a:rPr lang="ru-RU" sz="1800" dirty="0" smtClean="0"/>
-              <a:t>Реализация </a:t>
-            </a:r>
-            <a:r>
-              <a:rPr lang="ru-RU" sz="1800" dirty="0" smtClean="0"/>
-              <a:t>прототипа приложения</a:t>
-            </a:r>
-          </a:p>
-          <a:p>
-            <a:pPr lvl="1"/>
-            <a:r>
-              <a:rPr lang="ru-RU" sz="1800" dirty="0" smtClean="0"/>
-              <a:t>Реализация программной системы</a:t>
-            </a:r>
-            <a:endParaRPr lang="ru-RU" sz="1800" dirty="0" smtClean="0"/>
-          </a:p>
-          <a:p>
-            <a:pPr lvl="1"/>
-            <a:r>
-              <a:rPr lang="ru-RU" sz="1800" dirty="0" smtClean="0"/>
-              <a:t>Тестирование</a:t>
-            </a:r>
-          </a:p>
-          <a:p>
-            <a:pPr lvl="1"/>
-            <a:r>
-              <a:rPr lang="ru-RU" sz="1800" dirty="0" smtClean="0"/>
-              <a:t>Развертывание и подключение</a:t>
-            </a:r>
-            <a:endParaRPr lang="ru-RU" sz="1800" dirty="0" smtClean="0"/>
+            <a:endParaRPr lang="ru-RU" dirty="0"/>
+          </a:p>
+          <a:p>
+            <a:endParaRPr lang="ru-RU" dirty="0"/>
           </a:p>
         </p:txBody>
       </p:sp>
-      <p:pic>
-        <p:nvPicPr>
-          <p:cNvPr id="5" name="Рисунок 4"/>
-          <p:cNvPicPr/>
-          <p:nvPr/>
-        </p:nvPicPr>
-        <p:blipFill>
-          <a:blip r:embed="rId2"/>
-          <a:stretch>
-            <a:fillRect/>
-          </a:stretch>
-        </p:blipFill>
-        <p:spPr>
-          <a:xfrm>
-            <a:off x="4084320" y="2294164"/>
-            <a:ext cx="8107680" cy="2983231"/>
-          </a:xfrm>
-          <a:prstGeom prst="rect">
-            <a:avLst/>
-          </a:prstGeom>
-        </p:spPr>
-      </p:pic>
+      <p:graphicFrame>
+        <p:nvGraphicFramePr>
+          <p:cNvPr id="6" name="Таблица 5"/>
+          <p:cNvGraphicFramePr>
+            <a:graphicFrameLocks noGrp="1"/>
+          </p:cNvGraphicFramePr>
+          <p:nvPr>
+            <p:extLst>
+              <p:ext uri="{D42A27DB-BD31-4B8C-83A1-F6EECF244321}">
+                <p14:modId xmlns:p14="http://schemas.microsoft.com/office/powerpoint/2010/main" val="1287974705"/>
+              </p:ext>
+            </p:extLst>
+          </p:nvPr>
+        </p:nvGraphicFramePr>
+        <p:xfrm>
+          <a:off x="775063" y="1179689"/>
+          <a:ext cx="8934993" cy="5534620"/>
+        </p:xfrm>
+        <a:graphic>
+          <a:graphicData uri="http://schemas.openxmlformats.org/drawingml/2006/table">
+            <a:tbl>
+              <a:tblPr firstRow="1" firstCol="1" lastRow="1" lastCol="1" bandRow="1" bandCol="1">
+                <a:tableStyleId>{5C22544A-7EE6-4342-B048-85BDC9FD1C3A}</a:tableStyleId>
+              </a:tblPr>
+              <a:tblGrid>
+                <a:gridCol w="3121526">
+                  <a:extLst>
+                    <a:ext uri="{9D8B030D-6E8A-4147-A177-3AD203B41FA5}">
+                      <a16:colId xmlns:a16="http://schemas.microsoft.com/office/drawing/2014/main" val="2430809693"/>
+                    </a:ext>
+                  </a:extLst>
+                </a:gridCol>
+                <a:gridCol w="2355243">
+                  <a:extLst>
+                    <a:ext uri="{9D8B030D-6E8A-4147-A177-3AD203B41FA5}">
+                      <a16:colId xmlns:a16="http://schemas.microsoft.com/office/drawing/2014/main" val="2469639139"/>
+                    </a:ext>
+                  </a:extLst>
+                </a:gridCol>
+                <a:gridCol w="1380801">
+                  <a:extLst>
+                    <a:ext uri="{9D8B030D-6E8A-4147-A177-3AD203B41FA5}">
+                      <a16:colId xmlns:a16="http://schemas.microsoft.com/office/drawing/2014/main" val="3504784658"/>
+                    </a:ext>
+                  </a:extLst>
+                </a:gridCol>
+                <a:gridCol w="2077423">
+                  <a:extLst>
+                    <a:ext uri="{9D8B030D-6E8A-4147-A177-3AD203B41FA5}">
+                      <a16:colId xmlns:a16="http://schemas.microsoft.com/office/drawing/2014/main" val="327429848"/>
+                    </a:ext>
+                  </a:extLst>
+                </a:gridCol>
+              </a:tblGrid>
+              <a:tr h="216157">
+                <a:tc gridSpan="4">
+                  <a:txBody>
+                    <a:bodyPr/>
+                    <a:lstStyle/>
+                    <a:p>
+                      <a:pPr marL="67945">
+                        <a:lnSpc>
+                          <a:spcPts val="1255"/>
+                        </a:lnSpc>
+                        <a:spcAft>
+                          <a:spcPts val="0"/>
+                        </a:spcAft>
+                      </a:pPr>
+                      <a:r>
+                        <a:rPr lang="ru-RU" sz="1100">
+                          <a:effectLst/>
+                        </a:rPr>
+                        <a:t>Стоимость</a:t>
+                      </a:r>
+                      <a:r>
+                        <a:rPr lang="ru-RU" sz="1100" spc="-15">
+                          <a:effectLst/>
+                        </a:rPr>
+                        <a:t> </a:t>
+                      </a:r>
+                      <a:r>
+                        <a:rPr lang="ru-RU" sz="1100">
+                          <a:effectLst/>
+                        </a:rPr>
+                        <a:t>работ:</a:t>
+                      </a:r>
+                      <a:endParaRPr lang="en-US" sz="1100">
+                        <a:effectLst/>
+                        <a:latin typeface="Times New Roman" panose="02020603050405020304" pitchFamily="18" charset="0"/>
+                        <a:ea typeface="Times New Roman" panose="02020603050405020304" pitchFamily="18" charset="0"/>
+                        <a:cs typeface="Times New Roman" panose="02020603050405020304" pitchFamily="18" charset="0"/>
+                      </a:endParaRPr>
+                    </a:p>
+                  </a:txBody>
+                  <a:tcPr marL="0" marR="0" marT="0" marB="0"/>
+                </a:tc>
+                <a:tc hMerge="1">
+                  <a:txBody>
+                    <a:bodyPr/>
+                    <a:lstStyle/>
+                    <a:p>
+                      <a:endParaRPr lang="en-US"/>
+                    </a:p>
+                  </a:txBody>
+                  <a:tcPr/>
+                </a:tc>
+                <a:tc hMerge="1">
+                  <a:txBody>
+                    <a:bodyPr/>
+                    <a:lstStyle/>
+                    <a:p>
+                      <a:endParaRPr lang="en-US"/>
+                    </a:p>
+                  </a:txBody>
+                  <a:tcPr/>
+                </a:tc>
+                <a:tc hMerge="1">
+                  <a:txBody>
+                    <a:bodyPr/>
+                    <a:lstStyle/>
+                    <a:p>
+                      <a:endParaRPr lang="en-US"/>
+                    </a:p>
+                  </a:txBody>
+                  <a:tcPr/>
+                </a:tc>
+                <a:extLst>
+                  <a:ext uri="{0D108BD9-81ED-4DB2-BD59-A6C34878D82A}">
+                    <a16:rowId xmlns:a16="http://schemas.microsoft.com/office/drawing/2014/main" val="3154060102"/>
+                  </a:ext>
+                </a:extLst>
+              </a:tr>
+              <a:tr h="433478">
+                <a:tc>
+                  <a:txBody>
+                    <a:bodyPr/>
+                    <a:lstStyle/>
+                    <a:p>
+                      <a:pPr marL="67945">
+                        <a:lnSpc>
+                          <a:spcPts val="1575"/>
+                        </a:lnSpc>
+                        <a:spcAft>
+                          <a:spcPts val="0"/>
+                        </a:spcAft>
+                      </a:pPr>
+                      <a:r>
+                        <a:rPr lang="ru-RU" sz="1100">
+                          <a:effectLst/>
+                        </a:rPr>
+                        <a:t>Категория</a:t>
+                      </a:r>
+                      <a:r>
+                        <a:rPr lang="ru-RU" sz="1100" spc="-35">
+                          <a:effectLst/>
+                        </a:rPr>
+                        <a:t> </a:t>
+                      </a:r>
+                      <a:r>
+                        <a:rPr lang="ru-RU" sz="1100">
+                          <a:effectLst/>
+                        </a:rPr>
+                        <a:t>специалиста</a:t>
+                      </a:r>
+                      <a:endParaRPr lang="en-US" sz="1100">
+                        <a:effectLst/>
+                        <a:latin typeface="Times New Roman" panose="02020603050405020304" pitchFamily="18" charset="0"/>
+                        <a:ea typeface="Times New Roman" panose="02020603050405020304" pitchFamily="18" charset="0"/>
+                        <a:cs typeface="Times New Roman" panose="02020603050405020304" pitchFamily="18" charset="0"/>
+                      </a:endParaRPr>
+                    </a:p>
+                  </a:txBody>
+                  <a:tcPr marL="0" marR="0" marT="0" marB="0"/>
+                </a:tc>
+                <a:tc>
+                  <a:txBody>
+                    <a:bodyPr/>
+                    <a:lstStyle/>
+                    <a:p>
+                      <a:pPr marL="67945">
+                        <a:lnSpc>
+                          <a:spcPts val="1575"/>
+                        </a:lnSpc>
+                        <a:spcAft>
+                          <a:spcPts val="0"/>
+                        </a:spcAft>
+                      </a:pPr>
+                      <a:r>
+                        <a:rPr lang="ru-RU" sz="1100">
+                          <a:effectLst/>
+                        </a:rPr>
+                        <a:t>Трудозатраты,</a:t>
+                      </a:r>
+                      <a:r>
+                        <a:rPr lang="ru-RU" sz="1100" spc="-25">
+                          <a:effectLst/>
+                        </a:rPr>
+                        <a:t> </a:t>
+                      </a:r>
+                      <a:r>
+                        <a:rPr lang="ru-RU" sz="1100">
+                          <a:effectLst/>
+                        </a:rPr>
+                        <a:t>час</a:t>
+                      </a:r>
+                      <a:endParaRPr lang="en-US" sz="1100">
+                        <a:effectLst/>
+                        <a:latin typeface="Times New Roman" panose="02020603050405020304" pitchFamily="18" charset="0"/>
+                        <a:ea typeface="Times New Roman" panose="02020603050405020304" pitchFamily="18" charset="0"/>
+                        <a:cs typeface="Times New Roman" panose="02020603050405020304" pitchFamily="18" charset="0"/>
+                      </a:endParaRPr>
+                    </a:p>
+                  </a:txBody>
+                  <a:tcPr marL="0" marR="0" marT="0" marB="0"/>
+                </a:tc>
+                <a:tc>
+                  <a:txBody>
+                    <a:bodyPr/>
+                    <a:lstStyle/>
+                    <a:p>
+                      <a:pPr marL="67945">
+                        <a:lnSpc>
+                          <a:spcPts val="1575"/>
+                        </a:lnSpc>
+                        <a:spcAft>
+                          <a:spcPts val="0"/>
+                        </a:spcAft>
+                      </a:pPr>
+                      <a:r>
+                        <a:rPr lang="ru-RU" sz="1100">
+                          <a:effectLst/>
+                        </a:rPr>
+                        <a:t>Ставка,</a:t>
+                      </a:r>
+                      <a:endParaRPr lang="en-US" sz="1100">
+                        <a:effectLst/>
+                      </a:endParaRPr>
+                    </a:p>
+                    <a:p>
+                      <a:pPr marL="67945">
+                        <a:lnSpc>
+                          <a:spcPts val="1015"/>
+                        </a:lnSpc>
+                        <a:spcBef>
+                          <a:spcPts val="10"/>
+                        </a:spcBef>
+                        <a:spcAft>
+                          <a:spcPts val="0"/>
+                        </a:spcAft>
+                      </a:pPr>
+                      <a:r>
+                        <a:rPr lang="ru-RU" sz="1100">
+                          <a:effectLst/>
+                        </a:rPr>
+                        <a:t>руб/час</a:t>
+                      </a:r>
+                      <a:endParaRPr lang="en-US" sz="1100">
+                        <a:effectLst/>
+                        <a:latin typeface="Times New Roman" panose="02020603050405020304" pitchFamily="18" charset="0"/>
+                        <a:ea typeface="Times New Roman" panose="02020603050405020304" pitchFamily="18" charset="0"/>
+                        <a:cs typeface="Times New Roman" panose="02020603050405020304" pitchFamily="18" charset="0"/>
+                      </a:endParaRPr>
+                    </a:p>
+                  </a:txBody>
+                  <a:tcPr marL="0" marR="0" marT="0" marB="0"/>
+                </a:tc>
+                <a:tc>
+                  <a:txBody>
+                    <a:bodyPr/>
+                    <a:lstStyle/>
+                    <a:p>
+                      <a:pPr marL="66675">
+                        <a:lnSpc>
+                          <a:spcPts val="1575"/>
+                        </a:lnSpc>
+                        <a:spcAft>
+                          <a:spcPts val="0"/>
+                        </a:spcAft>
+                      </a:pPr>
+                      <a:r>
+                        <a:rPr lang="ru-RU" sz="1100">
+                          <a:effectLst/>
+                        </a:rPr>
+                        <a:t>Итого</a:t>
+                      </a:r>
+                      <a:endParaRPr lang="en-US" sz="1100">
+                        <a:effectLst/>
+                        <a:latin typeface="Times New Roman" panose="02020603050405020304" pitchFamily="18" charset="0"/>
+                        <a:ea typeface="Times New Roman" panose="02020603050405020304" pitchFamily="18" charset="0"/>
+                        <a:cs typeface="Times New Roman" panose="02020603050405020304" pitchFamily="18" charset="0"/>
+                      </a:endParaRPr>
+                    </a:p>
+                  </a:txBody>
+                  <a:tcPr marL="0" marR="0" marT="0" marB="0"/>
+                </a:tc>
+                <a:extLst>
+                  <a:ext uri="{0D108BD9-81ED-4DB2-BD59-A6C34878D82A}">
+                    <a16:rowId xmlns:a16="http://schemas.microsoft.com/office/drawing/2014/main" val="35987088"/>
+                  </a:ext>
+                </a:extLst>
+              </a:tr>
+              <a:tr h="216157">
+                <a:tc>
+                  <a:txBody>
+                    <a:bodyPr/>
+                    <a:lstStyle/>
+                    <a:p>
+                      <a:pPr marL="67945">
+                        <a:lnSpc>
+                          <a:spcPts val="1255"/>
+                        </a:lnSpc>
+                        <a:spcAft>
+                          <a:spcPts val="0"/>
+                        </a:spcAft>
+                      </a:pPr>
+                      <a:r>
+                        <a:rPr lang="ru-RU" sz="1100">
+                          <a:effectLst/>
+                        </a:rPr>
+                        <a:t>Менеджер</a:t>
+                      </a:r>
+                      <a:r>
+                        <a:rPr lang="ru-RU" sz="1100" spc="-30">
+                          <a:effectLst/>
+                        </a:rPr>
+                        <a:t> </a:t>
+                      </a:r>
+                      <a:r>
+                        <a:rPr lang="ru-RU" sz="1100">
+                          <a:effectLst/>
+                        </a:rPr>
+                        <a:t>проекта</a:t>
+                      </a:r>
+                      <a:endParaRPr lang="en-US" sz="1100">
+                        <a:effectLst/>
+                        <a:latin typeface="Times New Roman" panose="02020603050405020304" pitchFamily="18" charset="0"/>
+                        <a:ea typeface="Times New Roman" panose="02020603050405020304" pitchFamily="18" charset="0"/>
+                        <a:cs typeface="Times New Roman" panose="02020603050405020304" pitchFamily="18" charset="0"/>
+                      </a:endParaRPr>
+                    </a:p>
+                  </a:txBody>
+                  <a:tcPr marL="0" marR="0" marT="0" marB="0"/>
+                </a:tc>
+                <a:tc>
+                  <a:txBody>
+                    <a:bodyPr/>
+                    <a:lstStyle/>
+                    <a:p>
+                      <a:pPr marL="67945">
+                        <a:lnSpc>
+                          <a:spcPts val="1255"/>
+                        </a:lnSpc>
+                        <a:spcAft>
+                          <a:spcPts val="0"/>
+                        </a:spcAft>
+                      </a:pPr>
+                      <a:r>
+                        <a:rPr lang="ru-RU" sz="1100">
+                          <a:effectLst/>
+                        </a:rPr>
+                        <a:t>288</a:t>
+                      </a:r>
+                      <a:endParaRPr lang="en-US" sz="1100">
+                        <a:effectLst/>
+                        <a:latin typeface="Times New Roman" panose="02020603050405020304" pitchFamily="18" charset="0"/>
+                        <a:ea typeface="Times New Roman" panose="02020603050405020304" pitchFamily="18" charset="0"/>
+                        <a:cs typeface="Times New Roman" panose="02020603050405020304" pitchFamily="18" charset="0"/>
+                      </a:endParaRPr>
+                    </a:p>
+                  </a:txBody>
+                  <a:tcPr marL="0" marR="0" marT="0" marB="0"/>
+                </a:tc>
+                <a:tc>
+                  <a:txBody>
+                    <a:bodyPr/>
+                    <a:lstStyle/>
+                    <a:p>
+                      <a:pPr marL="67945">
+                        <a:lnSpc>
+                          <a:spcPts val="1255"/>
+                        </a:lnSpc>
+                        <a:spcAft>
+                          <a:spcPts val="0"/>
+                        </a:spcAft>
+                      </a:pPr>
+                      <a:r>
+                        <a:rPr lang="ru-RU" sz="1100">
+                          <a:effectLst/>
+                        </a:rPr>
+                        <a:t>350</a:t>
+                      </a:r>
+                      <a:endParaRPr lang="en-US" sz="1100">
+                        <a:effectLst/>
+                        <a:latin typeface="Times New Roman" panose="02020603050405020304" pitchFamily="18" charset="0"/>
+                        <a:ea typeface="Times New Roman" panose="02020603050405020304" pitchFamily="18" charset="0"/>
+                        <a:cs typeface="Times New Roman" panose="02020603050405020304" pitchFamily="18" charset="0"/>
+                      </a:endParaRPr>
+                    </a:p>
+                  </a:txBody>
+                  <a:tcPr marL="0" marR="0" marT="0" marB="0"/>
+                </a:tc>
+                <a:tc>
+                  <a:txBody>
+                    <a:bodyPr/>
+                    <a:lstStyle/>
+                    <a:p>
+                      <a:pPr marL="66675">
+                        <a:lnSpc>
+                          <a:spcPts val="1255"/>
+                        </a:lnSpc>
+                        <a:spcAft>
+                          <a:spcPts val="0"/>
+                        </a:spcAft>
+                      </a:pPr>
+                      <a:r>
+                        <a:rPr lang="ru-RU" sz="1100">
+                          <a:effectLst/>
+                        </a:rPr>
+                        <a:t>100 800</a:t>
+                      </a:r>
+                      <a:endParaRPr lang="en-US" sz="1100">
+                        <a:effectLst/>
+                        <a:latin typeface="Times New Roman" panose="02020603050405020304" pitchFamily="18" charset="0"/>
+                        <a:ea typeface="Times New Roman" panose="02020603050405020304" pitchFamily="18" charset="0"/>
+                        <a:cs typeface="Times New Roman" panose="02020603050405020304" pitchFamily="18" charset="0"/>
+                      </a:endParaRPr>
+                    </a:p>
+                  </a:txBody>
+                  <a:tcPr marL="0" marR="0" marT="0" marB="0"/>
+                </a:tc>
+                <a:extLst>
+                  <a:ext uri="{0D108BD9-81ED-4DB2-BD59-A6C34878D82A}">
+                    <a16:rowId xmlns:a16="http://schemas.microsoft.com/office/drawing/2014/main" val="1197869240"/>
+                  </a:ext>
+                </a:extLst>
+              </a:tr>
+              <a:tr h="257154">
+                <a:tc>
+                  <a:txBody>
+                    <a:bodyPr/>
+                    <a:lstStyle/>
+                    <a:p>
+                      <a:pPr marL="67945">
+                        <a:lnSpc>
+                          <a:spcPts val="1520"/>
+                        </a:lnSpc>
+                        <a:spcAft>
+                          <a:spcPts val="0"/>
+                        </a:spcAft>
+                      </a:pPr>
+                      <a:r>
+                        <a:rPr lang="ru-RU" sz="1100">
+                          <a:effectLst/>
+                        </a:rPr>
+                        <a:t>Backend - разработчик</a:t>
+                      </a:r>
+                      <a:endParaRPr lang="en-US" sz="1100">
+                        <a:effectLst/>
+                        <a:latin typeface="Times New Roman" panose="02020603050405020304" pitchFamily="18" charset="0"/>
+                        <a:ea typeface="Times New Roman" panose="02020603050405020304" pitchFamily="18" charset="0"/>
+                        <a:cs typeface="Times New Roman" panose="02020603050405020304" pitchFamily="18" charset="0"/>
+                      </a:endParaRPr>
+                    </a:p>
+                  </a:txBody>
+                  <a:tcPr marL="0" marR="0" marT="0" marB="0"/>
+                </a:tc>
+                <a:tc>
+                  <a:txBody>
+                    <a:bodyPr/>
+                    <a:lstStyle/>
+                    <a:p>
+                      <a:pPr marL="67945">
+                        <a:lnSpc>
+                          <a:spcPts val="1520"/>
+                        </a:lnSpc>
+                        <a:spcAft>
+                          <a:spcPts val="0"/>
+                        </a:spcAft>
+                      </a:pPr>
+                      <a:r>
+                        <a:rPr lang="ru-RU" sz="1100">
+                          <a:effectLst/>
+                        </a:rPr>
+                        <a:t>480</a:t>
+                      </a:r>
+                      <a:endParaRPr lang="en-US" sz="1100">
+                        <a:effectLst/>
+                        <a:latin typeface="Times New Roman" panose="02020603050405020304" pitchFamily="18" charset="0"/>
+                        <a:ea typeface="Times New Roman" panose="02020603050405020304" pitchFamily="18" charset="0"/>
+                        <a:cs typeface="Times New Roman" panose="02020603050405020304" pitchFamily="18" charset="0"/>
+                      </a:endParaRPr>
+                    </a:p>
+                  </a:txBody>
+                  <a:tcPr marL="0" marR="0" marT="0" marB="0"/>
+                </a:tc>
+                <a:tc>
+                  <a:txBody>
+                    <a:bodyPr/>
+                    <a:lstStyle/>
+                    <a:p>
+                      <a:pPr marL="67945">
+                        <a:lnSpc>
+                          <a:spcPts val="1520"/>
+                        </a:lnSpc>
+                        <a:spcAft>
+                          <a:spcPts val="0"/>
+                        </a:spcAft>
+                      </a:pPr>
+                      <a:r>
+                        <a:rPr lang="ru-RU" sz="1100">
+                          <a:effectLst/>
+                        </a:rPr>
+                        <a:t>300</a:t>
+                      </a:r>
+                      <a:endParaRPr lang="en-US" sz="1100">
+                        <a:effectLst/>
+                        <a:latin typeface="Times New Roman" panose="02020603050405020304" pitchFamily="18" charset="0"/>
+                        <a:ea typeface="Times New Roman" panose="02020603050405020304" pitchFamily="18" charset="0"/>
+                        <a:cs typeface="Times New Roman" panose="02020603050405020304" pitchFamily="18" charset="0"/>
+                      </a:endParaRPr>
+                    </a:p>
+                  </a:txBody>
+                  <a:tcPr marL="0" marR="0" marT="0" marB="0"/>
+                </a:tc>
+                <a:tc>
+                  <a:txBody>
+                    <a:bodyPr/>
+                    <a:lstStyle/>
+                    <a:p>
+                      <a:pPr marL="66675">
+                        <a:lnSpc>
+                          <a:spcPts val="1520"/>
+                        </a:lnSpc>
+                        <a:spcAft>
+                          <a:spcPts val="0"/>
+                        </a:spcAft>
+                      </a:pPr>
+                      <a:r>
+                        <a:rPr lang="ru-RU" sz="1100">
+                          <a:effectLst/>
+                        </a:rPr>
+                        <a:t>144 000</a:t>
+                      </a:r>
+                      <a:endParaRPr lang="en-US" sz="1100">
+                        <a:effectLst/>
+                        <a:latin typeface="Times New Roman" panose="02020603050405020304" pitchFamily="18" charset="0"/>
+                        <a:ea typeface="Times New Roman" panose="02020603050405020304" pitchFamily="18" charset="0"/>
+                        <a:cs typeface="Times New Roman" panose="02020603050405020304" pitchFamily="18" charset="0"/>
+                      </a:endParaRPr>
+                    </a:p>
+                  </a:txBody>
+                  <a:tcPr marL="0" marR="0" marT="0" marB="0"/>
+                </a:tc>
+                <a:extLst>
+                  <a:ext uri="{0D108BD9-81ED-4DB2-BD59-A6C34878D82A}">
+                    <a16:rowId xmlns:a16="http://schemas.microsoft.com/office/drawing/2014/main" val="3111755998"/>
+                  </a:ext>
+                </a:extLst>
+              </a:tr>
+              <a:tr h="479204">
+                <a:tc>
+                  <a:txBody>
+                    <a:bodyPr/>
+                    <a:lstStyle/>
+                    <a:p>
+                      <a:pPr marL="67945">
+                        <a:lnSpc>
+                          <a:spcPts val="1520"/>
+                        </a:lnSpc>
+                        <a:spcAft>
+                          <a:spcPts val="0"/>
+                        </a:spcAft>
+                      </a:pPr>
+                      <a:r>
+                        <a:rPr lang="ru-RU" sz="1100">
+                          <a:effectLst/>
+                        </a:rPr>
+                        <a:t>Мобильный Android-разработчик</a:t>
+                      </a:r>
+                      <a:endParaRPr lang="en-US" sz="1100">
+                        <a:effectLst/>
+                        <a:latin typeface="Times New Roman" panose="02020603050405020304" pitchFamily="18" charset="0"/>
+                        <a:ea typeface="Times New Roman" panose="02020603050405020304" pitchFamily="18" charset="0"/>
+                        <a:cs typeface="Times New Roman" panose="02020603050405020304" pitchFamily="18" charset="0"/>
+                      </a:endParaRPr>
+                    </a:p>
+                  </a:txBody>
+                  <a:tcPr marL="0" marR="0" marT="0" marB="0"/>
+                </a:tc>
+                <a:tc>
+                  <a:txBody>
+                    <a:bodyPr/>
+                    <a:lstStyle/>
+                    <a:p>
+                      <a:pPr marL="67945">
+                        <a:lnSpc>
+                          <a:spcPts val="1520"/>
+                        </a:lnSpc>
+                        <a:spcAft>
+                          <a:spcPts val="0"/>
+                        </a:spcAft>
+                      </a:pPr>
+                      <a:r>
+                        <a:rPr lang="ru-RU" sz="1100">
+                          <a:effectLst/>
+                        </a:rPr>
+                        <a:t>192</a:t>
+                      </a:r>
+                      <a:endParaRPr lang="en-US" sz="1100">
+                        <a:effectLst/>
+                        <a:latin typeface="Times New Roman" panose="02020603050405020304" pitchFamily="18" charset="0"/>
+                        <a:ea typeface="Times New Roman" panose="02020603050405020304" pitchFamily="18" charset="0"/>
+                        <a:cs typeface="Times New Roman" panose="02020603050405020304" pitchFamily="18" charset="0"/>
+                      </a:endParaRPr>
+                    </a:p>
+                  </a:txBody>
+                  <a:tcPr marL="0" marR="0" marT="0" marB="0"/>
+                </a:tc>
+                <a:tc>
+                  <a:txBody>
+                    <a:bodyPr/>
+                    <a:lstStyle/>
+                    <a:p>
+                      <a:pPr marL="67945">
+                        <a:lnSpc>
+                          <a:spcPts val="1520"/>
+                        </a:lnSpc>
+                        <a:spcAft>
+                          <a:spcPts val="0"/>
+                        </a:spcAft>
+                      </a:pPr>
+                      <a:r>
+                        <a:rPr lang="ru-RU" sz="1100">
+                          <a:effectLst/>
+                        </a:rPr>
+                        <a:t>250</a:t>
+                      </a:r>
+                      <a:endParaRPr lang="en-US" sz="1100">
+                        <a:effectLst/>
+                        <a:latin typeface="Times New Roman" panose="02020603050405020304" pitchFamily="18" charset="0"/>
+                        <a:ea typeface="Times New Roman" panose="02020603050405020304" pitchFamily="18" charset="0"/>
+                        <a:cs typeface="Times New Roman" panose="02020603050405020304" pitchFamily="18" charset="0"/>
+                      </a:endParaRPr>
+                    </a:p>
+                  </a:txBody>
+                  <a:tcPr marL="0" marR="0" marT="0" marB="0"/>
+                </a:tc>
+                <a:tc>
+                  <a:txBody>
+                    <a:bodyPr/>
+                    <a:lstStyle/>
+                    <a:p>
+                      <a:pPr marL="66675">
+                        <a:lnSpc>
+                          <a:spcPts val="1520"/>
+                        </a:lnSpc>
+                        <a:spcAft>
+                          <a:spcPts val="0"/>
+                        </a:spcAft>
+                      </a:pPr>
+                      <a:r>
+                        <a:rPr lang="ru-RU" sz="1100">
+                          <a:effectLst/>
+                        </a:rPr>
+                        <a:t>48 000</a:t>
+                      </a:r>
+                      <a:endParaRPr lang="en-US" sz="1100">
+                        <a:effectLst/>
+                        <a:latin typeface="Times New Roman" panose="02020603050405020304" pitchFamily="18" charset="0"/>
+                        <a:ea typeface="Times New Roman" panose="02020603050405020304" pitchFamily="18" charset="0"/>
+                        <a:cs typeface="Times New Roman" panose="02020603050405020304" pitchFamily="18" charset="0"/>
+                      </a:endParaRPr>
+                    </a:p>
+                  </a:txBody>
+                  <a:tcPr marL="0" marR="0" marT="0" marB="0"/>
+                </a:tc>
+                <a:extLst>
+                  <a:ext uri="{0D108BD9-81ED-4DB2-BD59-A6C34878D82A}">
+                    <a16:rowId xmlns:a16="http://schemas.microsoft.com/office/drawing/2014/main" val="112693493"/>
+                  </a:ext>
+                </a:extLst>
+              </a:tr>
+              <a:tr h="255561">
+                <a:tc>
+                  <a:txBody>
+                    <a:bodyPr/>
+                    <a:lstStyle/>
+                    <a:p>
+                      <a:pPr marL="67945">
+                        <a:lnSpc>
+                          <a:spcPts val="1505"/>
+                        </a:lnSpc>
+                        <a:spcAft>
+                          <a:spcPts val="0"/>
+                        </a:spcAft>
+                      </a:pPr>
+                      <a:r>
+                        <a:rPr lang="ru-RU" sz="1100">
+                          <a:effectLst/>
+                        </a:rPr>
+                        <a:t>Аналитик</a:t>
+                      </a:r>
+                      <a:endParaRPr lang="en-US" sz="1100">
+                        <a:effectLst/>
+                        <a:latin typeface="Times New Roman" panose="02020603050405020304" pitchFamily="18" charset="0"/>
+                        <a:ea typeface="Times New Roman" panose="02020603050405020304" pitchFamily="18" charset="0"/>
+                        <a:cs typeface="Times New Roman" panose="02020603050405020304" pitchFamily="18" charset="0"/>
+                      </a:endParaRPr>
+                    </a:p>
+                  </a:txBody>
+                  <a:tcPr marL="0" marR="0" marT="0" marB="0"/>
+                </a:tc>
+                <a:tc>
+                  <a:txBody>
+                    <a:bodyPr/>
+                    <a:lstStyle/>
+                    <a:p>
+                      <a:pPr marL="67945">
+                        <a:lnSpc>
+                          <a:spcPts val="1505"/>
+                        </a:lnSpc>
+                        <a:spcAft>
+                          <a:spcPts val="0"/>
+                        </a:spcAft>
+                      </a:pPr>
+                      <a:r>
+                        <a:rPr lang="ru-RU" sz="1100">
+                          <a:effectLst/>
+                        </a:rPr>
+                        <a:t>256</a:t>
+                      </a:r>
+                      <a:endParaRPr lang="en-US" sz="1100">
+                        <a:effectLst/>
+                        <a:latin typeface="Times New Roman" panose="02020603050405020304" pitchFamily="18" charset="0"/>
+                        <a:ea typeface="Times New Roman" panose="02020603050405020304" pitchFamily="18" charset="0"/>
+                        <a:cs typeface="Times New Roman" panose="02020603050405020304" pitchFamily="18" charset="0"/>
+                      </a:endParaRPr>
+                    </a:p>
+                  </a:txBody>
+                  <a:tcPr marL="0" marR="0" marT="0" marB="0"/>
+                </a:tc>
+                <a:tc>
+                  <a:txBody>
+                    <a:bodyPr/>
+                    <a:lstStyle/>
+                    <a:p>
+                      <a:pPr marL="67945">
+                        <a:lnSpc>
+                          <a:spcPts val="1505"/>
+                        </a:lnSpc>
+                        <a:spcAft>
+                          <a:spcPts val="0"/>
+                        </a:spcAft>
+                      </a:pPr>
+                      <a:r>
+                        <a:rPr lang="ru-RU" sz="1100">
+                          <a:effectLst/>
+                        </a:rPr>
+                        <a:t>240</a:t>
+                      </a:r>
+                      <a:endParaRPr lang="en-US" sz="1100">
+                        <a:effectLst/>
+                        <a:latin typeface="Times New Roman" panose="02020603050405020304" pitchFamily="18" charset="0"/>
+                        <a:ea typeface="Times New Roman" panose="02020603050405020304" pitchFamily="18" charset="0"/>
+                        <a:cs typeface="Times New Roman" panose="02020603050405020304" pitchFamily="18" charset="0"/>
+                      </a:endParaRPr>
+                    </a:p>
+                  </a:txBody>
+                  <a:tcPr marL="0" marR="0" marT="0" marB="0"/>
+                </a:tc>
+                <a:tc>
+                  <a:txBody>
+                    <a:bodyPr/>
+                    <a:lstStyle/>
+                    <a:p>
+                      <a:pPr marL="66675">
+                        <a:lnSpc>
+                          <a:spcPts val="1505"/>
+                        </a:lnSpc>
+                        <a:spcAft>
+                          <a:spcPts val="0"/>
+                        </a:spcAft>
+                      </a:pPr>
+                      <a:r>
+                        <a:rPr lang="ru-RU" sz="1100">
+                          <a:effectLst/>
+                        </a:rPr>
+                        <a:t>61 440</a:t>
+                      </a:r>
+                      <a:endParaRPr lang="en-US" sz="1100">
+                        <a:effectLst/>
+                        <a:latin typeface="Times New Roman" panose="02020603050405020304" pitchFamily="18" charset="0"/>
+                        <a:ea typeface="Times New Roman" panose="02020603050405020304" pitchFamily="18" charset="0"/>
+                        <a:cs typeface="Times New Roman" panose="02020603050405020304" pitchFamily="18" charset="0"/>
+                      </a:endParaRPr>
+                    </a:p>
+                  </a:txBody>
+                  <a:tcPr marL="0" marR="0" marT="0" marB="0"/>
+                </a:tc>
+                <a:extLst>
+                  <a:ext uri="{0D108BD9-81ED-4DB2-BD59-A6C34878D82A}">
+                    <a16:rowId xmlns:a16="http://schemas.microsoft.com/office/drawing/2014/main" val="449727928"/>
+                  </a:ext>
+                </a:extLst>
+              </a:tr>
+              <a:tr h="255561">
+                <a:tc>
+                  <a:txBody>
+                    <a:bodyPr/>
+                    <a:lstStyle/>
+                    <a:p>
+                      <a:pPr marL="67945">
+                        <a:lnSpc>
+                          <a:spcPts val="1505"/>
+                        </a:lnSpc>
+                        <a:spcAft>
+                          <a:spcPts val="0"/>
+                        </a:spcAft>
+                      </a:pPr>
+                      <a:r>
+                        <a:rPr lang="ru-RU" sz="1100">
+                          <a:effectLst/>
+                        </a:rPr>
+                        <a:t>Тестировщик</a:t>
+                      </a:r>
+                      <a:endParaRPr lang="en-US" sz="1100">
+                        <a:effectLst/>
+                        <a:latin typeface="Times New Roman" panose="02020603050405020304" pitchFamily="18" charset="0"/>
+                        <a:ea typeface="Times New Roman" panose="02020603050405020304" pitchFamily="18" charset="0"/>
+                        <a:cs typeface="Times New Roman" panose="02020603050405020304" pitchFamily="18" charset="0"/>
+                      </a:endParaRPr>
+                    </a:p>
+                  </a:txBody>
+                  <a:tcPr marL="0" marR="0" marT="0" marB="0"/>
+                </a:tc>
+                <a:tc>
+                  <a:txBody>
+                    <a:bodyPr/>
+                    <a:lstStyle/>
+                    <a:p>
+                      <a:pPr marL="67945">
+                        <a:lnSpc>
+                          <a:spcPts val="1505"/>
+                        </a:lnSpc>
+                        <a:spcAft>
+                          <a:spcPts val="0"/>
+                        </a:spcAft>
+                      </a:pPr>
+                      <a:r>
+                        <a:rPr lang="ru-RU" sz="1100" dirty="0">
+                          <a:effectLst/>
+                        </a:rPr>
+                        <a:t>216</a:t>
+                      </a:r>
+                      <a:endParaRPr lang="en-US" sz="1100" dirty="0">
+                        <a:effectLst/>
+                        <a:latin typeface="Times New Roman" panose="02020603050405020304" pitchFamily="18" charset="0"/>
+                        <a:ea typeface="Times New Roman" panose="02020603050405020304" pitchFamily="18" charset="0"/>
+                        <a:cs typeface="Times New Roman" panose="02020603050405020304" pitchFamily="18" charset="0"/>
+                      </a:endParaRPr>
+                    </a:p>
+                  </a:txBody>
+                  <a:tcPr marL="0" marR="0" marT="0" marB="0"/>
+                </a:tc>
+                <a:tc>
+                  <a:txBody>
+                    <a:bodyPr/>
+                    <a:lstStyle/>
+                    <a:p>
+                      <a:pPr marL="67945">
+                        <a:lnSpc>
+                          <a:spcPts val="1505"/>
+                        </a:lnSpc>
+                        <a:spcAft>
+                          <a:spcPts val="0"/>
+                        </a:spcAft>
+                      </a:pPr>
+                      <a:r>
+                        <a:rPr lang="ru-RU" sz="1100">
+                          <a:effectLst/>
+                        </a:rPr>
+                        <a:t>250</a:t>
+                      </a:r>
+                      <a:endParaRPr lang="en-US" sz="1100">
+                        <a:effectLst/>
+                        <a:latin typeface="Times New Roman" panose="02020603050405020304" pitchFamily="18" charset="0"/>
+                        <a:ea typeface="Times New Roman" panose="02020603050405020304" pitchFamily="18" charset="0"/>
+                        <a:cs typeface="Times New Roman" panose="02020603050405020304" pitchFamily="18" charset="0"/>
+                      </a:endParaRPr>
+                    </a:p>
+                  </a:txBody>
+                  <a:tcPr marL="0" marR="0" marT="0" marB="0"/>
+                </a:tc>
+                <a:tc>
+                  <a:txBody>
+                    <a:bodyPr/>
+                    <a:lstStyle/>
+                    <a:p>
+                      <a:pPr marL="66675">
+                        <a:lnSpc>
+                          <a:spcPts val="1505"/>
+                        </a:lnSpc>
+                        <a:spcAft>
+                          <a:spcPts val="0"/>
+                        </a:spcAft>
+                      </a:pPr>
+                      <a:r>
+                        <a:rPr lang="ru-RU" sz="1100">
+                          <a:effectLst/>
+                        </a:rPr>
+                        <a:t>54 000</a:t>
+                      </a:r>
+                      <a:endParaRPr lang="en-US" sz="1100">
+                        <a:effectLst/>
+                        <a:latin typeface="Times New Roman" panose="02020603050405020304" pitchFamily="18" charset="0"/>
+                        <a:ea typeface="Times New Roman" panose="02020603050405020304" pitchFamily="18" charset="0"/>
+                        <a:cs typeface="Times New Roman" panose="02020603050405020304" pitchFamily="18" charset="0"/>
+                      </a:endParaRPr>
+                    </a:p>
+                  </a:txBody>
+                  <a:tcPr marL="0" marR="0" marT="0" marB="0"/>
+                </a:tc>
+                <a:extLst>
+                  <a:ext uri="{0D108BD9-81ED-4DB2-BD59-A6C34878D82A}">
+                    <a16:rowId xmlns:a16="http://schemas.microsoft.com/office/drawing/2014/main" val="315563192"/>
+                  </a:ext>
+                </a:extLst>
+              </a:tr>
+              <a:tr h="216157">
+                <a:tc gridSpan="4">
+                  <a:txBody>
+                    <a:bodyPr/>
+                    <a:lstStyle/>
+                    <a:p>
+                      <a:pPr marL="67945">
+                        <a:lnSpc>
+                          <a:spcPts val="1255"/>
+                        </a:lnSpc>
+                        <a:spcAft>
+                          <a:spcPts val="0"/>
+                        </a:spcAft>
+                      </a:pPr>
+                      <a:r>
+                        <a:rPr lang="ru-RU" sz="1100">
+                          <a:effectLst/>
+                        </a:rPr>
+                        <a:t>Стоимость</a:t>
+                      </a:r>
+                      <a:r>
+                        <a:rPr lang="ru-RU" sz="1100" spc="-35">
+                          <a:effectLst/>
+                        </a:rPr>
+                        <a:t> </a:t>
+                      </a:r>
+                      <a:r>
+                        <a:rPr lang="ru-RU" sz="1100">
+                          <a:effectLst/>
+                        </a:rPr>
+                        <a:t>оборудования:</a:t>
+                      </a:r>
+                      <a:endParaRPr lang="en-US" sz="1100">
+                        <a:effectLst/>
+                        <a:latin typeface="Times New Roman" panose="02020603050405020304" pitchFamily="18" charset="0"/>
+                        <a:ea typeface="Times New Roman" panose="02020603050405020304" pitchFamily="18" charset="0"/>
+                        <a:cs typeface="Times New Roman" panose="02020603050405020304" pitchFamily="18" charset="0"/>
+                      </a:endParaRPr>
+                    </a:p>
+                  </a:txBody>
+                  <a:tcPr marL="0" marR="0" marT="0" marB="0"/>
+                </a:tc>
+                <a:tc hMerge="1">
+                  <a:txBody>
+                    <a:bodyPr/>
+                    <a:lstStyle/>
+                    <a:p>
+                      <a:endParaRPr lang="en-US"/>
+                    </a:p>
+                  </a:txBody>
+                  <a:tcPr/>
+                </a:tc>
+                <a:tc hMerge="1">
+                  <a:txBody>
+                    <a:bodyPr/>
+                    <a:lstStyle/>
+                    <a:p>
+                      <a:endParaRPr lang="en-US"/>
+                    </a:p>
+                  </a:txBody>
+                  <a:tcPr/>
+                </a:tc>
+                <a:tc hMerge="1">
+                  <a:txBody>
+                    <a:bodyPr/>
+                    <a:lstStyle/>
+                    <a:p>
+                      <a:endParaRPr lang="en-US"/>
+                    </a:p>
+                  </a:txBody>
+                  <a:tcPr/>
+                </a:tc>
+                <a:extLst>
+                  <a:ext uri="{0D108BD9-81ED-4DB2-BD59-A6C34878D82A}">
+                    <a16:rowId xmlns:a16="http://schemas.microsoft.com/office/drawing/2014/main" val="968509906"/>
+                  </a:ext>
+                </a:extLst>
+              </a:tr>
+              <a:tr h="857444">
+                <a:tc>
+                  <a:txBody>
+                    <a:bodyPr/>
+                    <a:lstStyle/>
+                    <a:p>
+                      <a:pPr marL="67945">
+                        <a:lnSpc>
+                          <a:spcPts val="1575"/>
+                        </a:lnSpc>
+                        <a:spcAft>
+                          <a:spcPts val="0"/>
+                        </a:spcAft>
+                      </a:pPr>
+                      <a:r>
+                        <a:rPr lang="ru-RU" sz="1100">
+                          <a:effectLst/>
+                        </a:rPr>
+                        <a:t>Категория</a:t>
+                      </a:r>
+                      <a:r>
+                        <a:rPr lang="ru-RU" sz="1100" spc="-25">
+                          <a:effectLst/>
+                        </a:rPr>
+                        <a:t> </a:t>
+                      </a:r>
+                      <a:r>
+                        <a:rPr lang="ru-RU" sz="1100">
+                          <a:effectLst/>
+                        </a:rPr>
+                        <a:t>расходов</a:t>
+                      </a:r>
+                      <a:endParaRPr lang="en-US" sz="1100">
+                        <a:effectLst/>
+                        <a:latin typeface="Times New Roman" panose="02020603050405020304" pitchFamily="18" charset="0"/>
+                        <a:ea typeface="Times New Roman" panose="02020603050405020304" pitchFamily="18" charset="0"/>
+                        <a:cs typeface="Times New Roman" panose="02020603050405020304" pitchFamily="18" charset="0"/>
+                      </a:endParaRPr>
+                    </a:p>
+                  </a:txBody>
+                  <a:tcPr marL="0" marR="0" marT="0" marB="0"/>
+                </a:tc>
+                <a:tc>
+                  <a:txBody>
+                    <a:bodyPr/>
+                    <a:lstStyle/>
+                    <a:p>
+                      <a:pPr marL="67945">
+                        <a:lnSpc>
+                          <a:spcPts val="1575"/>
+                        </a:lnSpc>
+                        <a:spcAft>
+                          <a:spcPts val="0"/>
+                        </a:spcAft>
+                      </a:pPr>
+                      <a:r>
+                        <a:rPr lang="ru-RU" sz="1100">
+                          <a:effectLst/>
+                        </a:rPr>
+                        <a:t>Количество</a:t>
+                      </a:r>
+                      <a:endParaRPr lang="en-US" sz="1100">
+                        <a:effectLst/>
+                        <a:latin typeface="Times New Roman" panose="02020603050405020304" pitchFamily="18" charset="0"/>
+                        <a:ea typeface="Times New Roman" panose="02020603050405020304" pitchFamily="18" charset="0"/>
+                        <a:cs typeface="Times New Roman" panose="02020603050405020304" pitchFamily="18" charset="0"/>
+                      </a:endParaRPr>
+                    </a:p>
+                  </a:txBody>
+                  <a:tcPr marL="0" marR="0" marT="0" marB="0"/>
+                </a:tc>
+                <a:tc>
+                  <a:txBody>
+                    <a:bodyPr/>
+                    <a:lstStyle/>
+                    <a:p>
+                      <a:pPr marL="67945" algn="just">
+                        <a:spcAft>
+                          <a:spcPts val="0"/>
+                        </a:spcAft>
+                      </a:pPr>
+                      <a:r>
+                        <a:rPr lang="ru-RU" sz="1100">
+                          <a:effectLst/>
+                        </a:rPr>
+                        <a:t>Стоимость</a:t>
+                      </a:r>
+                      <a:r>
+                        <a:rPr lang="ru-RU" sz="1100" spc="-340">
+                          <a:effectLst/>
+                        </a:rPr>
+                        <a:t> </a:t>
+                      </a:r>
+                      <a:r>
+                        <a:rPr lang="ru-RU" sz="1100">
+                          <a:effectLst/>
+                        </a:rPr>
+                        <a:t>за</a:t>
+                      </a:r>
+                      <a:r>
+                        <a:rPr lang="ru-RU" sz="1100" spc="5">
+                          <a:effectLst/>
+                        </a:rPr>
+                        <a:t> </a:t>
+                      </a:r>
+                      <a:r>
+                        <a:rPr lang="ru-RU" sz="1100">
+                          <a:effectLst/>
+                        </a:rPr>
+                        <a:t>единицу,</a:t>
+                      </a:r>
+                      <a:r>
+                        <a:rPr lang="ru-RU" sz="1100" spc="-335">
+                          <a:effectLst/>
+                        </a:rPr>
+                        <a:t> </a:t>
+                      </a:r>
+                      <a:r>
+                        <a:rPr lang="ru-RU" sz="1100">
+                          <a:effectLst/>
+                        </a:rPr>
+                        <a:t>руб</a:t>
+                      </a:r>
+                      <a:endParaRPr lang="en-US" sz="1100">
+                        <a:effectLst/>
+                        <a:latin typeface="Times New Roman" panose="02020603050405020304" pitchFamily="18" charset="0"/>
+                        <a:ea typeface="Times New Roman" panose="02020603050405020304" pitchFamily="18" charset="0"/>
+                        <a:cs typeface="Times New Roman" panose="02020603050405020304" pitchFamily="18" charset="0"/>
+                      </a:endParaRPr>
+                    </a:p>
+                  </a:txBody>
+                  <a:tcPr marL="0" marR="0" marT="0" marB="0"/>
+                </a:tc>
+                <a:tc>
+                  <a:txBody>
+                    <a:bodyPr/>
+                    <a:lstStyle/>
+                    <a:p>
+                      <a:pPr marL="66675">
+                        <a:lnSpc>
+                          <a:spcPts val="1575"/>
+                        </a:lnSpc>
+                        <a:spcAft>
+                          <a:spcPts val="0"/>
+                        </a:spcAft>
+                      </a:pPr>
+                      <a:r>
+                        <a:rPr lang="ru-RU" sz="1100">
+                          <a:effectLst/>
+                        </a:rPr>
+                        <a:t>Итого (5 мес.)</a:t>
+                      </a:r>
+                      <a:endParaRPr lang="en-US" sz="1100">
+                        <a:effectLst/>
+                        <a:latin typeface="Times New Roman" panose="02020603050405020304" pitchFamily="18" charset="0"/>
+                        <a:ea typeface="Times New Roman" panose="02020603050405020304" pitchFamily="18" charset="0"/>
+                        <a:cs typeface="Times New Roman" panose="02020603050405020304" pitchFamily="18" charset="0"/>
+                      </a:endParaRPr>
+                    </a:p>
+                  </a:txBody>
+                  <a:tcPr marL="0" marR="0" marT="0" marB="0"/>
+                </a:tc>
+                <a:extLst>
+                  <a:ext uri="{0D108BD9-81ED-4DB2-BD59-A6C34878D82A}">
+                    <a16:rowId xmlns:a16="http://schemas.microsoft.com/office/drawing/2014/main" val="250661911"/>
+                  </a:ext>
+                </a:extLst>
+              </a:tr>
+              <a:tr h="479204">
+                <a:tc>
+                  <a:txBody>
+                    <a:bodyPr/>
+                    <a:lstStyle/>
+                    <a:p>
+                      <a:pPr marL="67945">
+                        <a:lnSpc>
+                          <a:spcPts val="1505"/>
+                        </a:lnSpc>
+                        <a:spcAft>
+                          <a:spcPts val="0"/>
+                        </a:spcAft>
+                      </a:pPr>
+                      <a:r>
+                        <a:rPr lang="ru-RU" sz="1100">
+                          <a:effectLst/>
+                        </a:rPr>
+                        <a:t>Сервер и облако для приложения</a:t>
+                      </a:r>
+                      <a:endParaRPr lang="en-US" sz="1100">
+                        <a:effectLst/>
+                        <a:latin typeface="Times New Roman" panose="02020603050405020304" pitchFamily="18" charset="0"/>
+                        <a:ea typeface="Times New Roman" panose="02020603050405020304" pitchFamily="18" charset="0"/>
+                        <a:cs typeface="Times New Roman" panose="02020603050405020304" pitchFamily="18" charset="0"/>
+                      </a:endParaRPr>
+                    </a:p>
+                  </a:txBody>
+                  <a:tcPr marL="0" marR="0" marT="0" marB="0"/>
+                </a:tc>
+                <a:tc>
+                  <a:txBody>
+                    <a:bodyPr/>
+                    <a:lstStyle/>
+                    <a:p>
+                      <a:pPr marL="67945">
+                        <a:lnSpc>
+                          <a:spcPts val="1505"/>
+                        </a:lnSpc>
+                        <a:spcAft>
+                          <a:spcPts val="0"/>
+                        </a:spcAft>
+                      </a:pPr>
+                      <a:r>
+                        <a:rPr lang="ru-RU" sz="1100">
+                          <a:effectLst/>
+                        </a:rPr>
+                        <a:t>1</a:t>
+                      </a:r>
+                      <a:endParaRPr lang="en-US" sz="1100">
+                        <a:effectLst/>
+                        <a:latin typeface="Times New Roman" panose="02020603050405020304" pitchFamily="18" charset="0"/>
+                        <a:ea typeface="Times New Roman" panose="02020603050405020304" pitchFamily="18" charset="0"/>
+                        <a:cs typeface="Times New Roman" panose="02020603050405020304" pitchFamily="18" charset="0"/>
+                      </a:endParaRPr>
+                    </a:p>
+                  </a:txBody>
+                  <a:tcPr marL="0" marR="0" marT="0" marB="0"/>
+                </a:tc>
+                <a:tc>
+                  <a:txBody>
+                    <a:bodyPr/>
+                    <a:lstStyle/>
+                    <a:p>
+                      <a:pPr marL="67945">
+                        <a:lnSpc>
+                          <a:spcPts val="1505"/>
+                        </a:lnSpc>
+                        <a:spcAft>
+                          <a:spcPts val="0"/>
+                        </a:spcAft>
+                      </a:pPr>
+                      <a:r>
+                        <a:rPr lang="ru-RU" sz="1100">
+                          <a:effectLst/>
+                        </a:rPr>
+                        <a:t>20</a:t>
+                      </a:r>
+                      <a:r>
+                        <a:rPr lang="ru-RU" sz="1100" spc="-15">
+                          <a:effectLst/>
+                        </a:rPr>
+                        <a:t> </a:t>
+                      </a:r>
+                      <a:r>
+                        <a:rPr lang="ru-RU" sz="1100">
+                          <a:effectLst/>
+                        </a:rPr>
+                        <a:t>000 (в мес)</a:t>
+                      </a:r>
+                      <a:endParaRPr lang="en-US" sz="1100">
+                        <a:effectLst/>
+                        <a:latin typeface="Times New Roman" panose="02020603050405020304" pitchFamily="18" charset="0"/>
+                        <a:ea typeface="Times New Roman" panose="02020603050405020304" pitchFamily="18" charset="0"/>
+                        <a:cs typeface="Times New Roman" panose="02020603050405020304" pitchFamily="18" charset="0"/>
+                      </a:endParaRPr>
+                    </a:p>
+                  </a:txBody>
+                  <a:tcPr marL="0" marR="0" marT="0" marB="0"/>
+                </a:tc>
+                <a:tc>
+                  <a:txBody>
+                    <a:bodyPr/>
+                    <a:lstStyle/>
+                    <a:p>
+                      <a:pPr marL="66675">
+                        <a:lnSpc>
+                          <a:spcPts val="1505"/>
+                        </a:lnSpc>
+                        <a:spcAft>
+                          <a:spcPts val="0"/>
+                        </a:spcAft>
+                      </a:pPr>
+                      <a:r>
+                        <a:rPr lang="ru-RU" sz="1100">
+                          <a:effectLst/>
+                        </a:rPr>
+                        <a:t>100</a:t>
+                      </a:r>
+                      <a:r>
+                        <a:rPr lang="ru-RU" sz="1100" spc="-15">
+                          <a:effectLst/>
+                        </a:rPr>
+                        <a:t> </a:t>
+                      </a:r>
+                      <a:r>
+                        <a:rPr lang="ru-RU" sz="1100">
+                          <a:effectLst/>
+                        </a:rPr>
+                        <a:t>000</a:t>
+                      </a:r>
+                      <a:endParaRPr lang="en-US" sz="1100">
+                        <a:effectLst/>
+                        <a:latin typeface="Times New Roman" panose="02020603050405020304" pitchFamily="18" charset="0"/>
+                        <a:ea typeface="Times New Roman" panose="02020603050405020304" pitchFamily="18" charset="0"/>
+                        <a:cs typeface="Times New Roman" panose="02020603050405020304" pitchFamily="18" charset="0"/>
+                      </a:endParaRPr>
+                    </a:p>
+                  </a:txBody>
+                  <a:tcPr marL="0" marR="0" marT="0" marB="0"/>
+                </a:tc>
+                <a:extLst>
+                  <a:ext uri="{0D108BD9-81ED-4DB2-BD59-A6C34878D82A}">
+                    <a16:rowId xmlns:a16="http://schemas.microsoft.com/office/drawing/2014/main" val="3030903109"/>
+                  </a:ext>
+                </a:extLst>
+              </a:tr>
+              <a:tr h="246008">
+                <a:tc gridSpan="4">
+                  <a:txBody>
+                    <a:bodyPr/>
+                    <a:lstStyle/>
+                    <a:p>
+                      <a:pPr marL="67945">
+                        <a:lnSpc>
+                          <a:spcPts val="1445"/>
+                        </a:lnSpc>
+                        <a:spcAft>
+                          <a:spcPts val="0"/>
+                        </a:spcAft>
+                      </a:pPr>
+                      <a:r>
+                        <a:rPr lang="ru-RU" sz="1100">
+                          <a:effectLst/>
+                        </a:rPr>
+                        <a:t>Инфраструктурные</a:t>
+                      </a:r>
+                      <a:r>
+                        <a:rPr lang="ru-RU" sz="1100" spc="-30">
+                          <a:effectLst/>
+                        </a:rPr>
+                        <a:t> </a:t>
+                      </a:r>
+                      <a:r>
+                        <a:rPr lang="ru-RU" sz="1100">
+                          <a:effectLst/>
+                        </a:rPr>
+                        <a:t>расходы:</a:t>
+                      </a:r>
+                      <a:endParaRPr lang="en-US" sz="1100">
+                        <a:effectLst/>
+                        <a:latin typeface="Times New Roman" panose="02020603050405020304" pitchFamily="18" charset="0"/>
+                        <a:ea typeface="Times New Roman" panose="02020603050405020304" pitchFamily="18" charset="0"/>
+                        <a:cs typeface="Times New Roman" panose="02020603050405020304" pitchFamily="18" charset="0"/>
+                      </a:endParaRPr>
+                    </a:p>
+                  </a:txBody>
+                  <a:tcPr marL="0" marR="0" marT="0" marB="0"/>
+                </a:tc>
+                <a:tc hMerge="1">
+                  <a:txBody>
+                    <a:bodyPr/>
+                    <a:lstStyle/>
+                    <a:p>
+                      <a:endParaRPr lang="en-US"/>
+                    </a:p>
+                  </a:txBody>
+                  <a:tcPr/>
+                </a:tc>
+                <a:tc hMerge="1">
+                  <a:txBody>
+                    <a:bodyPr/>
+                    <a:lstStyle/>
+                    <a:p>
+                      <a:endParaRPr lang="en-US"/>
+                    </a:p>
+                  </a:txBody>
+                  <a:tcPr/>
+                </a:tc>
+                <a:tc hMerge="1">
+                  <a:txBody>
+                    <a:bodyPr/>
+                    <a:lstStyle/>
+                    <a:p>
+                      <a:endParaRPr lang="en-US"/>
+                    </a:p>
+                  </a:txBody>
+                  <a:tcPr/>
+                </a:tc>
+                <a:extLst>
+                  <a:ext uri="{0D108BD9-81ED-4DB2-BD59-A6C34878D82A}">
+                    <a16:rowId xmlns:a16="http://schemas.microsoft.com/office/drawing/2014/main" val="4057859143"/>
+                  </a:ext>
+                </a:extLst>
+              </a:tr>
+              <a:tr h="857444">
+                <a:tc>
+                  <a:txBody>
+                    <a:bodyPr/>
+                    <a:lstStyle/>
+                    <a:p>
+                      <a:pPr marL="67945">
+                        <a:lnSpc>
+                          <a:spcPts val="1575"/>
+                        </a:lnSpc>
+                        <a:spcAft>
+                          <a:spcPts val="0"/>
+                        </a:spcAft>
+                      </a:pPr>
+                      <a:r>
+                        <a:rPr lang="ru-RU" sz="1100">
+                          <a:effectLst/>
+                        </a:rPr>
+                        <a:t>Категория</a:t>
+                      </a:r>
+                      <a:r>
+                        <a:rPr lang="ru-RU" sz="1100" spc="-25">
+                          <a:effectLst/>
+                        </a:rPr>
+                        <a:t> </a:t>
+                      </a:r>
+                      <a:r>
+                        <a:rPr lang="ru-RU" sz="1100">
+                          <a:effectLst/>
+                        </a:rPr>
+                        <a:t>расходов</a:t>
+                      </a:r>
+                      <a:endParaRPr lang="en-US" sz="1100">
+                        <a:effectLst/>
+                        <a:latin typeface="Times New Roman" panose="02020603050405020304" pitchFamily="18" charset="0"/>
+                        <a:ea typeface="Times New Roman" panose="02020603050405020304" pitchFamily="18" charset="0"/>
+                        <a:cs typeface="Times New Roman" panose="02020603050405020304" pitchFamily="18" charset="0"/>
+                      </a:endParaRPr>
+                    </a:p>
+                  </a:txBody>
+                  <a:tcPr marL="0" marR="0" marT="0" marB="0"/>
+                </a:tc>
+                <a:tc>
+                  <a:txBody>
+                    <a:bodyPr/>
+                    <a:lstStyle/>
+                    <a:p>
+                      <a:pPr marL="67945">
+                        <a:lnSpc>
+                          <a:spcPts val="1575"/>
+                        </a:lnSpc>
+                        <a:spcAft>
+                          <a:spcPts val="0"/>
+                        </a:spcAft>
+                      </a:pPr>
+                      <a:r>
+                        <a:rPr lang="ru-RU" sz="1100">
+                          <a:effectLst/>
+                        </a:rPr>
+                        <a:t>Количество</a:t>
+                      </a:r>
+                      <a:endParaRPr lang="en-US" sz="1100">
+                        <a:effectLst/>
+                        <a:latin typeface="Times New Roman" panose="02020603050405020304" pitchFamily="18" charset="0"/>
+                        <a:ea typeface="Times New Roman" panose="02020603050405020304" pitchFamily="18" charset="0"/>
+                        <a:cs typeface="Times New Roman" panose="02020603050405020304" pitchFamily="18" charset="0"/>
+                      </a:endParaRPr>
+                    </a:p>
+                  </a:txBody>
+                  <a:tcPr marL="0" marR="0" marT="0" marB="0"/>
+                </a:tc>
+                <a:tc>
+                  <a:txBody>
+                    <a:bodyPr/>
+                    <a:lstStyle/>
+                    <a:p>
+                      <a:pPr marL="67945" algn="just">
+                        <a:spcAft>
+                          <a:spcPts val="0"/>
+                        </a:spcAft>
+                      </a:pPr>
+                      <a:r>
+                        <a:rPr lang="ru-RU" sz="1100">
+                          <a:effectLst/>
+                        </a:rPr>
+                        <a:t>Стоимость</a:t>
+                      </a:r>
+                      <a:r>
+                        <a:rPr lang="ru-RU" sz="1100" spc="-340">
+                          <a:effectLst/>
+                        </a:rPr>
+                        <a:t> </a:t>
+                      </a:r>
+                      <a:r>
+                        <a:rPr lang="ru-RU" sz="1100">
+                          <a:effectLst/>
+                        </a:rPr>
+                        <a:t>за</a:t>
+                      </a:r>
+                      <a:r>
+                        <a:rPr lang="ru-RU" sz="1100" spc="5">
+                          <a:effectLst/>
+                        </a:rPr>
+                        <a:t> </a:t>
+                      </a:r>
+                      <a:r>
+                        <a:rPr lang="ru-RU" sz="1100">
+                          <a:effectLst/>
+                        </a:rPr>
+                        <a:t>единицу,</a:t>
+                      </a:r>
+                      <a:r>
+                        <a:rPr lang="ru-RU" sz="1100" spc="-335">
+                          <a:effectLst/>
+                        </a:rPr>
+                        <a:t> </a:t>
+                      </a:r>
+                      <a:r>
+                        <a:rPr lang="ru-RU" sz="1100">
+                          <a:effectLst/>
+                        </a:rPr>
+                        <a:t>руб</a:t>
+                      </a:r>
+                      <a:endParaRPr lang="en-US" sz="1100">
+                        <a:effectLst/>
+                        <a:latin typeface="Times New Roman" panose="02020603050405020304" pitchFamily="18" charset="0"/>
+                        <a:ea typeface="Times New Roman" panose="02020603050405020304" pitchFamily="18" charset="0"/>
+                        <a:cs typeface="Times New Roman" panose="02020603050405020304" pitchFamily="18" charset="0"/>
+                      </a:endParaRPr>
+                    </a:p>
+                  </a:txBody>
+                  <a:tcPr marL="0" marR="0" marT="0" marB="0"/>
+                </a:tc>
+                <a:tc>
+                  <a:txBody>
+                    <a:bodyPr/>
+                    <a:lstStyle/>
+                    <a:p>
+                      <a:pPr marL="66675">
+                        <a:lnSpc>
+                          <a:spcPts val="1575"/>
+                        </a:lnSpc>
+                        <a:spcAft>
+                          <a:spcPts val="0"/>
+                        </a:spcAft>
+                      </a:pPr>
+                      <a:r>
+                        <a:rPr lang="ru-RU" sz="1100">
+                          <a:effectLst/>
+                        </a:rPr>
+                        <a:t>Итого (5 мес.)</a:t>
+                      </a:r>
+                      <a:endParaRPr lang="en-US" sz="1100">
+                        <a:effectLst/>
+                        <a:latin typeface="Times New Roman" panose="02020603050405020304" pitchFamily="18" charset="0"/>
+                        <a:ea typeface="Times New Roman" panose="02020603050405020304" pitchFamily="18" charset="0"/>
+                        <a:cs typeface="Times New Roman" panose="02020603050405020304" pitchFamily="18" charset="0"/>
+                      </a:endParaRPr>
+                    </a:p>
+                  </a:txBody>
+                  <a:tcPr marL="0" marR="0" marT="0" marB="0"/>
+                </a:tc>
+                <a:extLst>
+                  <a:ext uri="{0D108BD9-81ED-4DB2-BD59-A6C34878D82A}">
+                    <a16:rowId xmlns:a16="http://schemas.microsoft.com/office/drawing/2014/main" val="144978597"/>
+                  </a:ext>
+                </a:extLst>
+              </a:tr>
+              <a:tr h="509530">
+                <a:tc>
+                  <a:txBody>
+                    <a:bodyPr/>
+                    <a:lstStyle/>
+                    <a:p>
+                      <a:pPr marL="67945">
+                        <a:lnSpc>
+                          <a:spcPts val="1575"/>
+                        </a:lnSpc>
+                        <a:spcAft>
+                          <a:spcPts val="0"/>
+                        </a:spcAft>
+                      </a:pPr>
+                      <a:r>
+                        <a:rPr lang="ru-RU" sz="1100">
+                          <a:effectLst/>
+                        </a:rPr>
+                        <a:t>Интернет</a:t>
+                      </a:r>
+                      <a:endParaRPr lang="en-US" sz="1100">
+                        <a:effectLst/>
+                        <a:latin typeface="Times New Roman" panose="02020603050405020304" pitchFamily="18" charset="0"/>
+                        <a:ea typeface="Times New Roman" panose="02020603050405020304" pitchFamily="18" charset="0"/>
+                        <a:cs typeface="Times New Roman" panose="02020603050405020304" pitchFamily="18" charset="0"/>
+                      </a:endParaRPr>
+                    </a:p>
+                  </a:txBody>
+                  <a:tcPr marL="0" marR="0" marT="0" marB="0"/>
+                </a:tc>
+                <a:tc>
+                  <a:txBody>
+                    <a:bodyPr/>
+                    <a:lstStyle/>
+                    <a:p>
+                      <a:pPr marL="67945">
+                        <a:lnSpc>
+                          <a:spcPts val="1575"/>
+                        </a:lnSpc>
+                        <a:spcAft>
+                          <a:spcPts val="0"/>
+                        </a:spcAft>
+                      </a:pPr>
+                      <a:r>
+                        <a:rPr lang="ru-RU" sz="1100">
+                          <a:effectLst/>
+                        </a:rPr>
+                        <a:t>1</a:t>
+                      </a:r>
+                      <a:endParaRPr lang="en-US" sz="1100">
+                        <a:effectLst/>
+                        <a:latin typeface="Times New Roman" panose="02020603050405020304" pitchFamily="18" charset="0"/>
+                        <a:ea typeface="Times New Roman" panose="02020603050405020304" pitchFamily="18" charset="0"/>
+                        <a:cs typeface="Times New Roman" panose="02020603050405020304" pitchFamily="18" charset="0"/>
+                      </a:endParaRPr>
+                    </a:p>
+                  </a:txBody>
+                  <a:tcPr marL="0" marR="0" marT="0" marB="0"/>
+                </a:tc>
+                <a:tc>
+                  <a:txBody>
+                    <a:bodyPr/>
+                    <a:lstStyle/>
+                    <a:p>
+                      <a:pPr marL="67945">
+                        <a:lnSpc>
+                          <a:spcPts val="1575"/>
+                        </a:lnSpc>
+                        <a:spcAft>
+                          <a:spcPts val="0"/>
+                        </a:spcAft>
+                      </a:pPr>
+                      <a:r>
+                        <a:rPr lang="ru-RU" sz="1100">
+                          <a:effectLst/>
+                        </a:rPr>
+                        <a:t>800</a:t>
+                      </a:r>
+                      <a:r>
+                        <a:rPr lang="ru-RU" sz="1100" spc="5">
+                          <a:effectLst/>
+                        </a:rPr>
+                        <a:t> </a:t>
+                      </a:r>
+                      <a:r>
+                        <a:rPr lang="ru-RU" sz="1100">
+                          <a:effectLst/>
+                        </a:rPr>
+                        <a:t>(в</a:t>
+                      </a:r>
+                      <a:r>
+                        <a:rPr lang="ru-RU" sz="1100" spc="-5">
+                          <a:effectLst/>
+                        </a:rPr>
+                        <a:t> </a:t>
+                      </a:r>
+                      <a:r>
+                        <a:rPr lang="ru-RU" sz="1100">
+                          <a:effectLst/>
+                        </a:rPr>
+                        <a:t>мес)</a:t>
+                      </a:r>
+                      <a:endParaRPr lang="en-US" sz="1100">
+                        <a:effectLst/>
+                        <a:latin typeface="Times New Roman" panose="02020603050405020304" pitchFamily="18" charset="0"/>
+                        <a:ea typeface="Times New Roman" panose="02020603050405020304" pitchFamily="18" charset="0"/>
+                        <a:cs typeface="Times New Roman" panose="02020603050405020304" pitchFamily="18" charset="0"/>
+                      </a:endParaRPr>
+                    </a:p>
+                  </a:txBody>
+                  <a:tcPr marL="0" marR="0" marT="0" marB="0"/>
+                </a:tc>
+                <a:tc>
+                  <a:txBody>
+                    <a:bodyPr/>
+                    <a:lstStyle/>
+                    <a:p>
+                      <a:pPr marL="66675">
+                        <a:lnSpc>
+                          <a:spcPts val="1575"/>
+                        </a:lnSpc>
+                        <a:spcAft>
+                          <a:spcPts val="0"/>
+                        </a:spcAft>
+                      </a:pPr>
+                      <a:r>
+                        <a:rPr lang="ru-RU" sz="1100">
+                          <a:effectLst/>
+                        </a:rPr>
+                        <a:t>3 000</a:t>
+                      </a:r>
+                      <a:endParaRPr lang="en-US" sz="1100">
+                        <a:effectLst/>
+                        <a:latin typeface="Times New Roman" panose="02020603050405020304" pitchFamily="18" charset="0"/>
+                        <a:ea typeface="Times New Roman" panose="02020603050405020304" pitchFamily="18" charset="0"/>
+                        <a:cs typeface="Times New Roman" panose="02020603050405020304" pitchFamily="18" charset="0"/>
+                      </a:endParaRPr>
+                    </a:p>
+                  </a:txBody>
+                  <a:tcPr marL="0" marR="0" marT="0" marB="0"/>
+                </a:tc>
+                <a:extLst>
+                  <a:ext uri="{0D108BD9-81ED-4DB2-BD59-A6C34878D82A}">
+                    <a16:rowId xmlns:a16="http://schemas.microsoft.com/office/drawing/2014/main" val="1799632797"/>
+                  </a:ext>
+                </a:extLst>
+              </a:tr>
+              <a:tr h="255561">
+                <a:tc>
+                  <a:txBody>
+                    <a:bodyPr/>
+                    <a:lstStyle/>
+                    <a:p>
+                      <a:pPr marL="67945">
+                        <a:lnSpc>
+                          <a:spcPts val="1505"/>
+                        </a:lnSpc>
+                        <a:spcAft>
+                          <a:spcPts val="0"/>
+                        </a:spcAft>
+                      </a:pPr>
+                      <a:r>
+                        <a:rPr lang="ru-RU" sz="1400" dirty="0">
+                          <a:effectLst/>
+                        </a:rPr>
+                        <a:t>ИТОГО</a:t>
+                      </a:r>
+                      <a:endParaRPr lang="en-US" sz="1400" dirty="0">
+                        <a:effectLst/>
+                        <a:latin typeface="Times New Roman" panose="02020603050405020304" pitchFamily="18" charset="0"/>
+                        <a:ea typeface="Times New Roman" panose="02020603050405020304" pitchFamily="18" charset="0"/>
+                        <a:cs typeface="Times New Roman" panose="02020603050405020304" pitchFamily="18" charset="0"/>
+                      </a:endParaRPr>
+                    </a:p>
+                  </a:txBody>
+                  <a:tcPr marL="0" marR="0" marT="0" marB="0"/>
+                </a:tc>
+                <a:tc gridSpan="3">
+                  <a:txBody>
+                    <a:bodyPr/>
+                    <a:lstStyle/>
+                    <a:p>
+                      <a:pPr marL="67945" algn="r">
+                        <a:lnSpc>
+                          <a:spcPts val="1505"/>
+                        </a:lnSpc>
+                        <a:spcAft>
+                          <a:spcPts val="0"/>
+                        </a:spcAft>
+                      </a:pPr>
+                      <a:r>
+                        <a:rPr lang="ru-RU" sz="1400" dirty="0">
+                          <a:effectLst/>
+                        </a:rPr>
+                        <a:t>511 240 руб.</a:t>
+                      </a:r>
+                      <a:endParaRPr lang="en-US" sz="1400" dirty="0">
+                        <a:effectLst/>
+                        <a:latin typeface="Times New Roman" panose="02020603050405020304" pitchFamily="18" charset="0"/>
+                        <a:ea typeface="Times New Roman" panose="02020603050405020304" pitchFamily="18" charset="0"/>
+                        <a:cs typeface="Times New Roman" panose="02020603050405020304" pitchFamily="18" charset="0"/>
+                      </a:endParaRPr>
+                    </a:p>
+                  </a:txBody>
+                  <a:tcPr marL="0" marR="0" marT="0" marB="0"/>
+                </a:tc>
+                <a:tc hMerge="1">
+                  <a:txBody>
+                    <a:bodyPr/>
+                    <a:lstStyle/>
+                    <a:p>
+                      <a:endParaRPr lang="en-US"/>
+                    </a:p>
+                  </a:txBody>
+                  <a:tcPr/>
+                </a:tc>
+                <a:tc hMerge="1">
+                  <a:txBody>
+                    <a:bodyPr/>
+                    <a:lstStyle/>
+                    <a:p>
+                      <a:endParaRPr lang="en-US"/>
+                    </a:p>
+                  </a:txBody>
+                  <a:tcPr/>
+                </a:tc>
+                <a:extLst>
+                  <a:ext uri="{0D108BD9-81ED-4DB2-BD59-A6C34878D82A}">
+                    <a16:rowId xmlns:a16="http://schemas.microsoft.com/office/drawing/2014/main" val="3677259829"/>
+                  </a:ext>
+                </a:extLst>
+              </a:tr>
+            </a:tbl>
+          </a:graphicData>
+        </a:graphic>
+      </p:graphicFrame>
     </p:spTree>
     <p:extLst>
       <p:ext uri="{BB962C8B-B14F-4D97-AF65-F5344CB8AC3E}">
-        <p14:creationId xmlns:p14="http://schemas.microsoft.com/office/powerpoint/2010/main" val="2456434298"/>
+        <p14:creationId xmlns:p14="http://schemas.microsoft.com/office/powerpoint/2010/main" val="1697130310"/>
       </p:ext>
     </p:extLst>
   </p:cSld>
@@ -8828,1165 +10666,6 @@
         </p:nvSpPr>
         <p:spPr>
           <a:xfrm>
-            <a:off x="569269" y="218902"/>
-            <a:ext cx="8596668" cy="1320800"/>
-          </a:xfrm>
-        </p:spPr>
-        <p:txBody>
-          <a:bodyPr/>
-          <a:lstStyle/>
-          <a:p>
-            <a:r>
-              <a:rPr lang="ru-RU" dirty="0" smtClean="0"/>
-              <a:t>Экономическое обоснование проекта</a:t>
-            </a:r>
-            <a:endParaRPr lang="ru-RU" dirty="0"/>
-          </a:p>
-        </p:txBody>
-      </p:sp>
-      <p:sp>
-        <p:nvSpPr>
-          <p:cNvPr id="3" name="Объект 2"/>
-          <p:cNvSpPr>
-            <a:spLocks noGrp="1"/>
-          </p:cNvSpPr>
-          <p:nvPr>
-            <p:ph idx="1"/>
-          </p:nvPr>
-        </p:nvSpPr>
-        <p:spPr>
-          <a:xfrm>
-            <a:off x="511079" y="1179687"/>
-            <a:ext cx="5964536" cy="5237738"/>
-          </a:xfrm>
-        </p:spPr>
-        <p:txBody>
-          <a:bodyPr>
-            <a:normAutofit fontScale="92500" lnSpcReduction="20000"/>
-          </a:bodyPr>
-          <a:lstStyle/>
-          <a:p>
-            <a:pPr marL="457200" lvl="1" indent="0">
-              <a:buNone/>
-            </a:pPr>
-            <a:r>
-              <a:rPr lang="ru-RU" sz="1900" dirty="0"/>
-              <a:t>Сумма инвестирования </a:t>
-            </a:r>
-            <a:r>
-              <a:rPr lang="ru-RU" sz="1900" dirty="0" smtClean="0"/>
-              <a:t>проекта за период разработки составляет 300 </a:t>
-            </a:r>
-            <a:r>
-              <a:rPr lang="ru-RU" sz="1900" dirty="0"/>
-              <a:t>550 </a:t>
-            </a:r>
-            <a:r>
-              <a:rPr lang="ru-RU" sz="1900" dirty="0" smtClean="0"/>
-              <a:t>рублей</a:t>
-            </a:r>
-          </a:p>
-          <a:p>
-            <a:pPr marL="0" indent="0">
-              <a:buNone/>
-            </a:pPr>
-            <a:endParaRPr lang="ru-RU" sz="1900" b="1" dirty="0"/>
-          </a:p>
-          <a:p>
-            <a:pPr marL="0" indent="0">
-              <a:buNone/>
-            </a:pPr>
-            <a:r>
-              <a:rPr lang="ru-RU" sz="1900" dirty="0" smtClean="0"/>
-              <a:t>	Затраты постоянные составляют 200 </a:t>
-            </a:r>
-            <a:r>
-              <a:rPr lang="ru-RU" sz="1900" dirty="0"/>
-              <a:t>000 </a:t>
-            </a:r>
-            <a:r>
-              <a:rPr lang="ru-RU" sz="1900" dirty="0" err="1" smtClean="0"/>
-              <a:t>руб</a:t>
-            </a:r>
-            <a:r>
-              <a:rPr lang="ru-RU" sz="1900" dirty="0" smtClean="0"/>
-              <a:t>;</a:t>
-            </a:r>
-            <a:endParaRPr lang="ru-RU" sz="1900" dirty="0"/>
-          </a:p>
-          <a:p>
-            <a:pPr lvl="1"/>
-            <a:r>
-              <a:rPr lang="ru-RU" sz="1900" dirty="0" smtClean="0"/>
-              <a:t>Прямые материальные затраты составляют 800 </a:t>
-            </a:r>
-            <a:r>
-              <a:rPr lang="ru-RU" sz="1900" dirty="0"/>
-              <a:t>000 </a:t>
-            </a:r>
-            <a:r>
-              <a:rPr lang="ru-RU" sz="1900" dirty="0" smtClean="0"/>
-              <a:t>руб.</a:t>
-            </a:r>
-            <a:endParaRPr lang="ru-RU" sz="1900" dirty="0"/>
-          </a:p>
-          <a:p>
-            <a:pPr lvl="1"/>
-            <a:r>
-              <a:rPr lang="ru-RU" sz="1900" dirty="0"/>
-              <a:t>Выручка равна 1 180 000 </a:t>
-            </a:r>
-            <a:r>
-              <a:rPr lang="ru-RU" sz="1900" dirty="0" smtClean="0"/>
-              <a:t>руб.</a:t>
-            </a:r>
-          </a:p>
-          <a:p>
-            <a:pPr lvl="1"/>
-            <a:r>
-              <a:rPr lang="ru-RU" sz="1900" dirty="0" smtClean="0"/>
-              <a:t>Объем продаж </a:t>
-            </a:r>
-            <a:r>
-              <a:rPr lang="ru-RU" sz="1900" dirty="0"/>
-              <a:t>в точке безубыточности составит – 51 754,38</a:t>
-            </a:r>
-            <a:r>
-              <a:rPr lang="ru-RU" sz="1900" b="1" dirty="0"/>
-              <a:t> </a:t>
-            </a:r>
-            <a:r>
-              <a:rPr lang="ru-RU" sz="1900" dirty="0"/>
-              <a:t>руб. в </a:t>
-            </a:r>
-            <a:r>
-              <a:rPr lang="ru-RU" sz="1900" dirty="0" smtClean="0"/>
-              <a:t>месяц</a:t>
-            </a:r>
-          </a:p>
-          <a:p>
-            <a:pPr marL="457200" lvl="1" indent="0">
-              <a:buNone/>
-            </a:pPr>
-            <a:endParaRPr lang="ru-RU" sz="1900" dirty="0"/>
-          </a:p>
-          <a:p>
-            <a:pPr marL="457200" lvl="1" indent="0">
-              <a:buNone/>
-            </a:pPr>
-            <a:r>
-              <a:rPr lang="ru-RU" sz="1900" dirty="0" smtClean="0"/>
-              <a:t>Согласно </a:t>
-            </a:r>
-            <a:r>
-              <a:rPr lang="ru-RU" sz="1900" dirty="0"/>
-              <a:t>расчетам, срок окупаемости проекта составляет </a:t>
-            </a:r>
-            <a:r>
-              <a:rPr lang="ru-RU" sz="1900" b="1" dirty="0"/>
-              <a:t>1 год и 4 месяца (16 месяцев</a:t>
-            </a:r>
-            <a:r>
-              <a:rPr lang="ru-RU" sz="1900" b="1" dirty="0" smtClean="0"/>
-              <a:t>).</a:t>
-            </a:r>
-          </a:p>
-          <a:p>
-            <a:pPr marL="457200" lvl="1" indent="0">
-              <a:buNone/>
-            </a:pPr>
-            <a:endParaRPr lang="ru-RU" sz="1900" b="1" dirty="0" smtClean="0"/>
-          </a:p>
-          <a:p>
-            <a:pPr marL="457200" lvl="1" indent="0">
-              <a:buNone/>
-            </a:pPr>
-            <a:r>
-              <a:rPr lang="ru-RU" sz="1900" b="1" i="1" dirty="0" smtClean="0"/>
-              <a:t>Рентабельность </a:t>
-            </a:r>
-            <a:r>
-              <a:rPr lang="ru-RU" sz="1900" b="1" i="1" dirty="0"/>
-              <a:t>проекта (бизнеса)  равна </a:t>
-            </a:r>
-            <a:r>
-              <a:rPr lang="ru-RU" sz="1900" b="1" dirty="0"/>
-              <a:t>23,7 % </a:t>
-            </a:r>
-            <a:endParaRPr lang="ru-RU" sz="1900" b="1" dirty="0" smtClean="0"/>
-          </a:p>
-          <a:p>
-            <a:pPr marL="457200" lvl="1" indent="0">
-              <a:buNone/>
-            </a:pPr>
-            <a:r>
-              <a:rPr lang="ru-RU" sz="1900" b="1" i="1" dirty="0" smtClean="0"/>
-              <a:t>Рентабельность </a:t>
-            </a:r>
-            <a:r>
-              <a:rPr lang="ru-RU" sz="1900" b="1" i="1" dirty="0"/>
-              <a:t>привлеченных средств  равна </a:t>
-            </a:r>
-            <a:r>
-              <a:rPr lang="ru-RU" sz="1900" b="1" dirty="0"/>
-              <a:t>93 %</a:t>
-            </a:r>
-          </a:p>
-          <a:p>
-            <a:endParaRPr lang="ru-RU" dirty="0"/>
-          </a:p>
-          <a:p>
-            <a:endParaRPr lang="ru-RU" dirty="0"/>
-          </a:p>
-        </p:txBody>
-      </p:sp>
-      <p:graphicFrame>
-        <p:nvGraphicFramePr>
-          <p:cNvPr id="4" name="Таблица 3"/>
-          <p:cNvGraphicFramePr>
-            <a:graphicFrameLocks noGrp="1"/>
-          </p:cNvGraphicFramePr>
-          <p:nvPr>
-            <p:extLst>
-              <p:ext uri="{D42A27DB-BD31-4B8C-83A1-F6EECF244321}">
-                <p14:modId xmlns:p14="http://schemas.microsoft.com/office/powerpoint/2010/main" val="3831128007"/>
-              </p:ext>
-            </p:extLst>
-          </p:nvPr>
-        </p:nvGraphicFramePr>
-        <p:xfrm>
-          <a:off x="6794843" y="1539702"/>
-          <a:ext cx="3504626" cy="4489133"/>
-        </p:xfrm>
-        <a:graphic>
-          <a:graphicData uri="http://schemas.openxmlformats.org/drawingml/2006/table">
-            <a:tbl>
-              <a:tblPr firstRow="1" firstCol="1" bandRow="1">
-                <a:tableStyleId>{5C22544A-7EE6-4342-B048-85BDC9FD1C3A}</a:tableStyleId>
-              </a:tblPr>
-              <a:tblGrid>
-                <a:gridCol w="1111275">
-                  <a:extLst>
-                    <a:ext uri="{9D8B030D-6E8A-4147-A177-3AD203B41FA5}">
-                      <a16:colId xmlns:a16="http://schemas.microsoft.com/office/drawing/2014/main" val="193188162"/>
-                    </a:ext>
-                  </a:extLst>
-                </a:gridCol>
-                <a:gridCol w="1443665">
-                  <a:extLst>
-                    <a:ext uri="{9D8B030D-6E8A-4147-A177-3AD203B41FA5}">
-                      <a16:colId xmlns:a16="http://schemas.microsoft.com/office/drawing/2014/main" val="3913085538"/>
-                    </a:ext>
-                  </a:extLst>
-                </a:gridCol>
-                <a:gridCol w="949686">
-                  <a:extLst>
-                    <a:ext uri="{9D8B030D-6E8A-4147-A177-3AD203B41FA5}">
-                      <a16:colId xmlns:a16="http://schemas.microsoft.com/office/drawing/2014/main" val="1913567542"/>
-                    </a:ext>
-                  </a:extLst>
-                </a:gridCol>
-              </a:tblGrid>
-              <a:tr h="930998">
-                <a:tc>
-                  <a:txBody>
-                    <a:bodyPr/>
-                    <a:lstStyle/>
-                    <a:p>
-                      <a:pPr algn="ctr">
-                        <a:lnSpc>
-                          <a:spcPct val="150000"/>
-                        </a:lnSpc>
-                        <a:spcAft>
-                          <a:spcPts val="0"/>
-                        </a:spcAft>
-                      </a:pPr>
-                      <a:r>
-                        <a:rPr lang="ru-RU" sz="1000" dirty="0">
-                          <a:effectLst/>
-                        </a:rPr>
-                        <a:t>Показатель</a:t>
-                      </a:r>
-                      <a:endParaRPr lang="ru-RU" sz="900" dirty="0">
-                        <a:effectLst/>
-                        <a:latin typeface="Calibri" panose="020F0502020204030204" pitchFamily="34" charset="0"/>
-                        <a:ea typeface="Calibri" panose="020F0502020204030204" pitchFamily="34" charset="0"/>
-                        <a:cs typeface="Times New Roman" panose="02020603050405020304" pitchFamily="18" charset="0"/>
-                      </a:endParaRPr>
-                    </a:p>
-                  </a:txBody>
-                  <a:tcPr marL="57080" marR="57080" marT="0" marB="0" anchor="ctr"/>
-                </a:tc>
-                <a:tc>
-                  <a:txBody>
-                    <a:bodyPr/>
-                    <a:lstStyle/>
-                    <a:p>
-                      <a:pPr algn="ctr">
-                        <a:lnSpc>
-                          <a:spcPct val="150000"/>
-                        </a:lnSpc>
-                        <a:spcAft>
-                          <a:spcPts val="0"/>
-                        </a:spcAft>
-                      </a:pPr>
-                      <a:r>
-                        <a:rPr lang="ru-RU" sz="1000" dirty="0">
-                          <a:effectLst/>
-                        </a:rPr>
-                        <a:t>Прибыль</a:t>
-                      </a:r>
-                      <a:endParaRPr lang="ru-RU" sz="900" dirty="0">
-                        <a:effectLst/>
-                        <a:latin typeface="Calibri" panose="020F0502020204030204" pitchFamily="34" charset="0"/>
-                        <a:ea typeface="Calibri" panose="020F0502020204030204" pitchFamily="34" charset="0"/>
-                        <a:cs typeface="Times New Roman" panose="02020603050405020304" pitchFamily="18" charset="0"/>
-                      </a:endParaRPr>
-                    </a:p>
-                  </a:txBody>
-                  <a:tcPr marL="57080" marR="57080" marT="0" marB="0" anchor="ctr"/>
-                </a:tc>
-                <a:tc>
-                  <a:txBody>
-                    <a:bodyPr/>
-                    <a:lstStyle/>
-                    <a:p>
-                      <a:pPr algn="ctr">
-                        <a:lnSpc>
-                          <a:spcPct val="150000"/>
-                        </a:lnSpc>
-                        <a:spcAft>
-                          <a:spcPts val="0"/>
-                        </a:spcAft>
-                      </a:pPr>
-                      <a:r>
-                        <a:rPr lang="ru-RU" sz="1000">
-                          <a:effectLst/>
-                        </a:rPr>
-                        <a:t>Окупаемость вложений</a:t>
-                      </a:r>
-                      <a:endParaRPr lang="ru-RU" sz="900">
-                        <a:effectLst/>
-                        <a:latin typeface="Calibri" panose="020F0502020204030204" pitchFamily="34" charset="0"/>
-                        <a:ea typeface="Calibri" panose="020F0502020204030204" pitchFamily="34" charset="0"/>
-                        <a:cs typeface="Times New Roman" panose="02020603050405020304" pitchFamily="18" charset="0"/>
-                      </a:endParaRPr>
-                    </a:p>
-                  </a:txBody>
-                  <a:tcPr marL="57080" marR="57080" marT="0" marB="0" anchor="ctr"/>
-                </a:tc>
-                <a:extLst>
-                  <a:ext uri="{0D108BD9-81ED-4DB2-BD59-A6C34878D82A}">
-                    <a16:rowId xmlns:a16="http://schemas.microsoft.com/office/drawing/2014/main" val="671645429"/>
-                  </a:ext>
-                </a:extLst>
-              </a:tr>
-              <a:tr h="477768">
-                <a:tc>
-                  <a:txBody>
-                    <a:bodyPr/>
-                    <a:lstStyle/>
-                    <a:p>
-                      <a:pPr algn="ctr">
-                        <a:lnSpc>
-                          <a:spcPct val="150000"/>
-                        </a:lnSpc>
-                        <a:spcAft>
-                          <a:spcPts val="0"/>
-                        </a:spcAft>
-                      </a:pPr>
-                      <a:r>
-                        <a:rPr lang="ru-RU" sz="1000">
-                          <a:effectLst/>
-                        </a:rPr>
-                        <a:t>Вложения</a:t>
-                      </a:r>
-                      <a:endParaRPr lang="ru-RU" sz="900">
-                        <a:effectLst/>
-                        <a:latin typeface="Calibri" panose="020F0502020204030204" pitchFamily="34" charset="0"/>
-                        <a:ea typeface="Calibri" panose="020F0502020204030204" pitchFamily="34" charset="0"/>
-                        <a:cs typeface="Times New Roman" panose="02020603050405020304" pitchFamily="18" charset="0"/>
-                      </a:endParaRPr>
-                    </a:p>
-                  </a:txBody>
-                  <a:tcPr marL="57080" marR="57080" marT="0" marB="0" anchor="ctr"/>
-                </a:tc>
-                <a:tc>
-                  <a:txBody>
-                    <a:bodyPr/>
-                    <a:lstStyle/>
-                    <a:p>
-                      <a:pPr algn="ctr">
-                        <a:lnSpc>
-                          <a:spcPct val="150000"/>
-                        </a:lnSpc>
-                        <a:spcAft>
-                          <a:spcPts val="0"/>
-                        </a:spcAft>
-                      </a:pPr>
-                      <a:r>
-                        <a:rPr lang="en-US" sz="1000">
-                          <a:effectLst/>
-                        </a:rPr>
-                        <a:t>-300 550</a:t>
-                      </a:r>
-                      <a:r>
-                        <a:rPr lang="ru-RU" sz="1000">
-                          <a:effectLst/>
-                        </a:rPr>
-                        <a:t>,00</a:t>
-                      </a:r>
-                      <a:endParaRPr lang="ru-RU" sz="900">
-                        <a:effectLst/>
-                        <a:latin typeface="Calibri" panose="020F0502020204030204" pitchFamily="34" charset="0"/>
-                        <a:ea typeface="Calibri" panose="020F0502020204030204" pitchFamily="34" charset="0"/>
-                        <a:cs typeface="Times New Roman" panose="02020603050405020304" pitchFamily="18" charset="0"/>
-                      </a:endParaRPr>
-                    </a:p>
-                  </a:txBody>
-                  <a:tcPr marL="57080" marR="57080" marT="0" marB="0" anchor="ctr"/>
-                </a:tc>
-                <a:tc>
-                  <a:txBody>
-                    <a:bodyPr/>
-                    <a:lstStyle/>
-                    <a:p>
-                      <a:pPr algn="ctr">
-                        <a:lnSpc>
-                          <a:spcPct val="150000"/>
-                        </a:lnSpc>
-                        <a:spcAft>
-                          <a:spcPts val="0"/>
-                        </a:spcAft>
-                      </a:pPr>
-                      <a:r>
-                        <a:rPr lang="en-US" sz="1000">
-                          <a:effectLst/>
-                        </a:rPr>
-                        <a:t>-300 550</a:t>
-                      </a:r>
-                      <a:r>
-                        <a:rPr lang="ru-RU" sz="1000">
-                          <a:effectLst/>
-                        </a:rPr>
-                        <a:t>,00</a:t>
-                      </a:r>
-                      <a:endParaRPr lang="ru-RU" sz="900">
-                        <a:effectLst/>
-                        <a:latin typeface="Calibri" panose="020F0502020204030204" pitchFamily="34" charset="0"/>
-                        <a:ea typeface="Calibri" panose="020F0502020204030204" pitchFamily="34" charset="0"/>
-                        <a:cs typeface="Times New Roman" panose="02020603050405020304" pitchFamily="18" charset="0"/>
-                      </a:endParaRPr>
-                    </a:p>
-                  </a:txBody>
-                  <a:tcPr marL="57080" marR="57080" marT="0" marB="0" anchor="ctr"/>
-                </a:tc>
-                <a:extLst>
-                  <a:ext uri="{0D108BD9-81ED-4DB2-BD59-A6C34878D82A}">
-                    <a16:rowId xmlns:a16="http://schemas.microsoft.com/office/drawing/2014/main" val="1206034358"/>
-                  </a:ext>
-                </a:extLst>
-              </a:tr>
-              <a:tr h="452643">
-                <a:tc>
-                  <a:txBody>
-                    <a:bodyPr/>
-                    <a:lstStyle/>
-                    <a:p>
-                      <a:pPr>
-                        <a:lnSpc>
-                          <a:spcPct val="150000"/>
-                        </a:lnSpc>
-                        <a:spcAft>
-                          <a:spcPts val="0"/>
-                        </a:spcAft>
-                      </a:pPr>
-                      <a:r>
-                        <a:rPr lang="ru-RU" sz="1000">
-                          <a:effectLst/>
-                        </a:rPr>
-                        <a:t>1 год</a:t>
-                      </a:r>
-                      <a:endParaRPr lang="ru-RU" sz="900">
-                        <a:effectLst/>
-                        <a:latin typeface="Calibri" panose="020F0502020204030204" pitchFamily="34" charset="0"/>
-                        <a:ea typeface="Calibri" panose="020F0502020204030204" pitchFamily="34" charset="0"/>
-                        <a:cs typeface="Times New Roman" panose="02020603050405020304" pitchFamily="18" charset="0"/>
-                      </a:endParaRPr>
-                    </a:p>
-                  </a:txBody>
-                  <a:tcPr marL="57080" marR="57080" marT="0" marB="0" anchor="ctr"/>
-                </a:tc>
-                <a:tc>
-                  <a:txBody>
-                    <a:bodyPr/>
-                    <a:lstStyle/>
-                    <a:p>
-                      <a:pPr algn="ctr">
-                        <a:lnSpc>
-                          <a:spcPct val="150000"/>
-                        </a:lnSpc>
-                        <a:spcAft>
-                          <a:spcPts val="0"/>
-                        </a:spcAft>
-                      </a:pPr>
-                      <a:r>
-                        <a:rPr lang="ru-RU" sz="1000">
-                          <a:effectLst/>
-                        </a:rPr>
-                        <a:t>200000,00</a:t>
-                      </a:r>
-                      <a:endParaRPr lang="ru-RU" sz="900">
-                        <a:effectLst/>
-                        <a:latin typeface="Calibri" panose="020F0502020204030204" pitchFamily="34" charset="0"/>
-                        <a:ea typeface="Calibri" panose="020F0502020204030204" pitchFamily="34" charset="0"/>
-                        <a:cs typeface="Times New Roman" panose="02020603050405020304" pitchFamily="18" charset="0"/>
-                      </a:endParaRPr>
-                    </a:p>
-                  </a:txBody>
-                  <a:tcPr marL="57080" marR="57080" marT="0" marB="0" anchor="ctr"/>
-                </a:tc>
-                <a:tc>
-                  <a:txBody>
-                    <a:bodyPr/>
-                    <a:lstStyle/>
-                    <a:p>
-                      <a:pPr algn="ctr">
-                        <a:lnSpc>
-                          <a:spcPct val="150000"/>
-                        </a:lnSpc>
-                        <a:spcAft>
-                          <a:spcPts val="0"/>
-                        </a:spcAft>
-                      </a:pPr>
-                      <a:r>
-                        <a:rPr lang="ru-RU" sz="1000">
-                          <a:effectLst/>
-                        </a:rPr>
-                        <a:t>-100550,00</a:t>
-                      </a:r>
-                      <a:endParaRPr lang="ru-RU" sz="900">
-                        <a:effectLst/>
-                        <a:latin typeface="Calibri" panose="020F0502020204030204" pitchFamily="34" charset="0"/>
-                        <a:ea typeface="Calibri" panose="020F0502020204030204" pitchFamily="34" charset="0"/>
-                        <a:cs typeface="Times New Roman" panose="02020603050405020304" pitchFamily="18" charset="0"/>
-                      </a:endParaRPr>
-                    </a:p>
-                  </a:txBody>
-                  <a:tcPr marL="57080" marR="57080" marT="0" marB="0" anchor="ctr"/>
-                </a:tc>
-                <a:extLst>
-                  <a:ext uri="{0D108BD9-81ED-4DB2-BD59-A6C34878D82A}">
-                    <a16:rowId xmlns:a16="http://schemas.microsoft.com/office/drawing/2014/main" val="2400569758"/>
-                  </a:ext>
-                </a:extLst>
-              </a:tr>
-              <a:tr h="477768">
-                <a:tc>
-                  <a:txBody>
-                    <a:bodyPr/>
-                    <a:lstStyle/>
-                    <a:p>
-                      <a:pPr>
-                        <a:lnSpc>
-                          <a:spcPct val="150000"/>
-                        </a:lnSpc>
-                        <a:spcAft>
-                          <a:spcPts val="0"/>
-                        </a:spcAft>
-                      </a:pPr>
-                      <a:r>
-                        <a:rPr lang="ru-RU" sz="1000">
-                          <a:effectLst/>
-                        </a:rPr>
-                        <a:t>1 год 1 месяц</a:t>
-                      </a:r>
-                      <a:endParaRPr lang="ru-RU" sz="900">
-                        <a:effectLst/>
-                        <a:latin typeface="Calibri" panose="020F0502020204030204" pitchFamily="34" charset="0"/>
-                        <a:ea typeface="Calibri" panose="020F0502020204030204" pitchFamily="34" charset="0"/>
-                        <a:cs typeface="Times New Roman" panose="02020603050405020304" pitchFamily="18" charset="0"/>
-                      </a:endParaRPr>
-                    </a:p>
-                  </a:txBody>
-                  <a:tcPr marL="57080" marR="57080" marT="0" marB="0" anchor="ctr"/>
-                </a:tc>
-                <a:tc>
-                  <a:txBody>
-                    <a:bodyPr/>
-                    <a:lstStyle/>
-                    <a:p>
-                      <a:pPr algn="ctr">
-                        <a:lnSpc>
-                          <a:spcPct val="150000"/>
-                        </a:lnSpc>
-                        <a:spcAft>
-                          <a:spcPts val="0"/>
-                        </a:spcAft>
-                      </a:pPr>
-                      <a:r>
-                        <a:rPr lang="en-US" sz="1000">
-                          <a:effectLst/>
-                        </a:rPr>
-                        <a:t>31666</a:t>
-                      </a:r>
-                      <a:r>
-                        <a:rPr lang="ru-RU" sz="1000">
-                          <a:effectLst/>
-                        </a:rPr>
-                        <a:t>,66 (380 000 </a:t>
-                      </a:r>
-                      <a:r>
-                        <a:rPr lang="en-US" sz="1000">
-                          <a:effectLst/>
-                        </a:rPr>
-                        <a:t>/ 12)</a:t>
-                      </a:r>
-                      <a:endParaRPr lang="ru-RU" sz="900">
-                        <a:effectLst/>
-                        <a:latin typeface="Calibri" panose="020F0502020204030204" pitchFamily="34" charset="0"/>
-                        <a:ea typeface="Calibri" panose="020F0502020204030204" pitchFamily="34" charset="0"/>
-                        <a:cs typeface="Times New Roman" panose="02020603050405020304" pitchFamily="18" charset="0"/>
-                      </a:endParaRPr>
-                    </a:p>
-                  </a:txBody>
-                  <a:tcPr marL="57080" marR="57080" marT="0" marB="0" anchor="ctr"/>
-                </a:tc>
-                <a:tc>
-                  <a:txBody>
-                    <a:bodyPr/>
-                    <a:lstStyle/>
-                    <a:p>
-                      <a:pPr algn="ctr">
-                        <a:lnSpc>
-                          <a:spcPct val="150000"/>
-                        </a:lnSpc>
-                        <a:spcAft>
-                          <a:spcPts val="0"/>
-                        </a:spcAft>
-                      </a:pPr>
-                      <a:r>
-                        <a:rPr lang="ru-RU" sz="1000">
-                          <a:effectLst/>
-                        </a:rPr>
-                        <a:t>-68883,34</a:t>
-                      </a:r>
-                      <a:endParaRPr lang="ru-RU" sz="900">
-                        <a:effectLst/>
-                        <a:latin typeface="Calibri" panose="020F0502020204030204" pitchFamily="34" charset="0"/>
-                        <a:ea typeface="Calibri" panose="020F0502020204030204" pitchFamily="34" charset="0"/>
-                        <a:cs typeface="Times New Roman" panose="02020603050405020304" pitchFamily="18" charset="0"/>
-                      </a:endParaRPr>
-                    </a:p>
-                  </a:txBody>
-                  <a:tcPr marL="57080" marR="57080" marT="0" marB="0" anchor="ctr"/>
-                </a:tc>
-                <a:extLst>
-                  <a:ext uri="{0D108BD9-81ED-4DB2-BD59-A6C34878D82A}">
-                    <a16:rowId xmlns:a16="http://schemas.microsoft.com/office/drawing/2014/main" val="653986823"/>
-                  </a:ext>
-                </a:extLst>
-              </a:tr>
-              <a:tr h="1911072">
-                <a:tc>
-                  <a:txBody>
-                    <a:bodyPr/>
-                    <a:lstStyle/>
-                    <a:p>
-                      <a:pPr>
-                        <a:lnSpc>
-                          <a:spcPct val="150000"/>
-                        </a:lnSpc>
-                        <a:spcAft>
-                          <a:spcPts val="0"/>
-                        </a:spcAft>
-                      </a:pPr>
-                      <a:r>
-                        <a:rPr lang="ru-RU" sz="1000">
-                          <a:effectLst/>
-                        </a:rPr>
-                        <a:t>1 год 2 месяц</a:t>
-                      </a:r>
-                      <a:endParaRPr lang="ru-RU" sz="900">
-                        <a:effectLst/>
-                      </a:endParaRPr>
-                    </a:p>
-                    <a:p>
-                      <a:pPr>
-                        <a:lnSpc>
-                          <a:spcPct val="150000"/>
-                        </a:lnSpc>
-                        <a:spcAft>
-                          <a:spcPts val="0"/>
-                        </a:spcAft>
-                      </a:pPr>
-                      <a:r>
-                        <a:rPr lang="ru-RU" sz="1000">
-                          <a:effectLst/>
-                        </a:rPr>
-                        <a:t> </a:t>
-                      </a:r>
-                      <a:endParaRPr lang="ru-RU" sz="900">
-                        <a:effectLst/>
-                      </a:endParaRPr>
-                    </a:p>
-                    <a:p>
-                      <a:pPr>
-                        <a:lnSpc>
-                          <a:spcPct val="150000"/>
-                        </a:lnSpc>
-                        <a:spcAft>
-                          <a:spcPts val="0"/>
-                        </a:spcAft>
-                      </a:pPr>
-                      <a:r>
-                        <a:rPr lang="ru-RU" sz="1000">
-                          <a:effectLst/>
-                        </a:rPr>
-                        <a:t>1 год 3 месяц</a:t>
-                      </a:r>
-                      <a:endParaRPr lang="ru-RU" sz="900">
-                        <a:effectLst/>
-                      </a:endParaRPr>
-                    </a:p>
-                    <a:p>
-                      <a:pPr>
-                        <a:lnSpc>
-                          <a:spcPct val="150000"/>
-                        </a:lnSpc>
-                        <a:spcAft>
-                          <a:spcPts val="0"/>
-                        </a:spcAft>
-                      </a:pPr>
-                      <a:r>
-                        <a:rPr lang="ru-RU" sz="1000">
-                          <a:effectLst/>
-                        </a:rPr>
-                        <a:t> </a:t>
-                      </a:r>
-                      <a:endParaRPr lang="ru-RU" sz="900">
-                        <a:effectLst/>
-                      </a:endParaRPr>
-                    </a:p>
-                    <a:p>
-                      <a:pPr>
-                        <a:lnSpc>
-                          <a:spcPct val="150000"/>
-                        </a:lnSpc>
-                        <a:spcAft>
-                          <a:spcPts val="0"/>
-                        </a:spcAft>
-                      </a:pPr>
-                      <a:r>
-                        <a:rPr lang="ru-RU" sz="1000">
-                          <a:effectLst/>
-                        </a:rPr>
-                        <a:t>1 год 4 месяц</a:t>
-                      </a:r>
-                      <a:endParaRPr lang="ru-RU" sz="900">
-                        <a:effectLst/>
-                        <a:latin typeface="Calibri" panose="020F0502020204030204" pitchFamily="34" charset="0"/>
-                        <a:ea typeface="Calibri" panose="020F0502020204030204" pitchFamily="34" charset="0"/>
-                        <a:cs typeface="Times New Roman" panose="02020603050405020304" pitchFamily="18" charset="0"/>
-                      </a:endParaRPr>
-                    </a:p>
-                  </a:txBody>
-                  <a:tcPr marL="57080" marR="57080" marT="0" marB="0" anchor="ctr"/>
-                </a:tc>
-                <a:tc>
-                  <a:txBody>
-                    <a:bodyPr/>
-                    <a:lstStyle/>
-                    <a:p>
-                      <a:pPr algn="ctr">
-                        <a:lnSpc>
-                          <a:spcPct val="150000"/>
-                        </a:lnSpc>
-                        <a:spcAft>
-                          <a:spcPts val="0"/>
-                        </a:spcAft>
-                      </a:pPr>
-                      <a:r>
-                        <a:rPr lang="ru-RU" sz="1000">
-                          <a:effectLst/>
-                        </a:rPr>
-                        <a:t>31666,66</a:t>
-                      </a:r>
-                      <a:endParaRPr lang="ru-RU" sz="900">
-                        <a:effectLst/>
-                      </a:endParaRPr>
-                    </a:p>
-                    <a:p>
-                      <a:pPr algn="ctr">
-                        <a:lnSpc>
-                          <a:spcPct val="150000"/>
-                        </a:lnSpc>
-                        <a:spcAft>
-                          <a:spcPts val="0"/>
-                        </a:spcAft>
-                      </a:pPr>
-                      <a:r>
-                        <a:rPr lang="ru-RU" sz="1000">
-                          <a:effectLst/>
-                        </a:rPr>
-                        <a:t> </a:t>
-                      </a:r>
-                      <a:endParaRPr lang="ru-RU" sz="900">
-                        <a:effectLst/>
-                      </a:endParaRPr>
-                    </a:p>
-                    <a:p>
-                      <a:pPr algn="ctr">
-                        <a:lnSpc>
-                          <a:spcPct val="150000"/>
-                        </a:lnSpc>
-                        <a:spcAft>
-                          <a:spcPts val="0"/>
-                        </a:spcAft>
-                      </a:pPr>
-                      <a:r>
-                        <a:rPr lang="ru-RU" sz="1000">
-                          <a:effectLst/>
-                        </a:rPr>
-                        <a:t> </a:t>
-                      </a:r>
-                      <a:endParaRPr lang="ru-RU" sz="900">
-                        <a:effectLst/>
-                      </a:endParaRPr>
-                    </a:p>
-                    <a:p>
-                      <a:pPr algn="ctr">
-                        <a:lnSpc>
-                          <a:spcPct val="150000"/>
-                        </a:lnSpc>
-                        <a:spcAft>
-                          <a:spcPts val="0"/>
-                        </a:spcAft>
-                      </a:pPr>
-                      <a:r>
-                        <a:rPr lang="ru-RU" sz="1000">
-                          <a:effectLst/>
-                        </a:rPr>
-                        <a:t>31666,66</a:t>
-                      </a:r>
-                      <a:endParaRPr lang="ru-RU" sz="900">
-                        <a:effectLst/>
-                      </a:endParaRPr>
-                    </a:p>
-                    <a:p>
-                      <a:pPr algn="ctr">
-                        <a:lnSpc>
-                          <a:spcPct val="150000"/>
-                        </a:lnSpc>
-                        <a:spcAft>
-                          <a:spcPts val="0"/>
-                        </a:spcAft>
-                      </a:pPr>
-                      <a:r>
-                        <a:rPr lang="ru-RU" sz="1000">
-                          <a:effectLst/>
-                        </a:rPr>
-                        <a:t> </a:t>
-                      </a:r>
-                      <a:endParaRPr lang="ru-RU" sz="900">
-                        <a:effectLst/>
-                      </a:endParaRPr>
-                    </a:p>
-                    <a:p>
-                      <a:pPr algn="ctr">
-                        <a:lnSpc>
-                          <a:spcPct val="150000"/>
-                        </a:lnSpc>
-                        <a:spcAft>
-                          <a:spcPts val="0"/>
-                        </a:spcAft>
-                      </a:pPr>
-                      <a:r>
-                        <a:rPr lang="ru-RU" sz="1000">
-                          <a:effectLst/>
-                        </a:rPr>
-                        <a:t>31666,66</a:t>
-                      </a:r>
-                      <a:endParaRPr lang="ru-RU" sz="900">
-                        <a:effectLst/>
-                        <a:latin typeface="Calibri" panose="020F0502020204030204" pitchFamily="34" charset="0"/>
-                        <a:ea typeface="Calibri" panose="020F0502020204030204" pitchFamily="34" charset="0"/>
-                        <a:cs typeface="Times New Roman" panose="02020603050405020304" pitchFamily="18" charset="0"/>
-                      </a:endParaRPr>
-                    </a:p>
-                  </a:txBody>
-                  <a:tcPr marL="57080" marR="57080" marT="0" marB="0" anchor="ctr"/>
-                </a:tc>
-                <a:tc>
-                  <a:txBody>
-                    <a:bodyPr/>
-                    <a:lstStyle/>
-                    <a:p>
-                      <a:pPr>
-                        <a:lnSpc>
-                          <a:spcPct val="150000"/>
-                        </a:lnSpc>
-                        <a:spcAft>
-                          <a:spcPts val="0"/>
-                        </a:spcAft>
-                      </a:pPr>
-                      <a:r>
-                        <a:rPr lang="ru-RU" sz="1000" dirty="0">
-                          <a:effectLst/>
-                        </a:rPr>
-                        <a:t>   -37216,88</a:t>
-                      </a:r>
-                      <a:endParaRPr lang="ru-RU" sz="900" dirty="0">
-                        <a:effectLst/>
-                      </a:endParaRPr>
-                    </a:p>
-                    <a:p>
-                      <a:pPr algn="ctr">
-                        <a:lnSpc>
-                          <a:spcPct val="150000"/>
-                        </a:lnSpc>
-                        <a:spcAft>
-                          <a:spcPts val="0"/>
-                        </a:spcAft>
-                      </a:pPr>
-                      <a:r>
-                        <a:rPr lang="ru-RU" sz="1000" dirty="0">
-                          <a:effectLst/>
-                        </a:rPr>
-                        <a:t> </a:t>
-                      </a:r>
-                      <a:endParaRPr lang="ru-RU" sz="900" dirty="0">
-                        <a:effectLst/>
-                      </a:endParaRPr>
-                    </a:p>
-                    <a:p>
-                      <a:pPr algn="ctr">
-                        <a:lnSpc>
-                          <a:spcPct val="150000"/>
-                        </a:lnSpc>
-                        <a:spcAft>
-                          <a:spcPts val="0"/>
-                        </a:spcAft>
-                      </a:pPr>
-                      <a:r>
-                        <a:rPr lang="ru-RU" sz="1000" dirty="0">
-                          <a:effectLst/>
-                        </a:rPr>
-                        <a:t>-5550,02</a:t>
-                      </a:r>
-                      <a:endParaRPr lang="ru-RU" sz="900" dirty="0">
-                        <a:effectLst/>
-                      </a:endParaRPr>
-                    </a:p>
-                    <a:p>
-                      <a:pPr algn="ctr">
-                        <a:lnSpc>
-                          <a:spcPct val="150000"/>
-                        </a:lnSpc>
-                        <a:spcAft>
-                          <a:spcPts val="0"/>
-                        </a:spcAft>
-                      </a:pPr>
-                      <a:r>
-                        <a:rPr lang="ru-RU" sz="1000" dirty="0">
-                          <a:effectLst/>
-                        </a:rPr>
-                        <a:t> </a:t>
-                      </a:r>
-                      <a:endParaRPr lang="ru-RU" sz="900" dirty="0">
-                        <a:effectLst/>
-                      </a:endParaRPr>
-                    </a:p>
-                    <a:p>
-                      <a:pPr algn="ctr">
-                        <a:lnSpc>
-                          <a:spcPct val="150000"/>
-                        </a:lnSpc>
-                        <a:spcAft>
-                          <a:spcPts val="0"/>
-                        </a:spcAft>
-                      </a:pPr>
-                      <a:r>
-                        <a:rPr lang="ru-RU" sz="1000" dirty="0">
-                          <a:effectLst/>
-                        </a:rPr>
-                        <a:t> </a:t>
-                      </a:r>
-                      <a:endParaRPr lang="ru-RU" sz="900" dirty="0">
-                        <a:effectLst/>
-                      </a:endParaRPr>
-                    </a:p>
-                    <a:p>
-                      <a:pPr algn="ctr">
-                        <a:lnSpc>
-                          <a:spcPct val="150000"/>
-                        </a:lnSpc>
-                        <a:spcAft>
-                          <a:spcPts val="0"/>
-                        </a:spcAft>
-                      </a:pPr>
-                      <a:r>
-                        <a:rPr lang="ru-RU" sz="1000" b="1" dirty="0">
-                          <a:effectLst/>
-                        </a:rPr>
-                        <a:t>26116,64</a:t>
-                      </a:r>
-                      <a:endParaRPr lang="ru-RU" sz="900" b="1" dirty="0">
-                        <a:effectLst/>
-                        <a:latin typeface="Calibri" panose="020F0502020204030204" pitchFamily="34" charset="0"/>
-                        <a:ea typeface="Calibri" panose="020F0502020204030204" pitchFamily="34" charset="0"/>
-                        <a:cs typeface="Times New Roman" panose="02020603050405020304" pitchFamily="18" charset="0"/>
-                      </a:endParaRPr>
-                    </a:p>
-                  </a:txBody>
-                  <a:tcPr marL="57080" marR="57080" marT="0" marB="0" anchor="ctr"/>
-                </a:tc>
-                <a:extLst>
-                  <a:ext uri="{0D108BD9-81ED-4DB2-BD59-A6C34878D82A}">
-                    <a16:rowId xmlns:a16="http://schemas.microsoft.com/office/drawing/2014/main" val="3587811575"/>
-                  </a:ext>
-                </a:extLst>
-              </a:tr>
-              <a:tr h="238884">
-                <a:tc>
-                  <a:txBody>
-                    <a:bodyPr/>
-                    <a:lstStyle/>
-                    <a:p>
-                      <a:pPr>
-                        <a:lnSpc>
-                          <a:spcPct val="150000"/>
-                        </a:lnSpc>
-                        <a:spcAft>
-                          <a:spcPts val="0"/>
-                        </a:spcAft>
-                      </a:pPr>
-                      <a:r>
-                        <a:rPr lang="ru-RU" sz="1000">
-                          <a:effectLst/>
-                        </a:rPr>
-                        <a:t> </a:t>
-                      </a:r>
-                      <a:endParaRPr lang="ru-RU" sz="900">
-                        <a:effectLst/>
-                        <a:latin typeface="Calibri" panose="020F0502020204030204" pitchFamily="34" charset="0"/>
-                        <a:ea typeface="Calibri" panose="020F0502020204030204" pitchFamily="34" charset="0"/>
-                        <a:cs typeface="Times New Roman" panose="02020603050405020304" pitchFamily="18" charset="0"/>
-                      </a:endParaRPr>
-                    </a:p>
-                  </a:txBody>
-                  <a:tcPr marL="57080" marR="57080" marT="0" marB="0" anchor="ctr"/>
-                </a:tc>
-                <a:tc>
-                  <a:txBody>
-                    <a:bodyPr/>
-                    <a:lstStyle/>
-                    <a:p>
-                      <a:pPr algn="ctr">
-                        <a:lnSpc>
-                          <a:spcPct val="150000"/>
-                        </a:lnSpc>
-                        <a:spcAft>
-                          <a:spcPts val="0"/>
-                        </a:spcAft>
-                      </a:pPr>
-                      <a:r>
-                        <a:rPr lang="ru-RU" sz="1000">
-                          <a:effectLst/>
-                        </a:rPr>
-                        <a:t> </a:t>
-                      </a:r>
-                      <a:endParaRPr lang="ru-RU" sz="900">
-                        <a:effectLst/>
-                        <a:latin typeface="Calibri" panose="020F0502020204030204" pitchFamily="34" charset="0"/>
-                        <a:ea typeface="Calibri" panose="020F0502020204030204" pitchFamily="34" charset="0"/>
-                        <a:cs typeface="Times New Roman" panose="02020603050405020304" pitchFamily="18" charset="0"/>
-                      </a:endParaRPr>
-                    </a:p>
-                  </a:txBody>
-                  <a:tcPr marL="57080" marR="57080" marT="0" marB="0" anchor="ctr"/>
-                </a:tc>
-                <a:tc>
-                  <a:txBody>
-                    <a:bodyPr/>
-                    <a:lstStyle/>
-                    <a:p>
-                      <a:pPr>
-                        <a:lnSpc>
-                          <a:spcPct val="150000"/>
-                        </a:lnSpc>
-                        <a:spcAft>
-                          <a:spcPts val="0"/>
-                        </a:spcAft>
-                      </a:pPr>
-                      <a:r>
-                        <a:rPr lang="ru-RU" sz="1000" dirty="0">
-                          <a:effectLst/>
-                        </a:rPr>
-                        <a:t> </a:t>
-                      </a:r>
-                      <a:endParaRPr lang="ru-RU" sz="900" dirty="0">
-                        <a:effectLst/>
-                        <a:latin typeface="Calibri" panose="020F0502020204030204" pitchFamily="34" charset="0"/>
-                        <a:ea typeface="Calibri" panose="020F0502020204030204" pitchFamily="34" charset="0"/>
-                        <a:cs typeface="Times New Roman" panose="02020603050405020304" pitchFamily="18" charset="0"/>
-                      </a:endParaRPr>
-                    </a:p>
-                  </a:txBody>
-                  <a:tcPr marL="57080" marR="57080" marT="0" marB="0" anchor="ctr"/>
-                </a:tc>
-                <a:extLst>
-                  <a:ext uri="{0D108BD9-81ED-4DB2-BD59-A6C34878D82A}">
-                    <a16:rowId xmlns:a16="http://schemas.microsoft.com/office/drawing/2014/main" val="3326993482"/>
-                  </a:ext>
-                </a:extLst>
-              </a:tr>
-            </a:tbl>
-          </a:graphicData>
-        </a:graphic>
-      </p:graphicFrame>
-    </p:spTree>
-    <p:extLst>
-      <p:ext uri="{BB962C8B-B14F-4D97-AF65-F5344CB8AC3E}">
-        <p14:creationId xmlns:p14="http://schemas.microsoft.com/office/powerpoint/2010/main" val="1697130310"/>
-      </p:ext>
-    </p:extLst>
-  </p:cSld>
-  <p:clrMapOvr>
-    <a:masterClrMapping/>
-  </p:clrMapOvr>
-</p:sld>
-</file>
-
-<file path=ppt/slides/slide21.xml><?xml version="1.0" encoding="utf-8"?>
-<p:sld xmlns:a="http://schemas.openxmlformats.org/drawingml/2006/main" xmlns:r="http://schemas.openxmlformats.org/officeDocument/2006/relationships" xmlns:p="http://schemas.openxmlformats.org/presentationml/2006/main">
-  <p:cSld>
-    <p:spTree>
-      <p:nvGrpSpPr>
-        <p:cNvPr id="1" name=""/>
-        <p:cNvGrpSpPr/>
-        <p:nvPr/>
-      </p:nvGrpSpPr>
-      <p:grpSpPr>
-        <a:xfrm>
-          <a:off x="0" y="0"/>
-          <a:ext cx="0" cy="0"/>
-          <a:chOff x="0" y="0"/>
-          <a:chExt cx="0" cy="0"/>
-        </a:xfrm>
-      </p:grpSpPr>
-      <p:sp>
-        <p:nvSpPr>
-          <p:cNvPr id="2" name="Заголовок 1"/>
-          <p:cNvSpPr>
-            <a:spLocks noGrp="1"/>
-          </p:cNvSpPr>
-          <p:nvPr>
-            <p:ph type="title"/>
-          </p:nvPr>
-        </p:nvSpPr>
-        <p:spPr>
-          <a:xfrm>
             <a:off x="606995" y="90854"/>
             <a:ext cx="8596668" cy="1320800"/>
           </a:xfrm>
@@ -10023,7 +10702,7 @@
         </p:spPr>
         <p:txBody>
           <a:bodyPr>
-            <a:normAutofit fontScale="92500" lnSpcReduction="10000"/>
+            <a:normAutofit fontScale="92500" lnSpcReduction="20000"/>
           </a:bodyPr>
           <a:lstStyle/>
           <a:p>
@@ -10039,12 +10718,8 @@
           <a:p>
             <a:pPr lvl="0"/>
             <a:r>
-              <a:rPr lang="en-US" dirty="0" smtClean="0"/>
-              <a:t>1. </a:t>
-            </a:r>
-            <a:r>
               <a:rPr lang="ru-RU" dirty="0" smtClean="0"/>
-              <a:t>Бёрнс </a:t>
+              <a:t>1. Бёрнс </a:t>
             </a:r>
             <a:r>
               <a:rPr lang="ru-RU" dirty="0"/>
@@ -10055,12 +10730,8 @@
           <a:p>
             <a:pPr lvl="0"/>
             <a:r>
-              <a:rPr lang="en-US" dirty="0" smtClean="0"/>
-              <a:t>2. </a:t>
-            </a:r>
-            <a:r>
               <a:rPr lang="ru-RU" dirty="0" smtClean="0"/>
-              <a:t>Колисниченко </a:t>
+              <a:t>2. Колисниченко </a:t>
             </a:r>
             <a:r>
               <a:rPr lang="ru-RU" dirty="0"/>
@@ -10071,12 +10742,8 @@
           <a:p>
             <a:pPr lvl="0"/>
             <a:r>
-              <a:rPr lang="en-US" dirty="0" smtClean="0"/>
-              <a:t>3. </a:t>
-            </a:r>
-            <a:r>
               <a:rPr lang="ru-RU" dirty="0" smtClean="0"/>
-              <a:t>Рихтер </a:t>
+              <a:t>3. Рихтер </a:t>
             </a:r>
             <a:r>
               <a:rPr lang="ru-RU" dirty="0"/>
@@ -10087,23 +10754,44 @@
           <a:p>
             <a:pPr lvl="0"/>
             <a:r>
+              <a:rPr lang="ru-RU" dirty="0" smtClean="0"/>
+              <a:t>4. </a:t>
+            </a:r>
+            <a:r>
               <a:rPr lang="en-US" dirty="0" smtClean="0"/>
-              <a:t>4. Mastering </a:t>
+              <a:t>Hans-Jürgen </a:t>
             </a:r>
             <a:r>
               <a:rPr lang="en-US" dirty="0"/>
-              <a:t>PostgreSQL 13 - Packt Publishing, Birmingham, UK, 2020 - 459 c. ISBN 978-1-80056-749-8.</a:t>
-            </a:r>
+              <a:t>Schönig. Mastering PostgreSQL 13. </a:t>
+            </a:r>
+            <a:r>
+              <a:rPr lang="ru-RU" dirty="0"/>
+              <a:t>1-е изд, 2020 - 459 </a:t>
+            </a:r>
+            <a:r>
+              <a:rPr lang="en-US" dirty="0"/>
+              <a:t>c</a:t>
+            </a:r>
+            <a:r>
+              <a:rPr lang="ru-RU" dirty="0"/>
+              <a:t>. </a:t>
+            </a:r>
+            <a:r>
+              <a:rPr lang="en-US" dirty="0"/>
+              <a:t>ISBN</a:t>
+            </a:r>
+            <a:r>
+              <a:rPr lang="ru-RU" dirty="0"/>
+              <a:t> 978-1-80056-749-8.</a:t>
+            </a:r>
+            <a:endParaRPr lang="en-US" dirty="0"/>
           </a:p>
           <a:p>
             <a:pPr lvl="0"/>
             <a:r>
-              <a:rPr lang="en-US" dirty="0" smtClean="0"/>
-              <a:t>5. </a:t>
-            </a:r>
-            <a:r>
               <a:rPr lang="ru-RU" dirty="0" smtClean="0"/>
-              <a:t>Моуэт </a:t>
+              <a:t>5. Моуэт </a:t>
             </a:r>
             <a:r>
               <a:rPr lang="ru-RU" dirty="0"/>
@@ -10114,32 +10802,24 @@
           <a:p>
             <a:pPr lvl="0"/>
             <a:r>
-              <a:rPr lang="en-US" dirty="0" smtClean="0"/>
-              <a:t>6. </a:t>
-            </a:r>
-            <a:r>
               <a:rPr lang="ru-RU" dirty="0" smtClean="0"/>
-              <a:t>Л</a:t>
+              <a:t>6. Пирская </a:t>
             </a:r>
             <a:r>
               <a:rPr lang="ru-RU" dirty="0"/>
-              <a:t>. В. Пирская. Разработка мобильных приложений в среде Android Studio. 2019. №1. С.120-230. ISBN 978-5-9275-3346-6.</a:t>
+              <a:t>Л. В. Разработка мобильных приложений в среде Android Studio. 2019. №1. С.120-230. ISBN 978-5-9275-3346-6.</a:t>
             </a:r>
             <a:endParaRPr lang="en-US" dirty="0"/>
           </a:p>
           <a:p>
             <a:pPr lvl="0"/>
             <a:r>
-              <a:rPr lang="en-US" dirty="0" smtClean="0"/>
-              <a:t>7. </a:t>
-            </a:r>
-            <a:r>
               <a:rPr lang="ru-RU" dirty="0" smtClean="0"/>
-              <a:t>К.В</a:t>
+              <a:t>7. Парахин </a:t>
             </a:r>
             <a:r>
               <a:rPr lang="ru-RU" dirty="0"/>
-              <a:t>. Парахин. Обзор приложения, связанного с автоматизацией деятельности </a:t>
+              <a:t>К.В. Обзор приложения, связанного с автоматизацией деятельности </a:t>
             </a:r>
             <a:r>
               <a:rPr lang="en-US" dirty="0"/>
@@ -10147,36 +10827,175 @@
             </a:r>
             <a:r>
               <a:rPr lang="ru-RU" dirty="0"/>
-              <a:t>-отделов предприятия, 2024. </a:t>
+              <a:t>-отделов предприятия, 2024. №1. С.86-90. ISBN 978-5-398-03137-9 </a:t>
             </a:r>
             <a:r>
               <a:rPr lang="en-US" dirty="0"/>
-              <a:t>№1. </a:t>
+              <a:t>URL</a:t>
             </a:r>
             <a:r>
               <a:rPr lang="ru-RU" dirty="0"/>
-              <a:t>С</a:t>
+              <a:t>: </a:t>
+            </a:r>
+            <a:r>
+              <a:rPr lang="en-US" u="sng" dirty="0">
+                <a:hlinkClick r:id="rId2"/>
+              </a:rPr>
+              <a:t>http</a:t>
+            </a:r>
+            <a:r>
+              <a:rPr lang="ru-RU" u="sng" dirty="0">
+                <a:hlinkClick r:id="rId2"/>
+              </a:rPr>
+              <a:t>://</a:t>
+            </a:r>
+            <a:r>
+              <a:rPr lang="en-US" u="sng" dirty="0">
+                <a:hlinkClick r:id="rId2"/>
+              </a:rPr>
+              <a:t>www</a:t>
+            </a:r>
+            <a:r>
+              <a:rPr lang="ru-RU" u="sng" dirty="0">
+                <a:hlinkClick r:id="rId2"/>
+              </a:rPr>
+              <a:t>.</a:t>
+            </a:r>
+            <a:r>
+              <a:rPr lang="en-US" u="sng" dirty="0">
+                <a:hlinkClick r:id="rId2"/>
+              </a:rPr>
+              <a:t>bf</a:t>
+            </a:r>
+            <a:r>
+              <a:rPr lang="ru-RU" u="sng" dirty="0">
+                <a:hlinkClick r:id="rId2"/>
+              </a:rPr>
+              <a:t>.</a:t>
+            </a:r>
+            <a:r>
+              <a:rPr lang="en-US" u="sng" dirty="0">
+                <a:hlinkClick r:id="rId2"/>
+              </a:rPr>
+              <a:t>pstu</a:t>
+            </a:r>
+            <a:r>
+              <a:rPr lang="ru-RU" u="sng" dirty="0">
+                <a:hlinkClick r:id="rId2"/>
+              </a:rPr>
+              <a:t>.</a:t>
+            </a:r>
+            <a:r>
+              <a:rPr lang="en-US" u="sng" dirty="0">
+                <a:hlinkClick r:id="rId2"/>
+              </a:rPr>
+              <a:t>ru</a:t>
+            </a:r>
+            <a:r>
+              <a:rPr lang="ru-RU" u="sng" dirty="0">
+                <a:hlinkClick r:id="rId2"/>
+              </a:rPr>
+              <a:t>/</a:t>
+            </a:r>
+            <a:r>
+              <a:rPr lang="en-US" u="sng" dirty="0">
+                <a:hlinkClick r:id="rId2"/>
+              </a:rPr>
+              <a:t>images</a:t>
+            </a:r>
+            <a:r>
+              <a:rPr lang="ru-RU" u="sng" dirty="0">
+                <a:hlinkClick r:id="rId2"/>
+              </a:rPr>
+              <a:t>/</a:t>
+            </a:r>
+            <a:r>
+              <a:rPr lang="en-US" u="sng" dirty="0">
+                <a:hlinkClick r:id="rId2"/>
+              </a:rPr>
+              <a:t>documents</a:t>
+            </a:r>
+            <a:r>
+              <a:rPr lang="ru-RU" u="sng" dirty="0">
+                <a:hlinkClick r:id="rId2"/>
+              </a:rPr>
+              <a:t>/</a:t>
+            </a:r>
+            <a:r>
+              <a:rPr lang="en-US" u="sng" dirty="0">
+                <a:hlinkClick r:id="rId2"/>
+              </a:rPr>
+              <a:t>nauka</a:t>
+            </a:r>
+            <a:r>
+              <a:rPr lang="ru-RU" u="sng" dirty="0">
+                <a:hlinkClick r:id="rId2"/>
+              </a:rPr>
+              <a:t>/</a:t>
+            </a:r>
+            <a:r>
+              <a:rPr lang="en-US" u="sng" dirty="0">
+                <a:hlinkClick r:id="rId2"/>
+              </a:rPr>
+              <a:t>sborniki</a:t>
+            </a:r>
+            <a:r>
+              <a:rPr lang="ru-RU" u="sng" dirty="0">
+                <a:hlinkClick r:id="rId2"/>
+              </a:rPr>
+              <a:t>/</a:t>
+            </a:r>
+            <a:r>
+              <a:rPr lang="en-US" u="sng" dirty="0">
+                <a:hlinkClick r:id="rId2"/>
+              </a:rPr>
+              <a:t>MNRR</a:t>
+            </a:r>
+            <a:r>
+              <a:rPr lang="ru-RU" u="sng" dirty="0">
+                <a:hlinkClick r:id="rId2"/>
+              </a:rPr>
+              <a:t> 2024_</a:t>
+            </a:r>
+            <a:r>
+              <a:rPr lang="en-US" u="sng" dirty="0">
+                <a:hlinkClick r:id="rId2"/>
+              </a:rPr>
+              <a:t>s</a:t>
+            </a:r>
+            <a:r>
+              <a:rPr lang="ru-RU" u="sng" dirty="0">
+                <a:hlinkClick r:id="rId2"/>
+              </a:rPr>
+              <a:t>_</a:t>
+            </a:r>
+            <a:r>
+              <a:rPr lang="en-US" u="sng" dirty="0">
+                <a:hlinkClick r:id="rId2"/>
+              </a:rPr>
+              <a:t>oblozhkoy</a:t>
+            </a:r>
+            <a:r>
+              <a:rPr lang="ru-RU" u="sng" dirty="0">
+                <a:hlinkClick r:id="rId2"/>
+              </a:rPr>
+              <a:t>.</a:t>
+            </a:r>
+            <a:r>
+              <a:rPr lang="en-US" u="sng" dirty="0">
+                <a:hlinkClick r:id="rId2"/>
+              </a:rPr>
+              <a:t>pdf</a:t>
             </a:r>
             <a:r>
               <a:rPr lang="en-US" dirty="0"/>
-              <a:t>.3-5 </a:t>
+              <a:t> </a:t>
             </a:r>
             <a:r>
               <a:rPr lang="ru-RU" dirty="0"/>
-              <a:t>УДК</a:t>
-            </a:r>
-            <a:r>
-              <a:rPr lang="en-US" dirty="0"/>
-              <a:t> 004.4. </a:t>
-            </a:r>
-            <a:r>
-              <a:rPr lang="ru-RU" dirty="0"/>
-              <a:t>Дата публикация</a:t>
-            </a:r>
-            <a:r>
-              <a:rPr lang="en-US" dirty="0"/>
-              <a:t>: 15.03.2024 г. ISBN: </a:t>
-            </a:r>
+              <a:t>(дата обращения: 15.03.2024)</a:t>
+            </a:r>
+            <a:endParaRPr lang="en-US" dirty="0"/>
           </a:p>
           <a:p>
             <a:pPr marL="0" indent="0">
@@ -10213,7 +11032,7 @@
 </p:sld>
 </file>
 
-<file path=ppt/slides/slide22.xml><?xml version="1.0" encoding="utf-8"?>
+<file path=ppt/slides/slide21.xml><?xml version="1.0" encoding="utf-8"?>
 <p:sld xmlns:a="http://schemas.openxmlformats.org/drawingml/2006/main" xmlns:r="http://schemas.openxmlformats.org/officeDocument/2006/relationships" xmlns:p="http://schemas.openxmlformats.org/presentationml/2006/main">
   <p:cSld>
     <p:spTree>
@@ -10594,191 +11413,6 @@
           <a:p>
             <a:r>
               <a:rPr lang="ru-RU" dirty="0" smtClean="0"/>
-              <a:t>Информация о проекте разработки</a:t>
-            </a:r>
-            <a:endParaRPr lang="ru-RU" dirty="0"/>
-          </a:p>
-        </p:txBody>
-      </p:sp>
-      <p:sp>
-        <p:nvSpPr>
-          <p:cNvPr id="3" name="Объект 2"/>
-          <p:cNvSpPr>
-            <a:spLocks noGrp="1"/>
-          </p:cNvSpPr>
-          <p:nvPr>
-            <p:ph idx="1"/>
-          </p:nvPr>
-        </p:nvSpPr>
-        <p:spPr>
-          <a:xfrm>
-            <a:off x="677334" y="1512916"/>
-            <a:ext cx="8596668" cy="4821381"/>
-          </a:xfrm>
-        </p:spPr>
-        <p:txBody>
-          <a:bodyPr>
-            <a:normAutofit fontScale="92500" lnSpcReduction="20000"/>
-          </a:bodyPr>
-          <a:lstStyle/>
-          <a:p>
-            <a:r>
-              <a:rPr lang="ru-RU" sz="2200" dirty="0" smtClean="0"/>
-              <a:t>Заказчик:</a:t>
-            </a:r>
-          </a:p>
-          <a:p>
-            <a:r>
-              <a:rPr lang="ru-RU" sz="2200" dirty="0" smtClean="0"/>
-              <a:t>Компания </a:t>
-            </a:r>
-            <a:r>
-              <a:rPr lang="ru-RU" sz="2200" dirty="0"/>
-              <a:t>ООО «</a:t>
-            </a:r>
-            <a:r>
-              <a:rPr lang="ru-RU" sz="2200" dirty="0" err="1"/>
-              <a:t>АИСТСОФТ</a:t>
-            </a:r>
-            <a:r>
-              <a:rPr lang="ru-RU" sz="2200" dirty="0"/>
-              <a:t>» - </a:t>
-            </a:r>
-            <a:r>
-              <a:rPr lang="ru-RU" sz="2200" dirty="0" smtClean="0"/>
-              <a:t>компания-заказчик, </a:t>
-            </a:r>
-            <a:r>
-              <a:rPr lang="ru-RU" sz="2200" dirty="0"/>
-              <a:t>занимающаяся разработкой высоконагруженного программного обеспечения для сбора, обработки и анализа данных в реальном времени, и их последующего преобразования в информацию. Было организовано в 2012 </a:t>
-            </a:r>
-            <a:r>
-              <a:rPr lang="ru-RU" sz="2200" dirty="0" smtClean="0"/>
-              <a:t>году. </a:t>
-            </a:r>
-          </a:p>
-          <a:p>
-            <a:endParaRPr lang="ru-RU" sz="2200" dirty="0"/>
-          </a:p>
-          <a:p>
-            <a:r>
-              <a:rPr lang="ru-RU" sz="2200" dirty="0"/>
-              <a:t>Организатор и исполнитель: </a:t>
-            </a:r>
-          </a:p>
-          <a:p>
-            <a:r>
-              <a:rPr lang="ru-RU" sz="2200" dirty="0"/>
-              <a:t>Парахин Кирилл Валерьевич - .</a:t>
-            </a:r>
-            <a:r>
-              <a:rPr lang="en-US" sz="2200" dirty="0"/>
-              <a:t>NET</a:t>
-            </a:r>
-            <a:r>
-              <a:rPr lang="ru-RU" sz="2200" dirty="0"/>
-              <a:t> разработчик, обладающий небольшим опытом разработки высоконагруженных </a:t>
-            </a:r>
-            <a:r>
-              <a:rPr lang="en-US" sz="2200" dirty="0"/>
-              <a:t>backend</a:t>
-            </a:r>
-            <a:r>
-              <a:rPr lang="ru-RU" sz="2200" dirty="0"/>
-              <a:t>-систем</a:t>
-            </a:r>
-            <a:r>
-              <a:rPr lang="ru-RU" sz="2200" dirty="0" smtClean="0"/>
-              <a:t>.</a:t>
-            </a:r>
-          </a:p>
-          <a:p>
-            <a:endParaRPr lang="ru-RU" sz="2200" dirty="0"/>
-          </a:p>
-          <a:p>
-            <a:r>
-              <a:rPr lang="ru-RU" sz="2200" dirty="0"/>
-              <a:t>«</a:t>
-            </a:r>
-            <a:r>
-              <a:rPr lang="en-US" sz="2200" dirty="0"/>
-              <a:t>IT </a:t>
-            </a:r>
-            <a:r>
-              <a:rPr lang="en-US" sz="2200" dirty="0" err="1"/>
-              <a:t>AutoMonitor</a:t>
-            </a:r>
-            <a:r>
-              <a:rPr lang="ru-RU" sz="2200" dirty="0"/>
-              <a:t>» - это предложенное название </a:t>
-            </a:r>
-            <a:r>
-              <a:rPr lang="ru-RU" sz="2200" dirty="0" err="1"/>
-              <a:t>ПИС</a:t>
-            </a:r>
-            <a:r>
-              <a:rPr lang="ru-RU" sz="2200" dirty="0"/>
-              <a:t>, которое предлагается для разработки в рамках проведения данного проекта. </a:t>
-            </a:r>
-          </a:p>
-          <a:p>
-            <a:endParaRPr lang="ru-RU" dirty="0"/>
-          </a:p>
-          <a:p>
-            <a:endParaRPr lang="ru-RU" dirty="0"/>
-          </a:p>
-          <a:p>
-            <a:endParaRPr lang="ru-RU" dirty="0"/>
-          </a:p>
-        </p:txBody>
-      </p:sp>
-    </p:spTree>
-    <p:extLst>
-      <p:ext uri="{BB962C8B-B14F-4D97-AF65-F5344CB8AC3E}">
-        <p14:creationId xmlns:p14="http://schemas.microsoft.com/office/powerpoint/2010/main" val="224527695"/>
-      </p:ext>
-    </p:extLst>
-  </p:cSld>
-  <p:clrMapOvr>
-    <a:masterClrMapping/>
-  </p:clrMapOvr>
-</p:sld>
-</file>
-
-<file path=ppt/slides/slide5.xml><?xml version="1.0" encoding="utf-8"?>
-<p:sld xmlns:a="http://schemas.openxmlformats.org/drawingml/2006/main" xmlns:r="http://schemas.openxmlformats.org/officeDocument/2006/relationships" xmlns:p="http://schemas.openxmlformats.org/presentationml/2006/main">
-  <p:cSld>
-    <p:spTree>
-      <p:nvGrpSpPr>
-        <p:cNvPr id="1" name=""/>
-        <p:cNvGrpSpPr/>
-        <p:nvPr/>
-      </p:nvGrpSpPr>
-      <p:grpSpPr>
-        <a:xfrm>
-          <a:off x="0" y="0"/>
-          <a:ext cx="0" cy="0"/>
-          <a:chOff x="0" y="0"/>
-          <a:chExt cx="0" cy="0"/>
-        </a:xfrm>
-      </p:grpSpPr>
-      <p:sp>
-        <p:nvSpPr>
-          <p:cNvPr id="2" name="Заголовок 1"/>
-          <p:cNvSpPr>
-            <a:spLocks noGrp="1"/>
-          </p:cNvSpPr>
-          <p:nvPr>
-            <p:ph type="title"/>
-          </p:nvPr>
-        </p:nvSpPr>
-        <p:spPr/>
-        <p:txBody>
-          <a:bodyPr/>
-          <a:lstStyle/>
-          <a:p>
-            <a:r>
-              <a:rPr lang="ru-RU" dirty="0" smtClean="0"/>
               <a:t>Задачи</a:t>
             </a:r>
             <a:endParaRPr lang="ru-RU" dirty="0"/>
@@ -10918,7 +11552,7 @@
 </p:sld>
 </file>
 
-<file path=ppt/slides/slide6.xml><?xml version="1.0" encoding="utf-8"?>
+<file path=ppt/slides/slide5.xml><?xml version="1.0" encoding="utf-8"?>
 <p:sld xmlns:a="http://schemas.openxmlformats.org/drawingml/2006/main" xmlns:r="http://schemas.openxmlformats.org/officeDocument/2006/relationships" xmlns:p="http://schemas.openxmlformats.org/presentationml/2006/main">
   <p:cSld>
     <p:spTree>
@@ -11215,7 +11849,7 @@
 </p:sld>
 </file>
 
-<file path=ppt/slides/slide7.xml><?xml version="1.0" encoding="utf-8"?>
+<file path=ppt/slides/slide6.xml><?xml version="1.0" encoding="utf-8"?>
 <p:sld xmlns:a="http://schemas.openxmlformats.org/drawingml/2006/main" xmlns:r="http://schemas.openxmlformats.org/officeDocument/2006/relationships" xmlns:p="http://schemas.openxmlformats.org/presentationml/2006/main">
   <p:cSld>
     <p:spTree>
@@ -11244,7 +11878,7 @@
         </p:nvSpPr>
         <p:spPr>
           <a:xfrm>
-            <a:off x="610832" y="267819"/>
+            <a:off x="-106345" y="-89647"/>
             <a:ext cx="7912751" cy="1320800"/>
           </a:xfrm>
         </p:spPr>
@@ -11264,22 +11898,21 @@
       </p:sp>
       <p:graphicFrame>
         <p:nvGraphicFramePr>
-          <p:cNvPr id="4" name="Объект 3"/>
+          <p:cNvPr id="3" name="Таблица 2"/>
           <p:cNvGraphicFramePr>
             <a:graphicFrameLocks noGrp="1"/>
           </p:cNvGraphicFramePr>
           <p:nvPr>
-            <p:ph idx="1"/>
             <p:extLst>
               <p:ext uri="{D42A27DB-BD31-4B8C-83A1-F6EECF244321}">
-                <p14:modId xmlns:p14="http://schemas.microsoft.com/office/powerpoint/2010/main" val="1432758767"/>
+                <p14:modId xmlns:p14="http://schemas.microsoft.com/office/powerpoint/2010/main" val="3841444658"/>
               </p:ext>
             </p:extLst>
           </p:nvPr>
         </p:nvGraphicFramePr>
         <p:xfrm>
-          <a:off x="449264" y="1164677"/>
-          <a:ext cx="9974895" cy="5588000"/>
+          <a:off x="1310981" y="447040"/>
+          <a:ext cx="8128000" cy="6410960"/>
         </p:xfrm>
         <a:graphic>
           <a:graphicData uri="http://schemas.openxmlformats.org/drawingml/2006/table">
@@ -11288,38 +11921,38 @@
                 <a:tableStyleId>{5C22544A-7EE6-4342-B048-85BDC9FD1C3A}</a:tableStyleId>
               </a:tblPr>
               <a:tblGrid>
-                <a:gridCol w="1994979">
+                <a:gridCol w="1625600">
                   <a:extLst>
                     <a:ext uri="{9D8B030D-6E8A-4147-A177-3AD203B41FA5}">
-                      <a16:colId xmlns:a16="http://schemas.microsoft.com/office/drawing/2014/main" val="3717637693"/>
+                      <a16:colId xmlns:a16="http://schemas.microsoft.com/office/drawing/2014/main" val="2465649048"/>
                     </a:ext>
                   </a:extLst>
                 </a:gridCol>
-                <a:gridCol w="1994979">
+                <a:gridCol w="1625600">
                   <a:extLst>
                     <a:ext uri="{9D8B030D-6E8A-4147-A177-3AD203B41FA5}">
-                      <a16:colId xmlns:a16="http://schemas.microsoft.com/office/drawing/2014/main" val="2009972385"/>
+                      <a16:colId xmlns:a16="http://schemas.microsoft.com/office/drawing/2014/main" val="233143744"/>
                     </a:ext>
                   </a:extLst>
                 </a:gridCol>
-                <a:gridCol w="1994979">
+                <a:gridCol w="1625600">
                   <a:extLst>
                     <a:ext uri="{9D8B030D-6E8A-4147-A177-3AD203B41FA5}">
-                      <a16:colId xmlns:a16="http://schemas.microsoft.com/office/drawing/2014/main" val="4008750510"/>
+                      <a16:colId xmlns:a16="http://schemas.microsoft.com/office/drawing/2014/main" val="1004584561"/>
                     </a:ext>
                   </a:extLst>
                 </a:gridCol>
-                <a:gridCol w="1994979">
+                <a:gridCol w="1625600">
                   <a:extLst>
                     <a:ext uri="{9D8B030D-6E8A-4147-A177-3AD203B41FA5}">
-                      <a16:colId xmlns:a16="http://schemas.microsoft.com/office/drawing/2014/main" val="372055650"/>
+                      <a16:colId xmlns:a16="http://schemas.microsoft.com/office/drawing/2014/main" val="2325763620"/>
                     </a:ext>
                   </a:extLst>
                 </a:gridCol>
-                <a:gridCol w="1994979">
+                <a:gridCol w="1625600">
                   <a:extLst>
                     <a:ext uri="{9D8B030D-6E8A-4147-A177-3AD203B41FA5}">
-                      <a16:colId xmlns:a16="http://schemas.microsoft.com/office/drawing/2014/main" val="3072186635"/>
+                      <a16:colId xmlns:a16="http://schemas.microsoft.com/office/drawing/2014/main" val="2566758252"/>
                     </a:ext>
                   </a:extLst>
                 </a:gridCol>
@@ -11409,7 +12042,7 @@
                 </a:tc>
                 <a:extLst>
                   <a:ext uri="{0D108BD9-81ED-4DB2-BD59-A6C34878D82A}">
-                    <a16:rowId xmlns:a16="http://schemas.microsoft.com/office/drawing/2014/main" val="2618630058"/>
+                    <a16:rowId xmlns:a16="http://schemas.microsoft.com/office/drawing/2014/main" val="2383741715"/>
                   </a:ext>
                 </a:extLst>
               </a:tr>
@@ -11420,10 +12053,14 @@
                     <a:lstStyle/>
                     <a:p>
                       <a:r>
-                        <a:rPr lang="ru-RU" dirty="0" smtClean="0"/>
-                        <a:t>Дизайн</a:t>
-                      </a:r>
-                      <a:endParaRPr lang="ru-RU" dirty="0"/>
+                        <a:rPr lang="ru-RU" sz="1200" dirty="0" smtClean="0"/>
+                        <a:t>Удобный</a:t>
+                      </a:r>
+                      <a:r>
+                        <a:rPr lang="ru-RU" sz="1200" baseline="0" dirty="0" smtClean="0"/>
+                        <a:t> пользовательский интерфейс</a:t>
+                      </a:r>
+                      <a:endParaRPr lang="ru-RU" sz="1200" dirty="0"/>
                     </a:p>
                   </a:txBody>
                   <a:tcPr/>
@@ -11433,11 +12070,12 @@
                     <a:bodyPr/>
                     <a:lstStyle/>
                     <a:p>
-                      <a:r>
-                        <a:rPr lang="ru-RU" dirty="0" smtClean="0"/>
-                        <a:t>4</a:t>
-                      </a:r>
-                      <a:endParaRPr lang="ru-RU" dirty="0"/>
+                      <a:pPr algn="ctr"/>
+                      <a:r>
+                        <a:rPr lang="ru-RU" sz="1400" dirty="0" smtClean="0"/>
+                        <a:t>2</a:t>
+                      </a:r>
+                      <a:endParaRPr lang="en-US" sz="1400" dirty="0"/>
                     </a:p>
                   </a:txBody>
                   <a:tcPr/>
@@ -11447,11 +12085,12 @@
                     <a:bodyPr/>
                     <a:lstStyle/>
                     <a:p>
-                      <a:r>
-                        <a:rPr lang="ru-RU" dirty="0" smtClean="0"/>
-                        <a:t>5</a:t>
-                      </a:r>
-                      <a:endParaRPr lang="ru-RU" dirty="0"/>
+                      <a:pPr algn="ctr"/>
+                      <a:r>
+                        <a:rPr lang="ru-RU" sz="1400" dirty="0" smtClean="0"/>
+                        <a:t>2</a:t>
+                      </a:r>
+                      <a:endParaRPr lang="en-US" sz="1400" dirty="0"/>
                     </a:p>
                   </a:txBody>
                   <a:tcPr/>
@@ -11461,11 +12100,12 @@
                     <a:bodyPr/>
                     <a:lstStyle/>
                     <a:p>
-                      <a:r>
-                        <a:rPr lang="ru-RU" dirty="0" smtClean="0"/>
-                        <a:t>5</a:t>
-                      </a:r>
-                      <a:endParaRPr lang="ru-RU" dirty="0"/>
+                      <a:pPr algn="ctr"/>
+                      <a:r>
+                        <a:rPr lang="ru-RU" sz="1400" dirty="0" smtClean="0"/>
+                        <a:t>2</a:t>
+                      </a:r>
+                      <a:endParaRPr lang="en-US" sz="1400" dirty="0"/>
                     </a:p>
                   </a:txBody>
                   <a:tcPr/>
@@ -11475,18 +12115,19 @@
                     <a:bodyPr/>
                     <a:lstStyle/>
                     <a:p>
-                      <a:r>
-                        <a:rPr lang="ru-RU" dirty="0" smtClean="0"/>
-                        <a:t>5</a:t>
-                      </a:r>
-                      <a:endParaRPr lang="ru-RU" dirty="0"/>
+                      <a:pPr algn="ctr"/>
+                      <a:r>
+                        <a:rPr lang="ru-RU" sz="1400" dirty="0" smtClean="0"/>
+                        <a:t>2</a:t>
+                      </a:r>
+                      <a:endParaRPr lang="en-US" sz="1400" dirty="0"/>
                     </a:p>
                   </a:txBody>
                   <a:tcPr/>
                 </a:tc>
                 <a:extLst>
                   <a:ext uri="{0D108BD9-81ED-4DB2-BD59-A6C34878D82A}">
-                    <a16:rowId xmlns:a16="http://schemas.microsoft.com/office/drawing/2014/main" val="3312573397"/>
+                    <a16:rowId xmlns:a16="http://schemas.microsoft.com/office/drawing/2014/main" val="1136372022"/>
                   </a:ext>
                 </a:extLst>
               </a:tr>
@@ -11497,14 +12138,10 @@
                     <a:lstStyle/>
                     <a:p>
                       <a:r>
-                        <a:rPr lang="ru-RU" dirty="0" smtClean="0"/>
-                        <a:t>Удобство</a:t>
-                      </a:r>
-                      <a:r>
-                        <a:rPr lang="ru-RU" baseline="0" dirty="0" smtClean="0"/>
-                        <a:t> использования</a:t>
-                      </a:r>
-                      <a:endParaRPr lang="ru-RU" dirty="0"/>
+                        <a:rPr lang="ru-RU" sz="1200" dirty="0" smtClean="0"/>
+                        <a:t>Интеграция с другими программными компонентами</a:t>
+                      </a:r>
+                      <a:endParaRPr lang="ru-RU" sz="1200" dirty="0"/>
                     </a:p>
                   </a:txBody>
                   <a:tcPr/>
@@ -11514,11 +12151,12 @@
                     <a:bodyPr/>
                     <a:lstStyle/>
                     <a:p>
-                      <a:r>
-                        <a:rPr lang="ru-RU" dirty="0" smtClean="0"/>
-                        <a:t>5</a:t>
-                      </a:r>
-                      <a:endParaRPr lang="ru-RU" dirty="0"/>
+                      <a:pPr algn="ctr"/>
+                      <a:r>
+                        <a:rPr lang="ru-RU" sz="1400" dirty="0" smtClean="0"/>
+                        <a:t>2</a:t>
+                      </a:r>
+                      <a:endParaRPr lang="en-US" sz="1400" dirty="0"/>
                     </a:p>
                   </a:txBody>
                   <a:tcPr/>
@@ -11528,11 +12166,12 @@
                     <a:bodyPr/>
                     <a:lstStyle/>
                     <a:p>
-                      <a:r>
-                        <a:rPr lang="ru-RU" dirty="0" smtClean="0"/>
-                        <a:t>5</a:t>
-                      </a:r>
-                      <a:endParaRPr lang="ru-RU" dirty="0"/>
+                      <a:pPr algn="ctr"/>
+                      <a:r>
+                        <a:rPr lang="ru-RU" sz="1400" dirty="0" smtClean="0"/>
+                        <a:t>2</a:t>
+                      </a:r>
+                      <a:endParaRPr lang="en-US" sz="1400" dirty="0"/>
                     </a:p>
                   </a:txBody>
                   <a:tcPr/>
@@ -11542,11 +12181,12 @@
                     <a:bodyPr/>
                     <a:lstStyle/>
                     <a:p>
-                      <a:r>
-                        <a:rPr lang="ru-RU" dirty="0" smtClean="0"/>
-                        <a:t>5</a:t>
-                      </a:r>
-                      <a:endParaRPr lang="ru-RU" dirty="0"/>
+                      <a:pPr algn="ctr"/>
+                      <a:r>
+                        <a:rPr lang="ru-RU" sz="1400" dirty="0" smtClean="0"/>
+                        <a:t>2</a:t>
+                      </a:r>
+                      <a:endParaRPr lang="en-US" sz="1400" dirty="0"/>
                     </a:p>
                   </a:txBody>
                   <a:tcPr/>
@@ -11556,18 +12196,19 @@
                     <a:bodyPr/>
                     <a:lstStyle/>
                     <a:p>
-                      <a:r>
-                        <a:rPr lang="ru-RU" dirty="0" smtClean="0"/>
-                        <a:t>4</a:t>
-                      </a:r>
-                      <a:endParaRPr lang="ru-RU" dirty="0"/>
+                      <a:pPr algn="ctr"/>
+                      <a:r>
+                        <a:rPr lang="ru-RU" sz="1400" dirty="0" smtClean="0"/>
+                        <a:t>2</a:t>
+                      </a:r>
+                      <a:endParaRPr lang="en-US" sz="1400" dirty="0"/>
                     </a:p>
                   </a:txBody>
                   <a:tcPr/>
                 </a:tc>
                 <a:extLst>
                   <a:ext uri="{0D108BD9-81ED-4DB2-BD59-A6C34878D82A}">
-                    <a16:rowId xmlns:a16="http://schemas.microsoft.com/office/drawing/2014/main" val="1389714424"/>
+                    <a16:rowId xmlns:a16="http://schemas.microsoft.com/office/drawing/2014/main" val="11389910"/>
                   </a:ext>
                 </a:extLst>
               </a:tr>
@@ -11578,62 +12219,10 @@
                     <a:lstStyle/>
                     <a:p>
                       <a:r>
-                        <a:rPr lang="ru-RU" dirty="0" smtClean="0"/>
-                        <a:t>Функциональность</a:t>
-                      </a:r>
-                      <a:r>
-                        <a:rPr lang="ru-RU" baseline="0" dirty="0" smtClean="0"/>
-                        <a:t> </a:t>
-                      </a:r>
-                      <a:r>
-                        <a:rPr lang="en-US" sz="1800" kern="1200" dirty="0" err="1" smtClean="0">
-                          <a:solidFill>
-                            <a:schemeClr val="dk1"/>
-                          </a:solidFill>
-                          <a:effectLst/>
-                          <a:latin typeface="+mn-lt"/>
-                          <a:ea typeface="+mn-ea"/>
-                          <a:cs typeface="+mn-cs"/>
-                        </a:rPr>
-                        <a:t>приложения</a:t>
-                      </a:r>
-                      <a:r>
-                        <a:rPr lang="en-US" sz="1800" kern="1200" dirty="0" smtClean="0">
-                          <a:solidFill>
-                            <a:schemeClr val="dk1"/>
-                          </a:solidFill>
-                          <a:effectLst/>
-                          <a:latin typeface="+mn-lt"/>
-                          <a:ea typeface="+mn-ea"/>
-                          <a:cs typeface="+mn-cs"/>
-                        </a:rPr>
-                        <a:t> </a:t>
-                      </a:r>
-                      <a:r>
-                        <a:rPr lang="en-US" sz="1800" kern="1200" dirty="0" err="1" smtClean="0">
-                          <a:solidFill>
-                            <a:schemeClr val="dk1"/>
-                          </a:solidFill>
-                          <a:effectLst/>
-                          <a:latin typeface="+mn-lt"/>
-                          <a:ea typeface="+mn-ea"/>
-                          <a:cs typeface="+mn-cs"/>
-                        </a:rPr>
-                        <a:t>категории</a:t>
-                      </a:r>
-                      <a:r>
-                        <a:rPr lang="en-US" sz="1800" kern="1200" dirty="0" smtClean="0">
-                          <a:solidFill>
-                            <a:schemeClr val="dk1"/>
-                          </a:solidFill>
-                          <a:effectLst/>
-                          <a:latin typeface="+mn-lt"/>
-                          <a:ea typeface="+mn-ea"/>
-                          <a:cs typeface="+mn-cs"/>
-                        </a:rPr>
-                        <a:t> IT Automation</a:t>
-                      </a:r>
-                      <a:endParaRPr lang="ru-RU" dirty="0"/>
+                        <a:rPr lang="ru-RU" sz="1200" dirty="0" smtClean="0"/>
+                        <a:t>Наличие бесплатной версии</a:t>
+                      </a:r>
+                      <a:endParaRPr lang="ru-RU" sz="1200" dirty="0"/>
                     </a:p>
                   </a:txBody>
                   <a:tcPr/>
@@ -11643,11 +12232,12 @@
                     <a:bodyPr/>
                     <a:lstStyle/>
                     <a:p>
-                      <a:r>
-                        <a:rPr lang="ru-RU" dirty="0" smtClean="0"/>
-                        <a:t>4</a:t>
-                      </a:r>
-                      <a:endParaRPr lang="ru-RU" dirty="0"/>
+                      <a:pPr algn="ctr"/>
+                      <a:r>
+                        <a:rPr lang="ru-RU" sz="1400" dirty="0" smtClean="0"/>
+                        <a:t>1</a:t>
+                      </a:r>
+                      <a:endParaRPr lang="en-US" sz="1400" dirty="0"/>
                     </a:p>
                   </a:txBody>
                   <a:tcPr/>
@@ -11657,11 +12247,12 @@
                     <a:bodyPr/>
                     <a:lstStyle/>
                     <a:p>
-                      <a:r>
-                        <a:rPr lang="ru-RU" dirty="0" smtClean="0"/>
-                        <a:t>4</a:t>
-                      </a:r>
-                      <a:endParaRPr lang="ru-RU" dirty="0"/>
+                      <a:pPr algn="ctr"/>
+                      <a:r>
+                        <a:rPr lang="ru-RU" sz="1400" dirty="0" smtClean="0"/>
+                        <a:t>0</a:t>
+                      </a:r>
+                      <a:endParaRPr lang="en-US" sz="1400" dirty="0"/>
                     </a:p>
                   </a:txBody>
                   <a:tcPr/>
@@ -11671,11 +12262,12 @@
                     <a:bodyPr/>
                     <a:lstStyle/>
                     <a:p>
-                      <a:r>
-                        <a:rPr lang="ru-RU" dirty="0" smtClean="0"/>
-                        <a:t>5</a:t>
-                      </a:r>
-                      <a:endParaRPr lang="ru-RU" dirty="0"/>
+                      <a:pPr algn="ctr"/>
+                      <a:r>
+                        <a:rPr lang="ru-RU" sz="1400" dirty="0" smtClean="0"/>
+                        <a:t>0</a:t>
+                      </a:r>
+                      <a:endParaRPr lang="en-US" sz="1400" dirty="0"/>
                     </a:p>
                   </a:txBody>
                   <a:tcPr/>
@@ -11685,18 +12277,19 @@
                     <a:bodyPr/>
                     <a:lstStyle/>
                     <a:p>
-                      <a:r>
-                        <a:rPr lang="ru-RU" dirty="0" smtClean="0"/>
-                        <a:t>4</a:t>
-                      </a:r>
-                      <a:endParaRPr lang="ru-RU" dirty="0"/>
+                      <a:pPr algn="ctr"/>
+                      <a:r>
+                        <a:rPr lang="ru-RU" sz="1400" dirty="0" smtClean="0"/>
+                        <a:t>1</a:t>
+                      </a:r>
+                      <a:endParaRPr lang="en-US" sz="1400" dirty="0"/>
                     </a:p>
                   </a:txBody>
                   <a:tcPr/>
                 </a:tc>
                 <a:extLst>
                   <a:ext uri="{0D108BD9-81ED-4DB2-BD59-A6C34878D82A}">
-                    <a16:rowId xmlns:a16="http://schemas.microsoft.com/office/drawing/2014/main" val="1719400545"/>
+                    <a16:rowId xmlns:a16="http://schemas.microsoft.com/office/drawing/2014/main" val="1640049375"/>
                   </a:ext>
                 </a:extLst>
               </a:tr>
@@ -11707,18 +12300,10 @@
                     <a:lstStyle/>
                     <a:p>
                       <a:r>
-                        <a:rPr lang="ru-RU" dirty="0" smtClean="0"/>
-                        <a:t>Динамичность работы</a:t>
-                      </a:r>
-                      <a:r>
-                        <a:rPr lang="en-US" dirty="0" smtClean="0"/>
-                        <a:t> </a:t>
-                      </a:r>
-                      <a:r>
-                        <a:rPr lang="ru-RU" dirty="0" smtClean="0"/>
-                        <a:t>компонентов</a:t>
-                      </a:r>
-                      <a:endParaRPr lang="ru-RU" dirty="0"/>
+                        <a:rPr lang="ru-RU" sz="1200" dirty="0" smtClean="0"/>
+                        <a:t>Автоматизация бизнес-процессов</a:t>
+                      </a:r>
+                      <a:endParaRPr lang="ru-RU" sz="1200" dirty="0"/>
                     </a:p>
                   </a:txBody>
                   <a:tcPr/>
@@ -11728,11 +12313,12 @@
                     <a:bodyPr/>
                     <a:lstStyle/>
                     <a:p>
-                      <a:r>
-                        <a:rPr lang="ru-RU" dirty="0" smtClean="0"/>
-                        <a:t>5</a:t>
-                      </a:r>
-                      <a:endParaRPr lang="ru-RU" dirty="0"/>
+                      <a:pPr algn="ctr"/>
+                      <a:r>
+                        <a:rPr lang="ru-RU" sz="1400" dirty="0" smtClean="0"/>
+                        <a:t>2</a:t>
+                      </a:r>
+                      <a:endParaRPr lang="en-US" sz="1400" dirty="0"/>
                     </a:p>
                   </a:txBody>
                   <a:tcPr/>
@@ -11742,11 +12328,12 @@
                     <a:bodyPr/>
                     <a:lstStyle/>
                     <a:p>
-                      <a:r>
-                        <a:rPr lang="ru-RU" dirty="0" smtClean="0"/>
-                        <a:t>5</a:t>
-                      </a:r>
-                      <a:endParaRPr lang="ru-RU" dirty="0"/>
+                      <a:pPr algn="ctr"/>
+                      <a:r>
+                        <a:rPr lang="ru-RU" sz="1400" dirty="0" smtClean="0"/>
+                        <a:t>1</a:t>
+                      </a:r>
+                      <a:endParaRPr lang="en-US" sz="1400" dirty="0"/>
                     </a:p>
                   </a:txBody>
                   <a:tcPr/>
@@ -11756,11 +12343,12 @@
                     <a:bodyPr/>
                     <a:lstStyle/>
                     <a:p>
-                      <a:r>
-                        <a:rPr lang="ru-RU" dirty="0" smtClean="0"/>
-                        <a:t>5</a:t>
-                      </a:r>
-                      <a:endParaRPr lang="ru-RU" dirty="0"/>
+                      <a:pPr algn="ctr"/>
+                      <a:r>
+                        <a:rPr lang="ru-RU" sz="1400" dirty="0" smtClean="0"/>
+                        <a:t>2</a:t>
+                      </a:r>
+                      <a:endParaRPr lang="en-US" sz="1400" dirty="0"/>
                     </a:p>
                   </a:txBody>
                   <a:tcPr/>
@@ -11770,18 +12358,19 @@
                     <a:bodyPr/>
                     <a:lstStyle/>
                     <a:p>
-                      <a:r>
-                        <a:rPr lang="ru-RU" dirty="0" smtClean="0"/>
-                        <a:t>5</a:t>
-                      </a:r>
-                      <a:endParaRPr lang="ru-RU" dirty="0"/>
+                      <a:pPr algn="ctr"/>
+                      <a:r>
+                        <a:rPr lang="ru-RU" sz="1400" dirty="0" smtClean="0"/>
+                        <a:t>1</a:t>
+                      </a:r>
+                      <a:endParaRPr lang="en-US" sz="1400" dirty="0"/>
                     </a:p>
                   </a:txBody>
                   <a:tcPr/>
                 </a:tc>
                 <a:extLst>
                   <a:ext uri="{0D108BD9-81ED-4DB2-BD59-A6C34878D82A}">
-                    <a16:rowId xmlns:a16="http://schemas.microsoft.com/office/drawing/2014/main" val="1354237502"/>
+                    <a16:rowId xmlns:a16="http://schemas.microsoft.com/office/drawing/2014/main" val="2163517395"/>
                   </a:ext>
                 </a:extLst>
               </a:tr>
@@ -11792,23 +12381,20 @@
                     <a:lstStyle/>
                     <a:p>
                       <a:r>
-                        <a:rPr lang="ru-RU" dirty="0" smtClean="0"/>
-                        <a:t>Интеграция</a:t>
+                        <a:rPr lang="ru-RU" sz="1200" dirty="0" smtClean="0"/>
+                        <a:t>Наличие </a:t>
+                      </a:r>
+                      <a:r>
+                        <a:rPr lang="en-US" sz="1200" dirty="0" smtClean="0"/>
+                        <a:t>Workflow</a:t>
+                      </a:r>
+                      <a:r>
+                        <a:rPr lang="ru-RU" sz="1200" dirty="0" smtClean="0"/>
+                        <a:t>-механизмов</a:t>
                       </a:r>
                     </a:p>
                     <a:p>
-                      <a:endParaRPr lang="ru-RU" dirty="0" smtClean="0"/>
-                    </a:p>
-                    <a:p>
-                      <a:r>
-                        <a:rPr lang="ru-RU" dirty="0" smtClean="0"/>
-                        <a:t>Модель</a:t>
-                      </a:r>
-                      <a:r>
-                        <a:rPr lang="ru-RU" baseline="0" dirty="0" smtClean="0"/>
-                        <a:t> распространения</a:t>
-                      </a:r>
-                      <a:endParaRPr lang="ru-RU" dirty="0"/>
+                      <a:endParaRPr lang="ru-RU" sz="1200" dirty="0" smtClean="0"/>
                     </a:p>
                   </a:txBody>
                   <a:tcPr/>
@@ -11818,23 +12404,12 @@
                     <a:bodyPr/>
                     <a:lstStyle/>
                     <a:p>
-                      <a:r>
-                        <a:rPr lang="ru-RU" dirty="0" smtClean="0"/>
-                        <a:t>3</a:t>
-                      </a:r>
-                    </a:p>
-                    <a:p>
-                      <a:endParaRPr lang="ru-RU" dirty="0" smtClean="0"/>
-                    </a:p>
-                    <a:p>
-                      <a:endParaRPr lang="ru-RU" dirty="0" smtClean="0"/>
-                    </a:p>
-                    <a:p>
-                      <a:r>
-                        <a:rPr lang="ru-RU" dirty="0" smtClean="0"/>
-                        <a:t>5</a:t>
-                      </a:r>
-                      <a:endParaRPr lang="ru-RU" dirty="0"/>
+                      <a:pPr algn="ctr"/>
+                      <a:r>
+                        <a:rPr lang="ru-RU" sz="1400" dirty="0" smtClean="0"/>
+                        <a:t>2</a:t>
+                      </a:r>
+                      <a:endParaRPr lang="en-US" sz="1400" dirty="0"/>
                     </a:p>
                   </a:txBody>
                   <a:tcPr/>
@@ -11844,23 +12419,12 @@
                     <a:bodyPr/>
                     <a:lstStyle/>
                     <a:p>
-                      <a:r>
-                        <a:rPr lang="ru-RU" dirty="0" smtClean="0"/>
-                        <a:t>4</a:t>
-                      </a:r>
-                    </a:p>
-                    <a:p>
-                      <a:endParaRPr lang="ru-RU" dirty="0" smtClean="0"/>
-                    </a:p>
-                    <a:p>
-                      <a:endParaRPr lang="ru-RU" dirty="0" smtClean="0"/>
-                    </a:p>
-                    <a:p>
-                      <a:r>
-                        <a:rPr lang="ru-RU" dirty="0" smtClean="0"/>
-                        <a:t>3</a:t>
-                      </a:r>
-                      <a:endParaRPr lang="ru-RU" dirty="0"/>
+                      <a:pPr algn="ctr"/>
+                      <a:r>
+                        <a:rPr lang="ru-RU" sz="1400" dirty="0" smtClean="0"/>
+                        <a:t>2</a:t>
+                      </a:r>
+                      <a:endParaRPr lang="en-US" sz="1400" dirty="0"/>
                     </a:p>
                   </a:txBody>
                   <a:tcPr/>
@@ -11870,23 +12434,12 @@
                     <a:bodyPr/>
                     <a:lstStyle/>
                     <a:p>
-                      <a:r>
-                        <a:rPr lang="ru-RU" dirty="0" smtClean="0"/>
-                        <a:t>5</a:t>
-                      </a:r>
-                    </a:p>
-                    <a:p>
-                      <a:endParaRPr lang="ru-RU" dirty="0" smtClean="0"/>
-                    </a:p>
-                    <a:p>
-                      <a:endParaRPr lang="ru-RU" dirty="0" smtClean="0"/>
-                    </a:p>
-                    <a:p>
-                      <a:r>
-                        <a:rPr lang="ru-RU" dirty="0" smtClean="0"/>
-                        <a:t>4</a:t>
-                      </a:r>
-                      <a:endParaRPr lang="ru-RU" dirty="0"/>
+                      <a:pPr algn="ctr"/>
+                      <a:r>
+                        <a:rPr lang="ru-RU" sz="1400" dirty="0" smtClean="0"/>
+                        <a:t>2</a:t>
+                      </a:r>
+                      <a:endParaRPr lang="en-US" sz="1400" dirty="0"/>
                     </a:p>
                   </a:txBody>
                   <a:tcPr/>
@@ -11896,30 +12449,19 @@
                     <a:bodyPr/>
                     <a:lstStyle/>
                     <a:p>
-                      <a:r>
-                        <a:rPr lang="ru-RU" dirty="0" smtClean="0"/>
-                        <a:t>5</a:t>
-                      </a:r>
-                    </a:p>
-                    <a:p>
-                      <a:endParaRPr lang="ru-RU" dirty="0" smtClean="0"/>
-                    </a:p>
-                    <a:p>
-                      <a:endParaRPr lang="ru-RU" dirty="0" smtClean="0"/>
-                    </a:p>
-                    <a:p>
-                      <a:r>
-                        <a:rPr lang="ru-RU" dirty="0" smtClean="0"/>
-                        <a:t>4</a:t>
-                      </a:r>
-                      <a:endParaRPr lang="ru-RU" dirty="0"/>
+                      <a:pPr algn="ctr"/>
+                      <a:r>
+                        <a:rPr lang="ru-RU" sz="1400" dirty="0" smtClean="0"/>
+                        <a:t>0</a:t>
+                      </a:r>
+                      <a:endParaRPr lang="en-US" sz="1400" dirty="0"/>
                     </a:p>
                   </a:txBody>
                   <a:tcPr/>
                 </a:tc>
                 <a:extLst>
                   <a:ext uri="{0D108BD9-81ED-4DB2-BD59-A6C34878D82A}">
-                    <a16:rowId xmlns:a16="http://schemas.microsoft.com/office/drawing/2014/main" val="3623647975"/>
+                    <a16:rowId xmlns:a16="http://schemas.microsoft.com/office/drawing/2014/main" val="3369724343"/>
                   </a:ext>
                 </a:extLst>
               </a:tr>
@@ -11930,10 +12472,10 @@
                     <a:lstStyle/>
                     <a:p>
                       <a:r>
-                        <a:rPr lang="ru-RU" dirty="0" smtClean="0"/>
-                        <a:t>Средняя оценка</a:t>
-                      </a:r>
-                      <a:endParaRPr lang="ru-RU" dirty="0"/>
+                        <a:rPr lang="ru-RU" sz="1200" dirty="0" smtClean="0"/>
+                        <a:t>Наличие трекинга задач</a:t>
+                      </a:r>
+                      <a:endParaRPr lang="en-US" sz="1200" dirty="0"/>
                     </a:p>
                   </a:txBody>
                   <a:tcPr/>
@@ -11943,11 +12485,12 @@
                     <a:bodyPr/>
                     <a:lstStyle/>
                     <a:p>
-                      <a:r>
-                        <a:rPr lang="ru-RU" dirty="0" smtClean="0"/>
-                        <a:t>4,3</a:t>
-                      </a:r>
-                      <a:endParaRPr lang="ru-RU" dirty="0"/>
+                      <a:pPr algn="ctr"/>
+                      <a:r>
+                        <a:rPr lang="ru-RU" sz="1400" dirty="0" smtClean="0"/>
+                        <a:t>0</a:t>
+                      </a:r>
+                      <a:endParaRPr lang="en-US" sz="1400" dirty="0"/>
                     </a:p>
                   </a:txBody>
                   <a:tcPr/>
@@ -11957,11 +12500,12 @@
                     <a:bodyPr/>
                     <a:lstStyle/>
                     <a:p>
-                      <a:r>
-                        <a:rPr lang="ru-RU" dirty="0" smtClean="0"/>
-                        <a:t>4,3</a:t>
-                      </a:r>
-                      <a:endParaRPr lang="ru-RU" dirty="0"/>
+                      <a:pPr algn="ctr"/>
+                      <a:r>
+                        <a:rPr lang="ru-RU" sz="1400" dirty="0" smtClean="0"/>
+                        <a:t>2</a:t>
+                      </a:r>
+                      <a:endParaRPr lang="en-US" sz="1400" dirty="0"/>
                     </a:p>
                   </a:txBody>
                   <a:tcPr/>
@@ -11971,11 +12515,12 @@
                     <a:bodyPr/>
                     <a:lstStyle/>
                     <a:p>
-                      <a:r>
-                        <a:rPr lang="ru-RU" dirty="0" smtClean="0"/>
-                        <a:t>4,8</a:t>
-                      </a:r>
-                      <a:endParaRPr lang="ru-RU" dirty="0"/>
+                      <a:pPr algn="ctr"/>
+                      <a:r>
+                        <a:rPr lang="ru-RU" sz="1400" dirty="0" smtClean="0"/>
+                        <a:t>1</a:t>
+                      </a:r>
+                      <a:endParaRPr lang="en-US" sz="1400" dirty="0"/>
                     </a:p>
                   </a:txBody>
                   <a:tcPr/>
@@ -11985,18 +12530,432 @@
                     <a:bodyPr/>
                     <a:lstStyle/>
                     <a:p>
-                      <a:r>
-                        <a:rPr lang="ru-RU" dirty="0" smtClean="0"/>
-                        <a:t>4,5</a:t>
-                      </a:r>
-                      <a:endParaRPr lang="ru-RU" dirty="0"/>
+                      <a:pPr algn="ctr"/>
+                      <a:r>
+                        <a:rPr lang="ru-RU" sz="1400" dirty="0" smtClean="0"/>
+                        <a:t>0</a:t>
+                      </a:r>
+                      <a:endParaRPr lang="en-US" sz="1400" dirty="0"/>
                     </a:p>
                   </a:txBody>
                   <a:tcPr/>
                 </a:tc>
                 <a:extLst>
                   <a:ext uri="{0D108BD9-81ED-4DB2-BD59-A6C34878D82A}">
-                    <a16:rowId xmlns:a16="http://schemas.microsoft.com/office/drawing/2014/main" val="3334605254"/>
+                    <a16:rowId xmlns:a16="http://schemas.microsoft.com/office/drawing/2014/main" val="2194508157"/>
+                  </a:ext>
+                </a:extLst>
+              </a:tr>
+              <a:tr h="370840">
+                <a:tc>
+                  <a:txBody>
+                    <a:bodyPr/>
+                    <a:lstStyle/>
+                    <a:p>
+                      <a:r>
+                        <a:rPr lang="ru-RU" sz="1200" dirty="0" smtClean="0"/>
+                        <a:t>Наличие</a:t>
+                      </a:r>
+                      <a:r>
+                        <a:rPr lang="ru-RU" sz="1200" baseline="0" dirty="0" smtClean="0"/>
+                        <a:t> планировщика мероприятий</a:t>
+                      </a:r>
+                      <a:endParaRPr lang="ru-RU" sz="1200" dirty="0"/>
+                    </a:p>
+                  </a:txBody>
+                  <a:tcPr/>
+                </a:tc>
+                <a:tc>
+                  <a:txBody>
+                    <a:bodyPr/>
+                    <a:lstStyle/>
+                    <a:p>
+                      <a:pPr algn="ctr"/>
+                      <a:r>
+                        <a:rPr lang="ru-RU" sz="1400" dirty="0" smtClean="0"/>
+                        <a:t>0</a:t>
+                      </a:r>
+                      <a:endParaRPr lang="en-US" sz="1400" dirty="0"/>
+                    </a:p>
+                  </a:txBody>
+                  <a:tcPr/>
+                </a:tc>
+                <a:tc>
+                  <a:txBody>
+                    <a:bodyPr/>
+                    <a:lstStyle/>
+                    <a:p>
+                      <a:pPr algn="ctr"/>
+                      <a:r>
+                        <a:rPr lang="ru-RU" sz="1400" dirty="0" smtClean="0"/>
+                        <a:t>0</a:t>
+                      </a:r>
+                      <a:endParaRPr lang="en-US" sz="1400" dirty="0"/>
+                    </a:p>
+                  </a:txBody>
+                  <a:tcPr/>
+                </a:tc>
+                <a:tc>
+                  <a:txBody>
+                    <a:bodyPr/>
+                    <a:lstStyle/>
+                    <a:p>
+                      <a:pPr algn="ctr"/>
+                      <a:r>
+                        <a:rPr lang="ru-RU" sz="1400" dirty="0" smtClean="0"/>
+                        <a:t>0</a:t>
+                      </a:r>
+                      <a:endParaRPr lang="en-US" sz="1400" dirty="0"/>
+                    </a:p>
+                  </a:txBody>
+                  <a:tcPr/>
+                </a:tc>
+                <a:tc>
+                  <a:txBody>
+                    <a:bodyPr/>
+                    <a:lstStyle/>
+                    <a:p>
+                      <a:pPr algn="ctr"/>
+                      <a:r>
+                        <a:rPr lang="ru-RU" sz="1400" dirty="0" smtClean="0"/>
+                        <a:t>0</a:t>
+                      </a:r>
+                      <a:endParaRPr lang="en-US" sz="1400" dirty="0"/>
+                    </a:p>
+                  </a:txBody>
+                  <a:tcPr/>
+                </a:tc>
+                <a:extLst>
+                  <a:ext uri="{0D108BD9-81ED-4DB2-BD59-A6C34878D82A}">
+                    <a16:rowId xmlns:a16="http://schemas.microsoft.com/office/drawing/2014/main" val="2297040899"/>
+                  </a:ext>
+                </a:extLst>
+              </a:tr>
+              <a:tr h="370840">
+                <a:tc>
+                  <a:txBody>
+                    <a:bodyPr/>
+                    <a:lstStyle/>
+                    <a:p>
+                      <a:r>
+                        <a:rPr lang="ru-RU" sz="1200" dirty="0" smtClean="0"/>
+                        <a:t>Наличие авто мониторинга</a:t>
+                      </a:r>
+                      <a:endParaRPr lang="en-US" sz="1200" dirty="0"/>
+                    </a:p>
+                  </a:txBody>
+                  <a:tcPr/>
+                </a:tc>
+                <a:tc>
+                  <a:txBody>
+                    <a:bodyPr/>
+                    <a:lstStyle/>
+                    <a:p>
+                      <a:pPr algn="ctr"/>
+                      <a:r>
+                        <a:rPr lang="ru-RU" sz="1400" dirty="0" smtClean="0"/>
+                        <a:t>1</a:t>
+                      </a:r>
+                      <a:endParaRPr lang="en-US" sz="1400" dirty="0"/>
+                    </a:p>
+                  </a:txBody>
+                  <a:tcPr/>
+                </a:tc>
+                <a:tc>
+                  <a:txBody>
+                    <a:bodyPr/>
+                    <a:lstStyle/>
+                    <a:p>
+                      <a:pPr algn="ctr"/>
+                      <a:r>
+                        <a:rPr lang="ru-RU" sz="1400" dirty="0" smtClean="0"/>
+                        <a:t>0</a:t>
+                      </a:r>
+                      <a:endParaRPr lang="en-US" sz="1400" dirty="0"/>
+                    </a:p>
+                  </a:txBody>
+                  <a:tcPr/>
+                </a:tc>
+                <a:tc>
+                  <a:txBody>
+                    <a:bodyPr/>
+                    <a:lstStyle/>
+                    <a:p>
+                      <a:pPr algn="ctr"/>
+                      <a:r>
+                        <a:rPr lang="ru-RU" sz="1400" dirty="0" smtClean="0"/>
+                        <a:t>1</a:t>
+                      </a:r>
+                      <a:endParaRPr lang="en-US" sz="1400" dirty="0"/>
+                    </a:p>
+                  </a:txBody>
+                  <a:tcPr/>
+                </a:tc>
+                <a:tc>
+                  <a:txBody>
+                    <a:bodyPr/>
+                    <a:lstStyle/>
+                    <a:p>
+                      <a:pPr algn="ctr"/>
+                      <a:r>
+                        <a:rPr lang="ru-RU" sz="1400" dirty="0" smtClean="0"/>
+                        <a:t>2</a:t>
+                      </a:r>
+                      <a:endParaRPr lang="en-US" sz="1400" dirty="0"/>
+                    </a:p>
+                  </a:txBody>
+                  <a:tcPr/>
+                </a:tc>
+                <a:extLst>
+                  <a:ext uri="{0D108BD9-81ED-4DB2-BD59-A6C34878D82A}">
+                    <a16:rowId xmlns:a16="http://schemas.microsoft.com/office/drawing/2014/main" val="1192637337"/>
+                  </a:ext>
+                </a:extLst>
+              </a:tr>
+              <a:tr h="370840">
+                <a:tc>
+                  <a:txBody>
+                    <a:bodyPr/>
+                    <a:lstStyle/>
+                    <a:p>
+                      <a:r>
+                        <a:rPr lang="ru-RU" sz="1200" dirty="0" smtClean="0"/>
+                        <a:t>Наличие</a:t>
+                      </a:r>
+                      <a:r>
+                        <a:rPr lang="ru-RU" sz="1200" baseline="0" dirty="0" smtClean="0"/>
+                        <a:t> системы генерации отчетов</a:t>
+                      </a:r>
+                      <a:endParaRPr lang="en-US" sz="1200" dirty="0"/>
+                    </a:p>
+                  </a:txBody>
+                  <a:tcPr/>
+                </a:tc>
+                <a:tc>
+                  <a:txBody>
+                    <a:bodyPr/>
+                    <a:lstStyle/>
+                    <a:p>
+                      <a:pPr algn="ctr"/>
+                      <a:r>
+                        <a:rPr lang="ru-RU" sz="1400" dirty="0" smtClean="0"/>
+                        <a:t>1</a:t>
+                      </a:r>
+                      <a:endParaRPr lang="en-US" sz="1400" dirty="0"/>
+                    </a:p>
+                  </a:txBody>
+                  <a:tcPr/>
+                </a:tc>
+                <a:tc>
+                  <a:txBody>
+                    <a:bodyPr/>
+                    <a:lstStyle/>
+                    <a:p>
+                      <a:pPr algn="ctr"/>
+                      <a:r>
+                        <a:rPr lang="ru-RU" sz="1400" dirty="0" smtClean="0"/>
+                        <a:t>0</a:t>
+                      </a:r>
+                      <a:endParaRPr lang="en-US" sz="1400" dirty="0"/>
+                    </a:p>
+                  </a:txBody>
+                  <a:tcPr/>
+                </a:tc>
+                <a:tc>
+                  <a:txBody>
+                    <a:bodyPr/>
+                    <a:lstStyle/>
+                    <a:p>
+                      <a:pPr algn="ctr"/>
+                      <a:r>
+                        <a:rPr lang="ru-RU" sz="1400" dirty="0" smtClean="0"/>
+                        <a:t>2</a:t>
+                      </a:r>
+                      <a:endParaRPr lang="en-US" sz="1400" dirty="0"/>
+                    </a:p>
+                  </a:txBody>
+                  <a:tcPr/>
+                </a:tc>
+                <a:tc>
+                  <a:txBody>
+                    <a:bodyPr/>
+                    <a:lstStyle/>
+                    <a:p>
+                      <a:pPr algn="ctr"/>
+                      <a:r>
+                        <a:rPr lang="ru-RU" sz="1400" dirty="0" smtClean="0"/>
+                        <a:t>0</a:t>
+                      </a:r>
+                      <a:endParaRPr lang="en-US" sz="1400" dirty="0"/>
+                    </a:p>
+                  </a:txBody>
+                  <a:tcPr/>
+                </a:tc>
+                <a:extLst>
+                  <a:ext uri="{0D108BD9-81ED-4DB2-BD59-A6C34878D82A}">
+                    <a16:rowId xmlns:a16="http://schemas.microsoft.com/office/drawing/2014/main" val="22626818"/>
+                  </a:ext>
+                </a:extLst>
+              </a:tr>
+              <a:tr h="370840">
+                <a:tc>
+                  <a:txBody>
+                    <a:bodyPr/>
+                    <a:lstStyle/>
+                    <a:p>
+                      <a:r>
+                        <a:rPr lang="ru-RU" sz="1200" dirty="0" smtClean="0"/>
+                        <a:t>Использование ИИ</a:t>
+                      </a:r>
+                      <a:endParaRPr lang="en-US" sz="1200" dirty="0"/>
+                    </a:p>
+                  </a:txBody>
+                  <a:tcPr/>
+                </a:tc>
+                <a:tc>
+                  <a:txBody>
+                    <a:bodyPr/>
+                    <a:lstStyle/>
+                    <a:p>
+                      <a:pPr algn="ctr"/>
+                      <a:r>
+                        <a:rPr lang="ru-RU" sz="1400" dirty="0" smtClean="0"/>
+                        <a:t>0</a:t>
+                      </a:r>
+                      <a:endParaRPr lang="en-US" sz="1400" dirty="0"/>
+                    </a:p>
+                  </a:txBody>
+                  <a:tcPr/>
+                </a:tc>
+                <a:tc>
+                  <a:txBody>
+                    <a:bodyPr/>
+                    <a:lstStyle/>
+                    <a:p>
+                      <a:pPr algn="ctr"/>
+                      <a:r>
+                        <a:rPr lang="ru-RU" sz="1400" dirty="0" smtClean="0"/>
+                        <a:t>1</a:t>
+                      </a:r>
+                      <a:endParaRPr lang="en-US" sz="1400" dirty="0"/>
+                    </a:p>
+                  </a:txBody>
+                  <a:tcPr/>
+                </a:tc>
+                <a:tc>
+                  <a:txBody>
+                    <a:bodyPr/>
+                    <a:lstStyle/>
+                    <a:p>
+                      <a:pPr algn="ctr"/>
+                      <a:r>
+                        <a:rPr lang="ru-RU" sz="1400" dirty="0" smtClean="0"/>
+                        <a:t>2</a:t>
+                      </a:r>
+                      <a:endParaRPr lang="en-US" sz="1400" dirty="0"/>
+                    </a:p>
+                  </a:txBody>
+                  <a:tcPr/>
+                </a:tc>
+                <a:tc>
+                  <a:txBody>
+                    <a:bodyPr/>
+                    <a:lstStyle/>
+                    <a:p>
+                      <a:pPr algn="ctr"/>
+                      <a:r>
+                        <a:rPr lang="ru-RU" sz="1400" dirty="0" smtClean="0"/>
+                        <a:t>1</a:t>
+                      </a:r>
+                      <a:endParaRPr lang="en-US" sz="1400" dirty="0"/>
+                    </a:p>
+                  </a:txBody>
+                  <a:tcPr/>
+                </a:tc>
+                <a:extLst>
+                  <a:ext uri="{0D108BD9-81ED-4DB2-BD59-A6C34878D82A}">
+                    <a16:rowId xmlns:a16="http://schemas.microsoft.com/office/drawing/2014/main" val="50365347"/>
+                  </a:ext>
+                </a:extLst>
+              </a:tr>
+              <a:tr h="370840">
+                <a:tc>
+                  <a:txBody>
+                    <a:bodyPr/>
+                    <a:lstStyle/>
+                    <a:p>
+                      <a:r>
+                        <a:rPr lang="ru-RU" sz="1400" dirty="0" smtClean="0"/>
+                        <a:t>Средняя оценка</a:t>
+                      </a:r>
+                      <a:endParaRPr lang="en-US" sz="1400" dirty="0"/>
+                    </a:p>
+                  </a:txBody>
+                  <a:tcPr/>
+                </a:tc>
+                <a:tc>
+                  <a:txBody>
+                    <a:bodyPr/>
+                    <a:lstStyle/>
+                    <a:p>
+                      <a:pPr algn="ctr"/>
+                      <a:r>
+                        <a:rPr lang="ru-RU" sz="1400" dirty="0" smtClean="0"/>
+                        <a:t>1.3</a:t>
+                      </a:r>
+                      <a:endParaRPr lang="en-US" sz="1400" dirty="0"/>
+                    </a:p>
+                  </a:txBody>
+                  <a:tcPr/>
+                </a:tc>
+                <a:tc>
+                  <a:txBody>
+                    <a:bodyPr/>
+                    <a:lstStyle/>
+                    <a:p>
+                      <a:pPr algn="ctr"/>
+                      <a:r>
+                        <a:rPr lang="ru-RU" sz="1400" dirty="0" smtClean="0"/>
+                        <a:t>1.3</a:t>
+                      </a:r>
+                      <a:endParaRPr lang="en-US" sz="1400" dirty="0"/>
+                    </a:p>
+                  </a:txBody>
+                  <a:tcPr/>
+                </a:tc>
+                <a:tc>
+                  <a:txBody>
+                    <a:bodyPr/>
+                    <a:lstStyle/>
+                    <a:p>
+                      <a:pPr algn="ctr"/>
+                      <a:r>
+                        <a:rPr lang="ru-RU" sz="1400" dirty="0" smtClean="0"/>
+                        <a:t>1.4</a:t>
+                      </a:r>
+                      <a:endParaRPr lang="en-US" sz="1400" dirty="0"/>
+                    </a:p>
+                  </a:txBody>
+                  <a:tcPr/>
+                </a:tc>
+                <a:tc>
+                  <a:txBody>
+                    <a:bodyPr/>
+                    <a:lstStyle/>
+                    <a:p>
+                      <a:pPr algn="ctr"/>
+                      <a:r>
+                        <a:rPr lang="ru-RU" sz="1400" dirty="0" smtClean="0"/>
+                        <a:t>0.9</a:t>
+                      </a:r>
+                      <a:endParaRPr lang="en-US" sz="1400" dirty="0"/>
+                    </a:p>
+                  </a:txBody>
+                  <a:tcPr/>
+                </a:tc>
+                <a:extLst>
+                  <a:ext uri="{0D108BD9-81ED-4DB2-BD59-A6C34878D82A}">
+                    <a16:rowId xmlns:a16="http://schemas.microsoft.com/office/drawing/2014/main" val="1366104111"/>
                   </a:ext>
                 </a:extLst>
               </a:tr>
@@ -12004,6 +12963,30 @@
           </a:graphicData>
         </a:graphic>
       </p:graphicFrame>
+      <p:sp>
+        <p:nvSpPr>
+          <p:cNvPr id="5" name="Объект 4"/>
+          <p:cNvSpPr>
+            <a:spLocks noGrp="1"/>
+          </p:cNvSpPr>
+          <p:nvPr>
+            <p:ph idx="1"/>
+          </p:nvPr>
+        </p:nvSpPr>
+        <p:spPr>
+          <a:xfrm flipV="1">
+            <a:off x="10093234" y="7339179"/>
+            <a:ext cx="6278253" cy="1630889"/>
+          </a:xfrm>
+        </p:spPr>
+        <p:txBody>
+          <a:bodyPr/>
+          <a:lstStyle/>
+          <a:p>
+            <a:endParaRPr lang="en-US" dirty="0"/>
+          </a:p>
+        </p:txBody>
+      </p:sp>
     </p:spTree>
     <p:extLst>
       <p:ext uri="{BB962C8B-B14F-4D97-AF65-F5344CB8AC3E}">
@@ -12024,7 +13007,7 @@
 </p:sld>
 </file>
 
-<file path=ppt/slides/slide8.xml><?xml version="1.0" encoding="utf-8"?>
+<file path=ppt/slides/slide7.xml><?xml version="1.0" encoding="utf-8"?>
 <p:sld xmlns:a="http://schemas.openxmlformats.org/drawingml/2006/main" xmlns:r="http://schemas.openxmlformats.org/officeDocument/2006/relationships" xmlns:p="http://schemas.openxmlformats.org/presentationml/2006/main">
   <p:cSld>
     <p:spTree>
@@ -12091,42 +13074,35 @@
               <a:rPr lang="ru-RU" dirty="0"/>
               <a:t>Система по умолчанию не включает в себя явное разделение пользователей по ролям, то есть все пользователи после регистрации получают статус обычного пользователя, по умолчанию.</a:t>
             </a:r>
+            <a:endParaRPr lang="en-US" dirty="0"/>
           </a:p>
           <a:p>
             <a:r>
               <a:rPr lang="ru-RU" dirty="0"/>
               <a:t>Регистрация не требует подтверждения отдельными ответственными лицами (все делается автоматически).</a:t>
             </a:r>
-          </a:p>
-          <a:p>
-            <a:r>
-              <a:rPr lang="ru-RU" dirty="0" err="1"/>
-              <a:t>Модерация</a:t>
-            </a:r>
+            <a:endParaRPr lang="en-US" dirty="0"/>
+          </a:p>
+          <a:p>
             <a:r>
               <a:rPr lang="ru-RU" dirty="0"/>
-              <a:t> в календаре тоже никакая не планируется проводиться, поэтому отдельно роль модератора в рамках системы не выделяется.</a:t>
-            </a:r>
+              <a:t>Деятельность по модерации в системе тоже никакая не планируется проводиться, поэтому отдельно роль модератора не выделяется.</a:t>
+            </a:r>
+            <a:endParaRPr lang="en-US" dirty="0"/>
           </a:p>
           <a:p>
             <a:r>
               <a:rPr lang="ru-RU" dirty="0"/>
-              <a:t>Но при этом в системе можно получить роль системного администратора (при выполнении некоторых условий) и выполнять обработку </a:t>
-            </a:r>
-            <a:r>
-              <a:rPr lang="ru-RU" dirty="0" err="1"/>
-              <a:t>тикетов</a:t>
-            </a:r>
+              <a:t>Но при этом в системе можно получить роль системного администратора (при выполнении некоторых условий) и выполнять обработку тикетов пользователей системы и сообщений о проблемах в стабильности работы программного компонента.</a:t>
+            </a:r>
+            <a:endParaRPr lang="en-US" dirty="0"/>
+          </a:p>
+          <a:p>
             <a:r>
               <a:rPr lang="ru-RU" dirty="0"/>
-              <a:t> пользователей системы и сообщений о проблемах в стабильности работы программного компонента.</a:t>
-            </a:r>
-          </a:p>
-          <a:p>
-            <a:r>
-              <a:rPr lang="ru-RU" dirty="0"/>
-              <a:t>Также стоит отметить, что пользователи могут создавать группы (в рамках собственных иерархических проектов или внутренних групп) – в данных группах должен быть назначен свой собственный менеджер</a:t>
-            </a:r>
+              <a:t>Эти условия заключаются в следующем: пользователь должен быть зарегистрирован в системе хотя бы 2 недели назад и знать пароль системного администратора.</a:t>
+            </a:r>
+            <a:endParaRPr lang="en-US" dirty="0"/>
           </a:p>
         </p:txBody>
       </p:sp>
@@ -12418,6 +13394,125 @@
 </p:sld>
 </file>
 
+<file path=ppt/slides/slide8.xml><?xml version="1.0" encoding="utf-8"?>
+<p:sld xmlns:a="http://schemas.openxmlformats.org/drawingml/2006/main" xmlns:r="http://schemas.openxmlformats.org/officeDocument/2006/relationships" xmlns:p="http://schemas.openxmlformats.org/presentationml/2006/main">
+  <p:cSld>
+    <p:spTree>
+      <p:nvGrpSpPr>
+        <p:cNvPr id="1" name=""/>
+        <p:cNvGrpSpPr/>
+        <p:nvPr/>
+      </p:nvGrpSpPr>
+      <p:grpSpPr>
+        <a:xfrm>
+          <a:off x="0" y="0"/>
+          <a:ext cx="0" cy="0"/>
+          <a:chOff x="0" y="0"/>
+          <a:chExt cx="0" cy="0"/>
+        </a:xfrm>
+      </p:grpSpPr>
+      <p:sp>
+        <p:nvSpPr>
+          <p:cNvPr id="2" name="Заголовок 1"/>
+          <p:cNvSpPr>
+            <a:spLocks noGrp="1"/>
+          </p:cNvSpPr>
+          <p:nvPr>
+            <p:ph type="title"/>
+          </p:nvPr>
+        </p:nvSpPr>
+        <p:spPr>
+          <a:xfrm>
+            <a:off x="536658" y="187569"/>
+            <a:ext cx="8596668" cy="1320800"/>
+          </a:xfrm>
+        </p:spPr>
+        <p:txBody>
+          <a:bodyPr>
+            <a:normAutofit/>
+          </a:bodyPr>
+          <a:lstStyle/>
+          <a:p>
+            <a:r>
+              <a:rPr lang="ru-RU" sz="2600" dirty="0" smtClean="0"/>
+              <a:t>Диаграмма прецедентов</a:t>
+            </a:r>
+            <a:endParaRPr lang="ru-RU" sz="2600" dirty="0"/>
+          </a:p>
+        </p:txBody>
+      </p:sp>
+      <p:sp>
+        <p:nvSpPr>
+          <p:cNvPr id="3" name="Объект 2"/>
+          <p:cNvSpPr>
+            <a:spLocks noGrp="1"/>
+          </p:cNvSpPr>
+          <p:nvPr>
+            <p:ph idx="1"/>
+          </p:nvPr>
+        </p:nvSpPr>
+        <p:spPr/>
+        <p:txBody>
+          <a:bodyPr/>
+          <a:lstStyle/>
+          <a:p>
+            <a:endParaRPr lang="ru-RU" dirty="0"/>
+          </a:p>
+        </p:txBody>
+      </p:sp>
+      <p:pic>
+        <p:nvPicPr>
+          <p:cNvPr id="6" name="Рисунок 5" descr="C:\Users\kparakhin\AppData\Local\Packages\Microsoft.Windows.Photos_8wekyb3d8bbwe\TempState\ShareServiceTempFolder\cases_with_manager.jpeg"/>
+          <p:cNvPicPr/>
+          <p:nvPr/>
+        </p:nvPicPr>
+        <p:blipFill>
+          <a:blip r:embed="rId2">
+            <a:extLst>
+              <a:ext uri="{28A0092B-C50C-407E-A947-70E740481C1C}">
+                <a14:useLocalDpi xmlns:a14="http://schemas.microsoft.com/office/drawing/2010/main" val="0"/>
+              </a:ext>
+            </a:extLst>
+          </a:blip>
+          <a:srcRect/>
+          <a:stretch>
+            <a:fillRect/>
+          </a:stretch>
+        </p:blipFill>
+        <p:spPr bwMode="auto">
+          <a:xfrm>
+            <a:off x="1271856" y="1006701"/>
+            <a:ext cx="7126272" cy="5367973"/>
+          </a:xfrm>
+          <a:prstGeom prst="rect">
+            <a:avLst/>
+          </a:prstGeom>
+          <a:noFill/>
+          <a:ln>
+            <a:noFill/>
+          </a:ln>
+        </p:spPr>
+      </p:pic>
+    </p:spTree>
+    <p:extLst>
+      <p:ext uri="{BB962C8B-B14F-4D97-AF65-F5344CB8AC3E}">
+        <p14:creationId xmlns:p14="http://schemas.microsoft.com/office/powerpoint/2010/main" val="3386557744"/>
+      </p:ext>
+    </p:extLst>
+  </p:cSld>
+  <p:clrMapOvr>
+    <a:masterClrMapping/>
+  </p:clrMapOvr>
+  <p:timing>
+    <p:tnLst>
+      <p:par>
+        <p:cTn id="1" dur="indefinite" restart="never" nodeType="tmRoot"/>
+      </p:par>
+    </p:tnLst>
+  </p:timing>
+</p:sld>
+</file>
+
 <file path=ppt/slides/slide9.xml><?xml version="1.0" encoding="utf-8"?>
 <p:sld xmlns:a="http://schemas.openxmlformats.org/drawingml/2006/main" xmlns:r="http://schemas.openxmlformats.org/officeDocument/2006/relationships" xmlns:p="http://schemas.openxmlformats.org/presentationml/2006/main">
   <p:cSld>
@@ -12459,7 +13554,7 @@
           <a:p>
             <a:r>
               <a:rPr lang="ru-RU" sz="2600" dirty="0" smtClean="0"/>
-              <a:t>Диаграмма прецедентов</a:t>
+              <a:t>Физическая схема базы данных</a:t>
             </a:r>
             <a:endParaRPr lang="ru-RU" sz="2600" dirty="0"/>
           </a:p>
@@ -12475,7 +13570,12 @@
             <p:ph idx="1"/>
           </p:nvPr>
         </p:nvSpPr>
-        <p:spPr/>
+        <p:spPr>
+          <a:xfrm>
+            <a:off x="1342352" y="2108338"/>
+            <a:ext cx="8596668" cy="3880773"/>
+          </a:xfrm>
+        </p:spPr>
         <p:txBody>
           <a:bodyPr/>
           <a:lstStyle/>
@@ -12486,7 +13586,7 @@
       </p:sp>
       <p:pic>
         <p:nvPicPr>
-          <p:cNvPr id="5" name="Рисунок 4" descr="C:\Users\kparakhin\AppData\Local\Packages\Microsoft.Windows.Photos_8wekyb3d8bbwe\TempState\ShareServiceTempFolder\cases_with_manager.jpeg"/>
+          <p:cNvPr id="5" name="Рисунок 4" descr="C:\Users\Кирилл\Desktop\labs_main\Диплом\db_scheme_light.jpg"/>
           <p:cNvPicPr/>
           <p:nvPr/>
         </p:nvPicPr>
@@ -12505,8 +13605,8 @@
         </p:blipFill>
         <p:spPr bwMode="auto">
           <a:xfrm>
-            <a:off x="1253407" y="769592"/>
-            <a:ext cx="8020595" cy="5848922"/>
+            <a:off x="661852" y="1079862"/>
+            <a:ext cx="8792527" cy="4804745"/>
           </a:xfrm>
           <a:prstGeom prst="rect">
             <a:avLst/>
@@ -12520,7 +13620,7 @@
     </p:spTree>
     <p:extLst>
       <p:ext uri="{BB962C8B-B14F-4D97-AF65-F5344CB8AC3E}">
-        <p14:creationId xmlns:p14="http://schemas.microsoft.com/office/powerpoint/2010/main" val="3386557744"/>
+        <p14:creationId xmlns:p14="http://schemas.microsoft.com/office/powerpoint/2010/main" val="3667065728"/>
       </p:ext>
     </p:extLst>
   </p:cSld>
